--- a/Unit 9 Case Study_Nelson_Hedge.pptx
+++ b/Unit 9 Case Study_Nelson_Hedge.pptx
@@ -7,18 +7,16 @@
   <p:sldIdLst>
     <p:sldId id="580" r:id="rId2"/>
     <p:sldId id="742" r:id="rId3"/>
-    <p:sldId id="749" r:id="rId4"/>
-    <p:sldId id="750" r:id="rId5"/>
-    <p:sldId id="743" r:id="rId6"/>
-    <p:sldId id="751" r:id="rId7"/>
-    <p:sldId id="752" r:id="rId8"/>
-    <p:sldId id="746" r:id="rId9"/>
-    <p:sldId id="748" r:id="rId10"/>
-    <p:sldId id="747" r:id="rId11"/>
-    <p:sldId id="744" r:id="rId12"/>
-    <p:sldId id="745" r:id="rId13"/>
-    <p:sldId id="741" r:id="rId14"/>
-    <p:sldId id="526" r:id="rId15"/>
+    <p:sldId id="743" r:id="rId4"/>
+    <p:sldId id="752" r:id="rId5"/>
+    <p:sldId id="746" r:id="rId6"/>
+    <p:sldId id="747" r:id="rId7"/>
+    <p:sldId id="748" r:id="rId8"/>
+    <p:sldId id="744" r:id="rId9"/>
+    <p:sldId id="745" r:id="rId10"/>
+    <p:sldId id="753" r:id="rId11"/>
+    <p:sldId id="754" r:id="rId12"/>
+    <p:sldId id="526" r:id="rId13"/>
   </p:sldIdLst>
   <p:sldSz cx="9144000" cy="6858000" type="screen4x3"/>
   <p:notesSz cx="6858000" cy="9144000"/>
@@ -2295,8 +2293,13 @@
           <a:lstStyle/>
           <a:p>
             <a:r>
-              <a:rPr lang="en-US" dirty="0"/>
-              <a:t>For Live Session</a:t>
+              <a:rPr lang="en-US" b="1" i="1" dirty="0">
+                <a:solidFill>
+                  <a:srgbClr val="FF0000"/>
+                </a:solidFill>
+                <a:latin typeface="Bell MT" panose="02020503060305020303" pitchFamily="18" charset="0"/>
+              </a:rPr>
+              <a:t>What is the best BEER?</a:t>
             </a:r>
           </a:p>
         </p:txBody>
@@ -2323,13 +2326,8 @@
           <a:p>
             <a:r>
               <a:rPr lang="en-IN" dirty="0"/>
-              <a:t>Unit 9 Case Study </a:t>
-            </a:r>
-            <a:r>
-              <a:rPr lang="en-IN"/>
-              <a:t>of Breweries</a:t>
-            </a:r>
-            <a:endParaRPr lang="en-IN" dirty="0"/>
+              <a:t>Unit 9 Case Study of Breweries</a:t>
+            </a:r>
           </a:p>
           <a:p>
             <a:r>
@@ -2359,7 +2357,7 @@
 </file>
 
 <file path=ppt/slides/slide10.xml><?xml version="1.0" encoding="utf-8"?>
-<p:sld xmlns:a="http://schemas.openxmlformats.org/drawingml/2006/main" xmlns:r="http://schemas.openxmlformats.org/officeDocument/2006/relationships" xmlns:p="http://schemas.openxmlformats.org/presentationml/2006/main">
+<p:sld xmlns:a="http://schemas.openxmlformats.org/drawingml/2006/main" xmlns:r="http://schemas.openxmlformats.org/officeDocument/2006/relationships" xmlns:p="http://schemas.openxmlformats.org/presentationml/2006/main" show="0">
   <p:cSld>
     <p:spTree>
       <p:nvGrpSpPr>
@@ -2375,40 +2373,12 @@
           <a:chExt cx="0" cy="0"/>
         </a:xfrm>
       </p:grpSpPr>
-      <p:sp>
-        <p:nvSpPr>
-          <p:cNvPr id="2" name="Title 1">
+      <p:pic>
+        <p:nvPicPr>
+          <p:cNvPr id="10" name="Picture">
             <a:extLst>
               <a:ext uri="{FF2B5EF4-FFF2-40B4-BE49-F238E27FC236}">
-                <a16:creationId xmlns:a16="http://schemas.microsoft.com/office/drawing/2014/main" id="{7C6F63A3-DCD8-4273-8AF6-ED986D0EA1F8}"/>
-              </a:ext>
-            </a:extLst>
-          </p:cNvPr>
-          <p:cNvSpPr>
-            <a:spLocks noGrp="1"/>
-          </p:cNvSpPr>
-          <p:nvPr>
-            <p:ph type="title"/>
-          </p:nvPr>
-        </p:nvSpPr>
-        <p:spPr/>
-        <p:txBody>
-          <a:bodyPr/>
-          <a:lstStyle/>
-          <a:p>
-            <a:r>
-              <a:rPr lang="en-US" dirty="0"/>
-              <a:t>Max IBU</a:t>
-            </a:r>
-          </a:p>
-        </p:txBody>
-      </p:sp>
-      <p:pic>
-        <p:nvPicPr>
-          <p:cNvPr id="4" name="Picture">
-            <a:extLst>
-              <a:ext uri="{FF2B5EF4-FFF2-40B4-BE49-F238E27FC236}">
-                <a16:creationId xmlns:a16="http://schemas.microsoft.com/office/drawing/2014/main" id="{0596F40A-CEC1-4793-B0F5-AC6B4BC63D23}"/>
+                <a16:creationId xmlns:a16="http://schemas.microsoft.com/office/drawing/2014/main" id="{4675E6D7-D730-4C73-B9F1-152F24B7689D}"/>
               </a:ext>
             </a:extLst>
           </p:cNvPr>
@@ -2427,8 +2397,8 @@
         </p:blipFill>
         <p:spPr bwMode="auto">
           <a:xfrm>
-            <a:off x="457200" y="1371600"/>
-            <a:ext cx="8229600" cy="5257800"/>
+            <a:off x="457200" y="1320084"/>
+            <a:ext cx="8229600" cy="5309316"/>
           </a:xfrm>
           <a:prstGeom prst="rect">
             <a:avLst/>
@@ -2441,16 +2411,270 @@
           </a:ln>
         </p:spPr>
       </p:pic>
+      <p:sp>
+        <p:nvSpPr>
+          <p:cNvPr id="2" name="Title 1">
+            <a:extLst>
+              <a:ext uri="{FF2B5EF4-FFF2-40B4-BE49-F238E27FC236}">
+                <a16:creationId xmlns:a16="http://schemas.microsoft.com/office/drawing/2014/main" id="{B8105588-7815-42C5-8711-4D5D386E7EEC}"/>
+              </a:ext>
+            </a:extLst>
+          </p:cNvPr>
+          <p:cNvSpPr>
+            <a:spLocks noGrp="1"/>
+          </p:cNvSpPr>
+          <p:nvPr>
+            <p:ph type="title"/>
+          </p:nvPr>
+        </p:nvSpPr>
+        <p:spPr/>
+        <p:txBody>
+          <a:bodyPr/>
+          <a:lstStyle/>
+          <a:p>
+            <a:r>
+              <a:rPr lang="en-US" dirty="0"/>
+              <a:t>ABV to IBU</a:t>
+            </a:r>
+          </a:p>
+        </p:txBody>
+      </p:sp>
+      <p:grpSp>
+        <p:nvGrpSpPr>
+          <p:cNvPr id="9" name="Group 8">
+            <a:extLst>
+              <a:ext uri="{FF2B5EF4-FFF2-40B4-BE49-F238E27FC236}">
+                <a16:creationId xmlns:a16="http://schemas.microsoft.com/office/drawing/2014/main" id="{C321DC8C-FA3C-4880-BF89-F9ABFB612A33}"/>
+              </a:ext>
+            </a:extLst>
+          </p:cNvPr>
+          <p:cNvGrpSpPr/>
+          <p:nvPr/>
+        </p:nvGrpSpPr>
+        <p:grpSpPr>
+          <a:xfrm>
+            <a:off x="1725769" y="4025428"/>
+            <a:ext cx="3472249" cy="1881666"/>
+            <a:chOff x="4572000" y="3600426"/>
+            <a:chExt cx="3472249" cy="1881666"/>
+          </a:xfrm>
+        </p:grpSpPr>
+        <p:sp>
+          <p:nvSpPr>
+            <p:cNvPr id="5" name="TextBox 4">
+              <a:extLst>
+                <a:ext uri="{FF2B5EF4-FFF2-40B4-BE49-F238E27FC236}">
+                  <a16:creationId xmlns:a16="http://schemas.microsoft.com/office/drawing/2014/main" id="{3D756111-8521-4D3A-B43E-711478BD7A62}"/>
+                </a:ext>
+              </a:extLst>
+            </p:cNvPr>
+            <p:cNvSpPr txBox="1"/>
+            <p:nvPr/>
+          </p:nvSpPr>
+          <p:spPr>
+            <a:xfrm>
+              <a:off x="4572000" y="4743428"/>
+              <a:ext cx="3472249" cy="738664"/>
+            </a:xfrm>
+            <a:prstGeom prst="rect">
+              <a:avLst/>
+            </a:prstGeom>
+            <a:solidFill>
+              <a:schemeClr val="accent1"/>
+            </a:solidFill>
+          </p:spPr>
+          <p:txBody>
+            <a:bodyPr wrap="square" rtlCol="0">
+              <a:spAutoFit/>
+            </a:bodyPr>
+            <a:lstStyle/>
+            <a:p>
+              <a:pPr algn="ctr"/>
+              <a:r>
+                <a:rPr lang="en-US" sz="1400" b="1" dirty="0"/>
+                <a:t>Filled data has correlation of 54% which is due to large cluster of filled data below 50 ABV</a:t>
+              </a:r>
+            </a:p>
+          </p:txBody>
+        </p:sp>
+        <p:sp>
+          <p:nvSpPr>
+            <p:cNvPr id="7" name="Arrow: Right 6">
+              <a:extLst>
+                <a:ext uri="{FF2B5EF4-FFF2-40B4-BE49-F238E27FC236}">
+                  <a16:creationId xmlns:a16="http://schemas.microsoft.com/office/drawing/2014/main" id="{2B08B674-7265-4E2A-8CD7-9A5BD55AB7A2}"/>
+                </a:ext>
+              </a:extLst>
+            </p:cNvPr>
+            <p:cNvSpPr/>
+            <p:nvPr/>
+          </p:nvSpPr>
+          <p:spPr>
+            <a:xfrm rot="16200000">
+              <a:off x="5736625" y="4062455"/>
+              <a:ext cx="1143001" cy="218943"/>
+            </a:xfrm>
+            <a:prstGeom prst="rightArrow">
+              <a:avLst/>
+            </a:prstGeom>
+          </p:spPr>
+          <p:style>
+            <a:lnRef idx="2">
+              <a:schemeClr val="accent1">
+                <a:shade val="50000"/>
+              </a:schemeClr>
+            </a:lnRef>
+            <a:fillRef idx="1">
+              <a:schemeClr val="accent1"/>
+            </a:fillRef>
+            <a:effectRef idx="0">
+              <a:schemeClr val="accent1"/>
+            </a:effectRef>
+            <a:fontRef idx="minor">
+              <a:schemeClr val="lt1"/>
+            </a:fontRef>
+          </p:style>
+          <p:txBody>
+            <a:bodyPr rtlCol="0" anchor="ctr"/>
+            <a:lstStyle/>
+            <a:p>
+              <a:pPr algn="ctr"/>
+              <a:endParaRPr lang="en-US"/>
+            </a:p>
+          </p:txBody>
+        </p:sp>
+      </p:grpSp>
     </p:spTree>
     <p:extLst>
       <p:ext uri="{BB962C8B-B14F-4D97-AF65-F5344CB8AC3E}">
-        <p14:creationId xmlns:p14="http://schemas.microsoft.com/office/powerpoint/2010/main" val="3732306186"/>
+        <p14:creationId xmlns:p14="http://schemas.microsoft.com/office/powerpoint/2010/main" val="3353598518"/>
       </p:ext>
     </p:extLst>
   </p:cSld>
   <p:clrMapOvr>
     <a:masterClrMapping/>
   </p:clrMapOvr>
+  <p:timing>
+    <p:tnLst>
+      <p:par>
+        <p:cTn id="1" dur="indefinite" restart="never" nodeType="tmRoot">
+          <p:childTnLst>
+            <p:seq concurrent="1" nextAc="seek">
+              <p:cTn id="2" dur="indefinite" nodeType="mainSeq">
+                <p:childTnLst>
+                  <p:par>
+                    <p:cTn id="3" fill="hold">
+                      <p:stCondLst>
+                        <p:cond delay="indefinite"/>
+                      </p:stCondLst>
+                      <p:childTnLst>
+                        <p:par>
+                          <p:cTn id="4" fill="hold">
+                            <p:stCondLst>
+                              <p:cond delay="0"/>
+                            </p:stCondLst>
+                            <p:childTnLst>
+                              <p:par>
+                                <p:cTn id="5" presetID="2" presetClass="entr" presetSubtype="4" fill="hold" nodeType="clickEffect">
+                                  <p:stCondLst>
+                                    <p:cond delay="0"/>
+                                  </p:stCondLst>
+                                  <p:childTnLst>
+                                    <p:set>
+                                      <p:cBhvr>
+                                        <p:cTn id="6" dur="1" fill="hold">
+                                          <p:stCondLst>
+                                            <p:cond delay="0"/>
+                                          </p:stCondLst>
+                                        </p:cTn>
+                                        <p:tgtEl>
+                                          <p:spTgt spid="9"/>
+                                        </p:tgtEl>
+                                        <p:attrNameLst>
+                                          <p:attrName>style.visibility</p:attrName>
+                                        </p:attrNameLst>
+                                      </p:cBhvr>
+                                      <p:to>
+                                        <p:strVal val="visible"/>
+                                      </p:to>
+                                    </p:set>
+                                    <p:anim calcmode="lin" valueType="num">
+                                      <p:cBhvr additive="base">
+                                        <p:cTn id="7" dur="500" fill="hold"/>
+                                        <p:tgtEl>
+                                          <p:spTgt spid="9"/>
+                                        </p:tgtEl>
+                                        <p:attrNameLst>
+                                          <p:attrName>ppt_x</p:attrName>
+                                        </p:attrNameLst>
+                                      </p:cBhvr>
+                                      <p:tavLst>
+                                        <p:tav tm="0">
+                                          <p:val>
+                                            <p:strVal val="#ppt_x"/>
+                                          </p:val>
+                                        </p:tav>
+                                        <p:tav tm="100000">
+                                          <p:val>
+                                            <p:strVal val="#ppt_x"/>
+                                          </p:val>
+                                        </p:tav>
+                                      </p:tavLst>
+                                    </p:anim>
+                                    <p:anim calcmode="lin" valueType="num">
+                                      <p:cBhvr additive="base">
+                                        <p:cTn id="8" dur="500" fill="hold"/>
+                                        <p:tgtEl>
+                                          <p:spTgt spid="9"/>
+                                        </p:tgtEl>
+                                        <p:attrNameLst>
+                                          <p:attrName>ppt_y</p:attrName>
+                                        </p:attrNameLst>
+                                      </p:cBhvr>
+                                      <p:tavLst>
+                                        <p:tav tm="0">
+                                          <p:val>
+                                            <p:strVal val="1+#ppt_h/2"/>
+                                          </p:val>
+                                        </p:tav>
+                                        <p:tav tm="100000">
+                                          <p:val>
+                                            <p:strVal val="#ppt_y"/>
+                                          </p:val>
+                                        </p:tav>
+                                      </p:tavLst>
+                                    </p:anim>
+                                  </p:childTnLst>
+                                </p:cTn>
+                              </p:par>
+                            </p:childTnLst>
+                          </p:cTn>
+                        </p:par>
+                      </p:childTnLst>
+                    </p:cTn>
+                  </p:par>
+                </p:childTnLst>
+              </p:cTn>
+              <p:prevCondLst>
+                <p:cond evt="onPrev" delay="0">
+                  <p:tgtEl>
+                    <p:sldTgt/>
+                  </p:tgtEl>
+                </p:cond>
+              </p:prevCondLst>
+              <p:nextCondLst>
+                <p:cond evt="onNext" delay="0">
+                  <p:tgtEl>
+                    <p:sldTgt/>
+                  </p:tgtEl>
+                </p:cond>
+              </p:nextCondLst>
+            </p:seq>
+          </p:childTnLst>
+        </p:cTn>
+      </p:par>
+    </p:tnLst>
+  </p:timing>
 </p:sld>
 </file>
 
@@ -2476,7 +2700,7 @@
           <p:cNvPr id="2" name="Title 1">
             <a:extLst>
               <a:ext uri="{FF2B5EF4-FFF2-40B4-BE49-F238E27FC236}">
-                <a16:creationId xmlns:a16="http://schemas.microsoft.com/office/drawing/2014/main" id="{7C6F63A3-DCD8-4273-8AF6-ED986D0EA1F8}"/>
+                <a16:creationId xmlns:a16="http://schemas.microsoft.com/office/drawing/2014/main" id="{C43AC18B-C277-4BEA-B5E7-78CA2D00CF8A}"/>
               </a:ext>
             </a:extLst>
           </p:cNvPr>
@@ -2494,117 +2718,60 @@
           <a:p>
             <a:r>
               <a:rPr lang="en-US" dirty="0"/>
-              <a:t>ABV stats and distribution</a:t>
+              <a:t>Future?</a:t>
             </a:r>
           </a:p>
         </p:txBody>
       </p:sp>
-      <p:pic>
-        <p:nvPicPr>
-          <p:cNvPr id="4" name="Picture">
+      <p:sp>
+        <p:nvSpPr>
+          <p:cNvPr id="3" name="Content Placeholder 2">
             <a:extLst>
               <a:ext uri="{FF2B5EF4-FFF2-40B4-BE49-F238E27FC236}">
-                <a16:creationId xmlns:a16="http://schemas.microsoft.com/office/drawing/2014/main" id="{D22D390F-6E76-4C0B-83B5-89796A68D128}"/>
+                <a16:creationId xmlns:a16="http://schemas.microsoft.com/office/drawing/2014/main" id="{A61A407F-637A-4228-AB98-73BC88D50E6F}"/>
               </a:ext>
             </a:extLst>
           </p:cNvPr>
-          <p:cNvPicPr/>
-          <p:nvPr/>
-        </p:nvPicPr>
-        <p:blipFill>
-          <a:blip r:embed="rId2"/>
-          <a:stretch>
-            <a:fillRect/>
-          </a:stretch>
-        </p:blipFill>
-        <p:spPr bwMode="auto">
-          <a:xfrm>
-            <a:off x="-9" y="1309815"/>
-            <a:ext cx="3917101" cy="2693774"/>
-          </a:xfrm>
-          <a:prstGeom prst="rect">
-            <a:avLst/>
-          </a:prstGeom>
-          <a:noFill/>
-          <a:ln w="9525">
-            <a:noFill/>
-            <a:headEnd/>
-            <a:tailEnd/>
-          </a:ln>
-        </p:spPr>
-      </p:pic>
-      <p:pic>
-        <p:nvPicPr>
-          <p:cNvPr id="5" name="Picture">
-            <a:extLst>
-              <a:ext uri="{FF2B5EF4-FFF2-40B4-BE49-F238E27FC236}">
-                <a16:creationId xmlns:a16="http://schemas.microsoft.com/office/drawing/2014/main" id="{B0533049-B2D8-449F-A53D-BF9FFEF81509}"/>
-              </a:ext>
-            </a:extLst>
-          </p:cNvPr>
-          <p:cNvPicPr/>
-          <p:nvPr/>
-        </p:nvPicPr>
-        <p:blipFill>
-          <a:blip r:embed="rId3"/>
-          <a:stretch>
-            <a:fillRect/>
-          </a:stretch>
-        </p:blipFill>
-        <p:spPr bwMode="auto">
-          <a:xfrm>
-            <a:off x="4572000" y="2714884"/>
-            <a:ext cx="4051223" cy="2681929"/>
-          </a:xfrm>
-          <a:prstGeom prst="rect">
-            <a:avLst/>
-          </a:prstGeom>
-          <a:noFill/>
-          <a:ln w="9525">
-            <a:noFill/>
-            <a:headEnd/>
-            <a:tailEnd/>
-          </a:ln>
-        </p:spPr>
-      </p:pic>
-      <p:pic>
-        <p:nvPicPr>
-          <p:cNvPr id="6" name="Picture">
-            <a:extLst>
-              <a:ext uri="{FF2B5EF4-FFF2-40B4-BE49-F238E27FC236}">
-                <a16:creationId xmlns:a16="http://schemas.microsoft.com/office/drawing/2014/main" id="{5A9A52A6-1C8E-4977-969B-89A01384EB86}"/>
-              </a:ext>
-            </a:extLst>
-          </p:cNvPr>
-          <p:cNvPicPr/>
-          <p:nvPr/>
-        </p:nvPicPr>
-        <p:blipFill>
-          <a:blip r:embed="rId4"/>
-          <a:stretch>
-            <a:fillRect/>
-          </a:stretch>
-        </p:blipFill>
-        <p:spPr bwMode="auto">
-          <a:xfrm>
-            <a:off x="24715" y="4003589"/>
-            <a:ext cx="3892378" cy="2786448"/>
-          </a:xfrm>
-          <a:prstGeom prst="rect">
-            <a:avLst/>
-          </a:prstGeom>
-          <a:noFill/>
-          <a:ln w="9525">
-            <a:noFill/>
-            <a:headEnd/>
-            <a:tailEnd/>
-          </a:ln>
-        </p:spPr>
-      </p:pic>
+          <p:cNvSpPr>
+            <a:spLocks noGrp="1"/>
+          </p:cNvSpPr>
+          <p:nvPr>
+            <p:ph idx="1"/>
+          </p:nvPr>
+        </p:nvSpPr>
+        <p:spPr/>
+        <p:txBody>
+          <a:bodyPr/>
+          <a:lstStyle/>
+          <a:p>
+            <a:pPr marL="514350" indent="-514350">
+              <a:buAutoNum type="arabicPeriod"/>
+            </a:pPr>
+            <a:r>
+              <a:rPr lang="en-US" dirty="0"/>
+              <a:t>Sales data to correlate type of beers with sales by state.</a:t>
+            </a:r>
+          </a:p>
+          <a:p>
+            <a:pPr marL="514350" indent="-514350">
+              <a:buAutoNum type="arabicPeriod"/>
+            </a:pPr>
+            <a:r>
+              <a:rPr lang="en-US" dirty="0"/>
+              <a:t>More complete data set for </a:t>
+            </a:r>
+            <a:r>
+              <a:rPr lang="en-US"/>
+              <a:t>better analysis.</a:t>
+            </a:r>
+            <a:endParaRPr lang="en-US" dirty="0"/>
+          </a:p>
+        </p:txBody>
+      </p:sp>
     </p:spTree>
     <p:extLst>
       <p:ext uri="{BB962C8B-B14F-4D97-AF65-F5344CB8AC3E}">
-        <p14:creationId xmlns:p14="http://schemas.microsoft.com/office/powerpoint/2010/main" val="2162281051"/>
+        <p14:creationId xmlns:p14="http://schemas.microsoft.com/office/powerpoint/2010/main" val="1126152377"/>
       </p:ext>
     </p:extLst>
   </p:cSld>
@@ -2615,286 +2782,6 @@
 </file>
 
 <file path=ppt/slides/slide12.xml><?xml version="1.0" encoding="utf-8"?>
-<p:sld xmlns:a="http://schemas.openxmlformats.org/drawingml/2006/main" xmlns:r="http://schemas.openxmlformats.org/officeDocument/2006/relationships" xmlns:p="http://schemas.openxmlformats.org/presentationml/2006/main">
-  <p:cSld>
-    <p:spTree>
-      <p:nvGrpSpPr>
-        <p:cNvPr id="1" name=""/>
-        <p:cNvGrpSpPr/>
-        <p:nvPr/>
-      </p:nvGrpSpPr>
-      <p:grpSpPr>
-        <a:xfrm>
-          <a:off x="0" y="0"/>
-          <a:ext cx="0" cy="0"/>
-          <a:chOff x="0" y="0"/>
-          <a:chExt cx="0" cy="0"/>
-        </a:xfrm>
-      </p:grpSpPr>
-      <p:sp>
-        <p:nvSpPr>
-          <p:cNvPr id="2" name="Title 1">
-            <a:extLst>
-              <a:ext uri="{FF2B5EF4-FFF2-40B4-BE49-F238E27FC236}">
-                <a16:creationId xmlns:a16="http://schemas.microsoft.com/office/drawing/2014/main" id="{B8105588-7815-42C5-8711-4D5D386E7EEC}"/>
-              </a:ext>
-            </a:extLst>
-          </p:cNvPr>
-          <p:cNvSpPr>
-            <a:spLocks noGrp="1"/>
-          </p:cNvSpPr>
-          <p:nvPr>
-            <p:ph type="title"/>
-          </p:nvPr>
-        </p:nvSpPr>
-        <p:spPr/>
-        <p:txBody>
-          <a:bodyPr/>
-          <a:lstStyle/>
-          <a:p>
-            <a:r>
-              <a:rPr lang="en-US" dirty="0"/>
-              <a:t>ABV to IBU</a:t>
-            </a:r>
-          </a:p>
-        </p:txBody>
-      </p:sp>
-      <p:pic>
-        <p:nvPicPr>
-          <p:cNvPr id="8" name="Picture">
-            <a:extLst>
-              <a:ext uri="{FF2B5EF4-FFF2-40B4-BE49-F238E27FC236}">
-                <a16:creationId xmlns:a16="http://schemas.microsoft.com/office/drawing/2014/main" id="{D00EC59C-BFFE-4C6E-AEA9-F85260F7F545}"/>
-              </a:ext>
-            </a:extLst>
-          </p:cNvPr>
-          <p:cNvPicPr>
-            <a:picLocks noGrp="1"/>
-          </p:cNvPicPr>
-          <p:nvPr>
-            <p:ph idx="1"/>
-          </p:nvPr>
-        </p:nvPicPr>
-        <p:blipFill>
-          <a:blip r:embed="rId2"/>
-          <a:stretch>
-            <a:fillRect/>
-          </a:stretch>
-        </p:blipFill>
-        <p:spPr bwMode="auto">
-          <a:xfrm>
-            <a:off x="457200" y="1322172"/>
-            <a:ext cx="8229600" cy="5257800"/>
-          </a:xfrm>
-          <a:prstGeom prst="rect">
-            <a:avLst/>
-          </a:prstGeom>
-          <a:noFill/>
-          <a:ln w="9525">
-            <a:noFill/>
-            <a:headEnd/>
-            <a:tailEnd/>
-          </a:ln>
-        </p:spPr>
-      </p:pic>
-    </p:spTree>
-    <p:extLst>
-      <p:ext uri="{BB962C8B-B14F-4D97-AF65-F5344CB8AC3E}">
-        <p14:creationId xmlns:p14="http://schemas.microsoft.com/office/powerpoint/2010/main" val="1978607351"/>
-      </p:ext>
-    </p:extLst>
-  </p:cSld>
-  <p:clrMapOvr>
-    <a:masterClrMapping/>
-  </p:clrMapOvr>
-</p:sld>
-</file>
-
-<file path=ppt/slides/slide13.xml><?xml version="1.0" encoding="utf-8"?>
-<p:sld xmlns:a="http://schemas.openxmlformats.org/drawingml/2006/main" xmlns:r="http://schemas.openxmlformats.org/officeDocument/2006/relationships" xmlns:p="http://schemas.openxmlformats.org/presentationml/2006/main">
-  <p:cSld>
-    <p:spTree>
-      <p:nvGrpSpPr>
-        <p:cNvPr id="1" name=""/>
-        <p:cNvGrpSpPr/>
-        <p:nvPr/>
-      </p:nvGrpSpPr>
-      <p:grpSpPr>
-        <a:xfrm>
-          <a:off x="0" y="0"/>
-          <a:ext cx="0" cy="0"/>
-          <a:chOff x="0" y="0"/>
-          <a:chExt cx="0" cy="0"/>
-        </a:xfrm>
-      </p:grpSpPr>
-      <mc:AlternateContent xmlns:mc="http://schemas.openxmlformats.org/markup-compatibility/2006" xmlns:a14="http://schemas.microsoft.com/office/drawing/2010/main">
-        <mc:Choice Requires="a14">
-          <p:sp>
-            <p:nvSpPr>
-              <p:cNvPr id="2" name="Title 1">
-                <a:extLst>
-                  <a:ext uri="{FF2B5EF4-FFF2-40B4-BE49-F238E27FC236}">
-                    <a16:creationId xmlns:a16="http://schemas.microsoft.com/office/drawing/2014/main" id="{79866D22-F16C-A645-BAD3-EE9380F9712C}"/>
-                  </a:ext>
-                </a:extLst>
-              </p:cNvPr>
-              <p:cNvSpPr>
-                <a:spLocks noGrp="1"/>
-              </p:cNvSpPr>
-              <p:nvPr>
-                <p:ph type="title"/>
-              </p:nvPr>
-            </p:nvSpPr>
-            <p:spPr/>
-            <p:txBody>
-              <a:bodyPr/>
-              <a:lstStyle/>
-              <a:p>
-                <a:r>
-                  <a:rPr lang="en-US"/>
-                  <a:t>Part 3 </a:t>
-                </a:r>
-                <a:r>
-                  <a:rPr lang="en-US" dirty="0"/>
-                  <a:t>(</a:t>
-                </a:r>
-                <a14:m>
-                  <m:oMath xmlns:m="http://schemas.openxmlformats.org/officeDocument/2006/math">
-                    <m:r>
-                      <a:rPr lang="en-US" i="1" smtClean="0">
-                        <a:latin typeface="Cambria Math" panose="02040503050406030204" pitchFamily="18" charset="0"/>
-                        <a:ea typeface="Cambria Math" panose="02040503050406030204" pitchFamily="18" charset="0"/>
-                      </a:rPr>
-                      <m:t>≤</m:t>
-                    </m:r>
-                    <m:r>
-                      <a:rPr lang="en-US" b="0" i="1" smtClean="0">
-                        <a:latin typeface="Cambria Math" panose="02040503050406030204" pitchFamily="18" charset="0"/>
-                        <a:ea typeface="Cambria Math" panose="02040503050406030204" pitchFamily="18" charset="0"/>
-                      </a:rPr>
-                      <m:t>1 </m:t>
-                    </m:r>
-                    <m:r>
-                      <a:rPr lang="en-US" b="0" i="1" smtClean="0">
-                        <a:latin typeface="Cambria Math" panose="02040503050406030204" pitchFamily="18" charset="0"/>
-                        <a:ea typeface="Cambria Math" panose="02040503050406030204" pitchFamily="18" charset="0"/>
-                      </a:rPr>
-                      <m:t>h𝑜𝑢𝑟</m:t>
-                    </m:r>
-                  </m:oMath>
-                </a14:m>
-                <a:r>
-                  <a:rPr lang="en-US" dirty="0"/>
-                  <a:t>)</a:t>
-                </a:r>
-              </a:p>
-            </p:txBody>
-          </p:sp>
-        </mc:Choice>
-        <mc:Fallback xmlns="">
-          <p:sp>
-            <p:nvSpPr>
-              <p:cNvPr id="2" name="Title 1">
-                <a:extLst>
-                  <a:ext uri="{FF2B5EF4-FFF2-40B4-BE49-F238E27FC236}">
-                    <a16:creationId xmlns:a16="http://schemas.microsoft.com/office/drawing/2014/main" id="{79866D22-F16C-A645-BAD3-EE9380F9712C}"/>
-                  </a:ext>
-                </a:extLst>
-              </p:cNvPr>
-              <p:cNvSpPr>
-                <a:spLocks noGrp="1" noRot="1" noChangeAspect="1" noMove="1" noResize="1" noEditPoints="1" noAdjustHandles="1" noChangeArrowheads="1" noChangeShapeType="1" noTextEdit="1"/>
-              </p:cNvSpPr>
-              <p:nvPr>
-                <p:ph type="title"/>
-              </p:nvPr>
-            </p:nvSpPr>
-            <p:spPr>
-              <a:blipFill>
-                <a:blip r:embed="rId2"/>
-                <a:stretch>
-                  <a:fillRect b="-8791"/>
-                </a:stretch>
-              </a:blipFill>
-            </p:spPr>
-            <p:txBody>
-              <a:bodyPr/>
-              <a:lstStyle/>
-              <a:p>
-                <a:r>
-                  <a:rPr lang="en-US">
-                    <a:noFill/>
-                  </a:rPr>
-                  <a:t> </a:t>
-                </a:r>
-              </a:p>
-            </p:txBody>
-          </p:sp>
-        </mc:Fallback>
-      </mc:AlternateContent>
-      <p:sp>
-        <p:nvSpPr>
-          <p:cNvPr id="3" name="TextBox 2">
-            <a:extLst>
-              <a:ext uri="{FF2B5EF4-FFF2-40B4-BE49-F238E27FC236}">
-                <a16:creationId xmlns:a16="http://schemas.microsoft.com/office/drawing/2014/main" id="{FA71A8AE-5096-E042-BFFD-BC01E1365037}"/>
-              </a:ext>
-            </a:extLst>
-          </p:cNvPr>
-          <p:cNvSpPr txBox="1"/>
-          <p:nvPr/>
-        </p:nvSpPr>
-        <p:spPr>
-          <a:xfrm>
-            <a:off x="894945" y="2188723"/>
-            <a:ext cx="7354110" cy="2862322"/>
-          </a:xfrm>
-          <a:prstGeom prst="rect">
-            <a:avLst/>
-          </a:prstGeom>
-          <a:noFill/>
-        </p:spPr>
-        <p:txBody>
-          <a:bodyPr wrap="square" rtlCol="0">
-            <a:spAutoFit/>
-          </a:bodyPr>
-          <a:lstStyle/>
-          <a:p>
-            <a:pPr algn="ctr"/>
-            <a:r>
-              <a:rPr lang="en-US" sz="6000" dirty="0"/>
-              <a:t>Takeaways</a:t>
-            </a:r>
-          </a:p>
-          <a:p>
-            <a:pPr algn="ctr"/>
-            <a:r>
-              <a:rPr lang="en-US" sz="6000" dirty="0"/>
-              <a:t>and </a:t>
-            </a:r>
-          </a:p>
-          <a:p>
-            <a:pPr algn="ctr"/>
-            <a:r>
-              <a:rPr lang="en-US" sz="6000" dirty="0"/>
-              <a:t>questions!</a:t>
-            </a:r>
-          </a:p>
-        </p:txBody>
-      </p:sp>
-    </p:spTree>
-    <p:extLst>
-      <p:ext uri="{BB962C8B-B14F-4D97-AF65-F5344CB8AC3E}">
-        <p14:creationId xmlns:p14="http://schemas.microsoft.com/office/powerpoint/2010/main" val="3568007398"/>
-      </p:ext>
-    </p:extLst>
-  </p:cSld>
-  <p:clrMapOvr>
-    <a:masterClrMapping/>
-  </p:clrMapOvr>
-</p:sld>
-</file>
-
-<file path=ppt/slides/slide14.xml><?xml version="1.0" encoding="utf-8"?>
 <p:sld xmlns:a="http://schemas.openxmlformats.org/drawingml/2006/main" xmlns:r="http://schemas.openxmlformats.org/officeDocument/2006/relationships" xmlns:p="http://schemas.openxmlformats.org/presentationml/2006/main">
   <p:cSld>
     <p:spTree>
@@ -2971,10 +2858,10 @@
       </p:sp>
       <p:pic>
         <p:nvPicPr>
-          <p:cNvPr id="4" name="Picture">
+          <p:cNvPr id="6" name="Picture">
             <a:extLst>
               <a:ext uri="{FF2B5EF4-FFF2-40B4-BE49-F238E27FC236}">
-                <a16:creationId xmlns:a16="http://schemas.microsoft.com/office/drawing/2014/main" id="{AFAEB304-FF37-441B-BB22-1526271BA214}"/>
+                <a16:creationId xmlns:a16="http://schemas.microsoft.com/office/drawing/2014/main" id="{C7F455C2-996B-4E2B-88BB-27379BE37252}"/>
               </a:ext>
             </a:extLst>
           </p:cNvPr>
@@ -2993,8 +2880,8 @@
         </p:blipFill>
         <p:spPr bwMode="auto">
           <a:xfrm>
-            <a:off x="222101" y="1309815"/>
-            <a:ext cx="8464700" cy="5412261"/>
+            <a:off x="469564" y="1324418"/>
+            <a:ext cx="8229600" cy="4985358"/>
           </a:xfrm>
           <a:prstGeom prst="rect">
             <a:avLst/>
@@ -3007,6 +2894,295 @@
           </a:ln>
         </p:spPr>
       </p:pic>
+      <p:grpSp>
+        <p:nvGrpSpPr>
+          <p:cNvPr id="9" name="Group 8">
+            <a:extLst>
+              <a:ext uri="{FF2B5EF4-FFF2-40B4-BE49-F238E27FC236}">
+                <a16:creationId xmlns:a16="http://schemas.microsoft.com/office/drawing/2014/main" id="{58C476CE-D578-4A13-8CDE-758B8F1D6BBD}"/>
+              </a:ext>
+            </a:extLst>
+          </p:cNvPr>
+          <p:cNvGrpSpPr/>
+          <p:nvPr/>
+        </p:nvGrpSpPr>
+        <p:grpSpPr>
+          <a:xfrm>
+            <a:off x="5189838" y="1764898"/>
+            <a:ext cx="3212758" cy="523220"/>
+            <a:chOff x="5189838" y="1764898"/>
+            <a:chExt cx="3212758" cy="523220"/>
+          </a:xfrm>
+        </p:grpSpPr>
+        <p:sp>
+          <p:nvSpPr>
+            <p:cNvPr id="7" name="Arrow: Right 6">
+              <a:extLst>
+                <a:ext uri="{FF2B5EF4-FFF2-40B4-BE49-F238E27FC236}">
+                  <a16:creationId xmlns:a16="http://schemas.microsoft.com/office/drawing/2014/main" id="{8D7AF78C-E03E-4175-B0D3-D2A7A56DE5E4}"/>
+                </a:ext>
+              </a:extLst>
+            </p:cNvPr>
+            <p:cNvSpPr/>
+            <p:nvPr/>
+          </p:nvSpPr>
+          <p:spPr>
+            <a:xfrm>
+              <a:off x="7092780" y="1933832"/>
+              <a:ext cx="1309816" cy="185352"/>
+            </a:xfrm>
+            <a:prstGeom prst="rightArrow">
+              <a:avLst/>
+            </a:prstGeom>
+          </p:spPr>
+          <p:style>
+            <a:lnRef idx="2">
+              <a:schemeClr val="accent1">
+                <a:shade val="50000"/>
+              </a:schemeClr>
+            </a:lnRef>
+            <a:fillRef idx="1">
+              <a:schemeClr val="accent1"/>
+            </a:fillRef>
+            <a:effectRef idx="0">
+              <a:schemeClr val="accent1"/>
+            </a:effectRef>
+            <a:fontRef idx="minor">
+              <a:schemeClr val="lt1"/>
+            </a:fontRef>
+          </p:style>
+          <p:txBody>
+            <a:bodyPr rtlCol="0" anchor="ctr"/>
+            <a:lstStyle/>
+            <a:p>
+              <a:pPr algn="ctr"/>
+              <a:endParaRPr lang="en-US"/>
+            </a:p>
+          </p:txBody>
+        </p:sp>
+        <p:sp>
+          <p:nvSpPr>
+            <p:cNvPr id="8" name="TextBox 7">
+              <a:extLst>
+                <a:ext uri="{FF2B5EF4-FFF2-40B4-BE49-F238E27FC236}">
+                  <a16:creationId xmlns:a16="http://schemas.microsoft.com/office/drawing/2014/main" id="{9BF5041E-41EC-4AA8-8962-92B7EB348011}"/>
+                </a:ext>
+              </a:extLst>
+            </p:cNvPr>
+            <p:cNvSpPr txBox="1"/>
+            <p:nvPr/>
+          </p:nvSpPr>
+          <p:spPr>
+            <a:xfrm>
+              <a:off x="5189838" y="1764898"/>
+              <a:ext cx="1902942" cy="523220"/>
+            </a:xfrm>
+            <a:prstGeom prst="rect">
+              <a:avLst/>
+            </a:prstGeom>
+            <a:solidFill>
+              <a:schemeClr val="accent1"/>
+            </a:solidFill>
+          </p:spPr>
+          <p:txBody>
+            <a:bodyPr wrap="square" rtlCol="0">
+              <a:spAutoFit/>
+            </a:bodyPr>
+            <a:lstStyle/>
+            <a:p>
+              <a:pPr algn="ctr"/>
+              <a:r>
+                <a:rPr lang="en-US" sz="1400" b="1" dirty="0"/>
+                <a:t>Colorado has most breweries with 47 </a:t>
+              </a:r>
+            </a:p>
+          </p:txBody>
+        </p:sp>
+      </p:grpSp>
+      <p:grpSp>
+        <p:nvGrpSpPr>
+          <p:cNvPr id="15" name="Group 14">
+            <a:extLst>
+              <a:ext uri="{FF2B5EF4-FFF2-40B4-BE49-F238E27FC236}">
+                <a16:creationId xmlns:a16="http://schemas.microsoft.com/office/drawing/2014/main" id="{827AC1E5-EB54-4485-B729-429A8B7A1C4E}"/>
+              </a:ext>
+            </a:extLst>
+          </p:cNvPr>
+          <p:cNvGrpSpPr/>
+          <p:nvPr/>
+        </p:nvGrpSpPr>
+        <p:grpSpPr>
+          <a:xfrm>
+            <a:off x="1260389" y="2361346"/>
+            <a:ext cx="2471353" cy="1589243"/>
+            <a:chOff x="1260389" y="2361346"/>
+            <a:chExt cx="2471353" cy="1589243"/>
+          </a:xfrm>
+        </p:grpSpPr>
+        <p:sp>
+          <p:nvSpPr>
+            <p:cNvPr id="11" name="Left Brace 10">
+              <a:extLst>
+                <a:ext uri="{FF2B5EF4-FFF2-40B4-BE49-F238E27FC236}">
+                  <a16:creationId xmlns:a16="http://schemas.microsoft.com/office/drawing/2014/main" id="{38EE4E06-5DB7-4342-B747-FCEAD2D28F22}"/>
+                </a:ext>
+              </a:extLst>
+            </p:cNvPr>
+            <p:cNvSpPr/>
+            <p:nvPr/>
+          </p:nvSpPr>
+          <p:spPr>
+            <a:xfrm rot="5400000">
+              <a:off x="1429637" y="3514357"/>
+              <a:ext cx="266984" cy="605480"/>
+            </a:xfrm>
+            <a:prstGeom prst="leftBrace">
+              <a:avLst/>
+            </a:prstGeom>
+            <a:ln w="25400"/>
+          </p:spPr>
+          <p:style>
+            <a:lnRef idx="1">
+              <a:schemeClr val="accent1"/>
+            </a:lnRef>
+            <a:fillRef idx="0">
+              <a:schemeClr val="accent1"/>
+            </a:fillRef>
+            <a:effectRef idx="0">
+              <a:schemeClr val="accent1"/>
+            </a:effectRef>
+            <a:fontRef idx="minor">
+              <a:schemeClr val="tx1"/>
+            </a:fontRef>
+          </p:style>
+          <p:txBody>
+            <a:bodyPr rtlCol="0" anchor="ctr"/>
+            <a:lstStyle/>
+            <a:p>
+              <a:pPr algn="ctr"/>
+              <a:endParaRPr lang="en-US"/>
+            </a:p>
+          </p:txBody>
+        </p:sp>
+        <p:grpSp>
+          <p:nvGrpSpPr>
+            <p:cNvPr id="14" name="Group 13">
+              <a:extLst>
+                <a:ext uri="{FF2B5EF4-FFF2-40B4-BE49-F238E27FC236}">
+                  <a16:creationId xmlns:a16="http://schemas.microsoft.com/office/drawing/2014/main" id="{D78397B0-1CAB-40A5-8FF0-00983E29763E}"/>
+                </a:ext>
+              </a:extLst>
+            </p:cNvPr>
+            <p:cNvGrpSpPr/>
+            <p:nvPr/>
+          </p:nvGrpSpPr>
+          <p:grpSpPr>
+            <a:xfrm>
+              <a:off x="1260390" y="2361346"/>
+              <a:ext cx="2471352" cy="1212084"/>
+              <a:chOff x="1260390" y="2361346"/>
+              <a:chExt cx="2471352" cy="1212084"/>
+            </a:xfrm>
+          </p:grpSpPr>
+          <p:sp>
+            <p:nvSpPr>
+              <p:cNvPr id="10" name="Arrow: Down 9">
+                <a:extLst>
+                  <a:ext uri="{FF2B5EF4-FFF2-40B4-BE49-F238E27FC236}">
+                    <a16:creationId xmlns:a16="http://schemas.microsoft.com/office/drawing/2014/main" id="{AA645D9F-67D9-40E3-B2D6-75817CA929AC}"/>
+                  </a:ext>
+                </a:extLst>
+              </p:cNvPr>
+              <p:cNvSpPr/>
+              <p:nvPr/>
+            </p:nvSpPr>
+            <p:spPr>
+              <a:xfrm>
+                <a:off x="1445739" y="3060625"/>
+                <a:ext cx="234779" cy="512805"/>
+              </a:xfrm>
+              <a:prstGeom prst="downArrow">
+                <a:avLst/>
+              </a:prstGeom>
+            </p:spPr>
+            <p:style>
+              <a:lnRef idx="2">
+                <a:schemeClr val="accent1">
+                  <a:shade val="50000"/>
+                </a:schemeClr>
+              </a:lnRef>
+              <a:fillRef idx="1">
+                <a:schemeClr val="accent1"/>
+              </a:fillRef>
+              <a:effectRef idx="0">
+                <a:schemeClr val="accent1"/>
+              </a:effectRef>
+              <a:fontRef idx="minor">
+                <a:schemeClr val="lt1"/>
+              </a:fontRef>
+            </p:style>
+            <p:txBody>
+              <a:bodyPr rtlCol="0" anchor="ctr"/>
+              <a:lstStyle/>
+              <a:p>
+                <a:pPr algn="ctr"/>
+                <a:endParaRPr lang="en-US" dirty="0"/>
+              </a:p>
+            </p:txBody>
+          </p:sp>
+          <p:sp>
+            <p:nvSpPr>
+              <p:cNvPr id="12" name="TextBox 11">
+                <a:extLst>
+                  <a:ext uri="{FF2B5EF4-FFF2-40B4-BE49-F238E27FC236}">
+                    <a16:creationId xmlns:a16="http://schemas.microsoft.com/office/drawing/2014/main" id="{545CF947-4B9E-433F-BA8C-9D3903C0E629}"/>
+                  </a:ext>
+                </a:extLst>
+              </p:cNvPr>
+              <p:cNvSpPr txBox="1"/>
+              <p:nvPr/>
+            </p:nvSpPr>
+            <p:spPr>
+              <a:xfrm>
+                <a:off x="1260390" y="2361346"/>
+                <a:ext cx="2471352" cy="738664"/>
+              </a:xfrm>
+              <a:prstGeom prst="rect">
+                <a:avLst/>
+              </a:prstGeom>
+              <a:solidFill>
+                <a:schemeClr val="accent1"/>
+              </a:solidFill>
+            </p:spPr>
+            <p:txBody>
+              <a:bodyPr wrap="square" rtlCol="0">
+                <a:spAutoFit/>
+              </a:bodyPr>
+              <a:lstStyle/>
+              <a:p>
+                <a:r>
+                  <a:rPr lang="en-US" sz="1400" b="1" dirty="0"/>
+                  <a:t>States with only 1 brewery</a:t>
+                </a:r>
+              </a:p>
+              <a:p>
+                <a:r>
+                  <a:rPr lang="en-US" sz="1400" b="1" dirty="0"/>
+                  <a:t>DC, N. Dakota, South </a:t>
+                </a:r>
+                <a:r>
+                  <a:rPr lang="en-US" sz="1400" b="1" dirty="0" err="1"/>
+                  <a:t>Dakato</a:t>
+                </a:r>
+                <a:r>
+                  <a:rPr lang="en-US" sz="1400" b="1" dirty="0"/>
+                  <a:t>, W. Virginia</a:t>
+                </a:r>
+              </a:p>
+            </p:txBody>
+          </p:sp>
+        </p:grpSp>
+      </p:grpSp>
     </p:spTree>
     <p:extLst>
       <p:ext uri="{BB962C8B-B14F-4D97-AF65-F5344CB8AC3E}">
@@ -3017,6 +3193,180 @@
   <p:clrMapOvr>
     <a:masterClrMapping/>
   </p:clrMapOvr>
+  <p:timing>
+    <p:tnLst>
+      <p:par>
+        <p:cTn id="1" dur="indefinite" restart="never" nodeType="tmRoot">
+          <p:childTnLst>
+            <p:seq concurrent="1" nextAc="seek">
+              <p:cTn id="2" dur="indefinite" nodeType="mainSeq">
+                <p:childTnLst>
+                  <p:par>
+                    <p:cTn id="3" fill="hold">
+                      <p:stCondLst>
+                        <p:cond delay="indefinite"/>
+                      </p:stCondLst>
+                      <p:childTnLst>
+                        <p:par>
+                          <p:cTn id="4" fill="hold">
+                            <p:stCondLst>
+                              <p:cond delay="0"/>
+                            </p:stCondLst>
+                            <p:childTnLst>
+                              <p:par>
+                                <p:cTn id="5" presetID="2" presetClass="entr" presetSubtype="8" fill="hold" nodeType="clickEffect">
+                                  <p:stCondLst>
+                                    <p:cond delay="0"/>
+                                  </p:stCondLst>
+                                  <p:childTnLst>
+                                    <p:set>
+                                      <p:cBhvr>
+                                        <p:cTn id="6" dur="1" fill="hold">
+                                          <p:stCondLst>
+                                            <p:cond delay="0"/>
+                                          </p:stCondLst>
+                                        </p:cTn>
+                                        <p:tgtEl>
+                                          <p:spTgt spid="9"/>
+                                        </p:tgtEl>
+                                        <p:attrNameLst>
+                                          <p:attrName>style.visibility</p:attrName>
+                                        </p:attrNameLst>
+                                      </p:cBhvr>
+                                      <p:to>
+                                        <p:strVal val="visible"/>
+                                      </p:to>
+                                    </p:set>
+                                    <p:anim calcmode="lin" valueType="num">
+                                      <p:cBhvr additive="base">
+                                        <p:cTn id="7" dur="500" fill="hold"/>
+                                        <p:tgtEl>
+                                          <p:spTgt spid="9"/>
+                                        </p:tgtEl>
+                                        <p:attrNameLst>
+                                          <p:attrName>ppt_x</p:attrName>
+                                        </p:attrNameLst>
+                                      </p:cBhvr>
+                                      <p:tavLst>
+                                        <p:tav tm="0">
+                                          <p:val>
+                                            <p:strVal val="0-#ppt_w/2"/>
+                                          </p:val>
+                                        </p:tav>
+                                        <p:tav tm="100000">
+                                          <p:val>
+                                            <p:strVal val="#ppt_x"/>
+                                          </p:val>
+                                        </p:tav>
+                                      </p:tavLst>
+                                    </p:anim>
+                                    <p:anim calcmode="lin" valueType="num">
+                                      <p:cBhvr additive="base">
+                                        <p:cTn id="8" dur="500" fill="hold"/>
+                                        <p:tgtEl>
+                                          <p:spTgt spid="9"/>
+                                        </p:tgtEl>
+                                        <p:attrNameLst>
+                                          <p:attrName>ppt_y</p:attrName>
+                                        </p:attrNameLst>
+                                      </p:cBhvr>
+                                      <p:tavLst>
+                                        <p:tav tm="0">
+                                          <p:val>
+                                            <p:strVal val="#ppt_y"/>
+                                          </p:val>
+                                        </p:tav>
+                                        <p:tav tm="100000">
+                                          <p:val>
+                                            <p:strVal val="#ppt_y"/>
+                                          </p:val>
+                                        </p:tav>
+                                      </p:tavLst>
+                                    </p:anim>
+                                  </p:childTnLst>
+                                </p:cTn>
+                              </p:par>
+                            </p:childTnLst>
+                          </p:cTn>
+                        </p:par>
+                      </p:childTnLst>
+                    </p:cTn>
+                  </p:par>
+                  <p:par>
+                    <p:cTn id="9" fill="hold">
+                      <p:stCondLst>
+                        <p:cond delay="indefinite"/>
+                      </p:stCondLst>
+                      <p:childTnLst>
+                        <p:par>
+                          <p:cTn id="10" fill="hold">
+                            <p:stCondLst>
+                              <p:cond delay="0"/>
+                            </p:stCondLst>
+                            <p:childTnLst>
+                              <p:par>
+                                <p:cTn id="11" presetID="10" presetClass="entr" presetSubtype="0" fill="hold" nodeType="clickEffect">
+                                  <p:stCondLst>
+                                    <p:cond delay="0"/>
+                                  </p:stCondLst>
+                                  <p:childTnLst>
+                                    <p:set>
+                                      <p:cBhvr>
+                                        <p:cTn id="12" dur="1" fill="hold">
+                                          <p:stCondLst>
+                                            <p:cond delay="0"/>
+                                          </p:stCondLst>
+                                        </p:cTn>
+                                        <p:tgtEl>
+                                          <p:spTgt spid="15"/>
+                                        </p:tgtEl>
+                                        <p:attrNameLst>
+                                          <p:attrName>style.visibility</p:attrName>
+                                        </p:attrNameLst>
+                                      </p:cBhvr>
+                                      <p:to>
+                                        <p:strVal val="visible"/>
+                                      </p:to>
+                                    </p:set>
+                                    <p:animEffect transition="in" filter="fade">
+                                      <p:cBhvr>
+                                        <p:cTn id="13" dur="500"/>
+                                        <p:tgtEl>
+                                          <p:spTgt spid="15"/>
+                                        </p:tgtEl>
+                                      </p:cBhvr>
+                                    </p:animEffect>
+                                  </p:childTnLst>
+                                </p:cTn>
+                              </p:par>
+                            </p:childTnLst>
+                          </p:cTn>
+                        </p:par>
+                      </p:childTnLst>
+                    </p:cTn>
+                  </p:par>
+                </p:childTnLst>
+              </p:cTn>
+              <p:prevCondLst>
+                <p:cond evt="onPrev" delay="0">
+                  <p:tgtEl>
+                    <p:sldTgt/>
+                  </p:tgtEl>
+                </p:cond>
+              </p:prevCondLst>
+              <p:nextCondLst>
+                <p:cond evt="onNext" delay="0">
+                  <p:tgtEl>
+                    <p:sldTgt/>
+                  </p:tgtEl>
+                </p:cond>
+              </p:nextCondLst>
+            </p:seq>
+          </p:childTnLst>
+        </p:cTn>
+      </p:par>
+    </p:tnLst>
+  </p:timing>
 </p:sld>
 </file>
 
@@ -3042,7 +3392,7 @@
           <p:cNvPr id="2" name="Title 1">
             <a:extLst>
               <a:ext uri="{FF2B5EF4-FFF2-40B4-BE49-F238E27FC236}">
-                <a16:creationId xmlns:a16="http://schemas.microsoft.com/office/drawing/2014/main" id="{F3BD095A-5C7A-4CAC-A53C-94AAE10969FD}"/>
+                <a16:creationId xmlns:a16="http://schemas.microsoft.com/office/drawing/2014/main" id="{63B69008-E805-48A4-89EF-5839B0E06C8A}"/>
               </a:ext>
             </a:extLst>
           </p:cNvPr>
@@ -3060,53 +3410,43 @@
           <a:p>
             <a:r>
               <a:rPr lang="en-US" dirty="0"/>
-              <a:t>How many breweries per state</a:t>
+              <a:t>Missing data</a:t>
             </a:r>
           </a:p>
         </p:txBody>
       </p:sp>
-      <p:pic>
-        <p:nvPicPr>
-          <p:cNvPr id="6" name="Picture">
+      <p:sp>
+        <p:nvSpPr>
+          <p:cNvPr id="6" name="Content Placeholder 5">
             <a:extLst>
               <a:ext uri="{FF2B5EF4-FFF2-40B4-BE49-F238E27FC236}">
-                <a16:creationId xmlns:a16="http://schemas.microsoft.com/office/drawing/2014/main" id="{C11FCC7E-2344-454F-915B-E1BACBE6F0D2}"/>
+                <a16:creationId xmlns:a16="http://schemas.microsoft.com/office/drawing/2014/main" id="{3557449A-B759-4BF1-B6B0-A266ED60B110}"/>
               </a:ext>
             </a:extLst>
           </p:cNvPr>
-          <p:cNvPicPr>
-            <a:picLocks noGrp="1"/>
-          </p:cNvPicPr>
+          <p:cNvSpPr>
+            <a:spLocks noGrp="1"/>
+          </p:cNvSpPr>
           <p:nvPr>
             <p:ph idx="1"/>
           </p:nvPr>
-        </p:nvPicPr>
-        <p:blipFill>
-          <a:blip r:embed="rId2"/>
-          <a:stretch>
-            <a:fillRect/>
-          </a:stretch>
-        </p:blipFill>
-        <p:spPr bwMode="auto">
-          <a:xfrm>
-            <a:off x="518664" y="1309815"/>
-            <a:ext cx="8229600" cy="5412261"/>
-          </a:xfrm>
-          <a:prstGeom prst="rect">
-            <a:avLst/>
-          </a:prstGeom>
-          <a:noFill/>
-          <a:ln w="9525">
-            <a:noFill/>
-            <a:headEnd/>
-            <a:tailEnd/>
-          </a:ln>
-        </p:spPr>
-      </p:pic>
+        </p:nvSpPr>
+        <p:spPr/>
+        <p:txBody>
+          <a:bodyPr/>
+          <a:lstStyle/>
+          <a:p>
+            <a:pPr marL="0" indent="0">
+              <a:buNone/>
+            </a:pPr>
+            <a:endParaRPr lang="en-US" dirty="0"/>
+          </a:p>
+        </p:txBody>
+      </p:sp>
     </p:spTree>
     <p:extLst>
       <p:ext uri="{BB962C8B-B14F-4D97-AF65-F5344CB8AC3E}">
-        <p14:creationId xmlns:p14="http://schemas.microsoft.com/office/powerpoint/2010/main" val="1590650446"/>
+        <p14:creationId xmlns:p14="http://schemas.microsoft.com/office/powerpoint/2010/main" val="3614653272"/>
       </p:ext>
     </p:extLst>
   </p:cSld>
@@ -3138,7 +3478,7 @@
           <p:cNvPr id="2" name="Title 1">
             <a:extLst>
               <a:ext uri="{FF2B5EF4-FFF2-40B4-BE49-F238E27FC236}">
-                <a16:creationId xmlns:a16="http://schemas.microsoft.com/office/drawing/2014/main" id="{F3BD095A-5C7A-4CAC-A53C-94AAE10969FD}"/>
+                <a16:creationId xmlns:a16="http://schemas.microsoft.com/office/drawing/2014/main" id="{63B69008-E805-48A4-89EF-5839B0E06C8A}"/>
               </a:ext>
             </a:extLst>
           </p:cNvPr>
@@ -3156,17 +3496,17 @@
           <a:p>
             <a:r>
               <a:rPr lang="en-US" dirty="0"/>
-              <a:t>How many breweries per state</a:t>
+              <a:t>Median ABV per state</a:t>
             </a:r>
           </a:p>
         </p:txBody>
       </p:sp>
       <p:pic>
         <p:nvPicPr>
-          <p:cNvPr id="7" name="Picture">
+          <p:cNvPr id="6" name="Picture">
             <a:extLst>
               <a:ext uri="{FF2B5EF4-FFF2-40B4-BE49-F238E27FC236}">
-                <a16:creationId xmlns:a16="http://schemas.microsoft.com/office/drawing/2014/main" id="{897F6139-C700-4C13-8FF0-93E2C8FD3B81}"/>
+                <a16:creationId xmlns:a16="http://schemas.microsoft.com/office/drawing/2014/main" id="{37780CB3-48FB-4834-B8C7-7B56E8E36248}"/>
               </a:ext>
             </a:extLst>
           </p:cNvPr>
@@ -3185,8 +3525,8 @@
         </p:blipFill>
         <p:spPr bwMode="auto">
           <a:xfrm>
-            <a:off x="493946" y="1305073"/>
-            <a:ext cx="7018962" cy="5441716"/>
+            <a:off x="509406" y="1322172"/>
+            <a:ext cx="8177394" cy="5412260"/>
           </a:xfrm>
           <a:prstGeom prst="rect">
             <a:avLst/>
@@ -3199,16 +3539,352 @@
           </a:ln>
         </p:spPr>
       </p:pic>
+      <p:grpSp>
+        <p:nvGrpSpPr>
+          <p:cNvPr id="9" name="Group 8">
+            <a:extLst>
+              <a:ext uri="{FF2B5EF4-FFF2-40B4-BE49-F238E27FC236}">
+                <a16:creationId xmlns:a16="http://schemas.microsoft.com/office/drawing/2014/main" id="{00E16603-4FA2-431E-9671-DCD361DE5145}"/>
+              </a:ext>
+            </a:extLst>
+          </p:cNvPr>
+          <p:cNvGrpSpPr/>
+          <p:nvPr/>
+        </p:nvGrpSpPr>
+        <p:grpSpPr>
+          <a:xfrm>
+            <a:off x="3645243" y="1900074"/>
+            <a:ext cx="4596719" cy="523220"/>
+            <a:chOff x="4658401" y="1764898"/>
+            <a:chExt cx="3744195" cy="523220"/>
+          </a:xfrm>
+        </p:grpSpPr>
+        <p:sp>
+          <p:nvSpPr>
+            <p:cNvPr id="10" name="Arrow: Right 9">
+              <a:extLst>
+                <a:ext uri="{FF2B5EF4-FFF2-40B4-BE49-F238E27FC236}">
+                  <a16:creationId xmlns:a16="http://schemas.microsoft.com/office/drawing/2014/main" id="{F7FF5692-616D-434C-B291-9700A7A68AF4}"/>
+                </a:ext>
+              </a:extLst>
+            </p:cNvPr>
+            <p:cNvSpPr/>
+            <p:nvPr/>
+          </p:nvSpPr>
+          <p:spPr>
+            <a:xfrm>
+              <a:off x="7092780" y="1933832"/>
+              <a:ext cx="1309816" cy="185352"/>
+            </a:xfrm>
+            <a:prstGeom prst="rightArrow">
+              <a:avLst/>
+            </a:prstGeom>
+          </p:spPr>
+          <p:style>
+            <a:lnRef idx="2">
+              <a:schemeClr val="accent1">
+                <a:shade val="50000"/>
+              </a:schemeClr>
+            </a:lnRef>
+            <a:fillRef idx="1">
+              <a:schemeClr val="accent1"/>
+            </a:fillRef>
+            <a:effectRef idx="0">
+              <a:schemeClr val="accent1"/>
+            </a:effectRef>
+            <a:fontRef idx="minor">
+              <a:schemeClr val="lt1"/>
+            </a:fontRef>
+          </p:style>
+          <p:txBody>
+            <a:bodyPr rtlCol="0" anchor="ctr"/>
+            <a:lstStyle/>
+            <a:p>
+              <a:pPr algn="ctr"/>
+              <a:endParaRPr lang="en-US"/>
+            </a:p>
+          </p:txBody>
+        </p:sp>
+        <p:sp>
+          <p:nvSpPr>
+            <p:cNvPr id="11" name="TextBox 10">
+              <a:extLst>
+                <a:ext uri="{FF2B5EF4-FFF2-40B4-BE49-F238E27FC236}">
+                  <a16:creationId xmlns:a16="http://schemas.microsoft.com/office/drawing/2014/main" id="{CCF82CC0-60C7-4927-B71E-1170152B7D19}"/>
+                </a:ext>
+              </a:extLst>
+            </p:cNvPr>
+            <p:cNvSpPr txBox="1"/>
+            <p:nvPr/>
+          </p:nvSpPr>
+          <p:spPr>
+            <a:xfrm>
+              <a:off x="4658401" y="1764898"/>
+              <a:ext cx="2533229" cy="523220"/>
+            </a:xfrm>
+            <a:prstGeom prst="rect">
+              <a:avLst/>
+            </a:prstGeom>
+            <a:solidFill>
+              <a:schemeClr val="accent1"/>
+            </a:solidFill>
+          </p:spPr>
+          <p:txBody>
+            <a:bodyPr wrap="square" rtlCol="0">
+              <a:spAutoFit/>
+            </a:bodyPr>
+            <a:lstStyle/>
+            <a:p>
+              <a:r>
+                <a:rPr lang="en-US" sz="1400" b="1" dirty="0"/>
+                <a:t>DC has highest median ABV 0.065 with W. Virginia next with 0.062 </a:t>
+              </a:r>
+            </a:p>
+          </p:txBody>
+        </p:sp>
+      </p:grpSp>
+      <p:grpSp>
+        <p:nvGrpSpPr>
+          <p:cNvPr id="12" name="Group 11">
+            <a:extLst>
+              <a:ext uri="{FF2B5EF4-FFF2-40B4-BE49-F238E27FC236}">
+                <a16:creationId xmlns:a16="http://schemas.microsoft.com/office/drawing/2014/main" id="{5BC61939-2D88-46CF-9AB0-BB4BDF1ABBC1}"/>
+              </a:ext>
+            </a:extLst>
+          </p:cNvPr>
+          <p:cNvGrpSpPr/>
+          <p:nvPr/>
+        </p:nvGrpSpPr>
+        <p:grpSpPr>
+          <a:xfrm>
+            <a:off x="939118" y="2537405"/>
+            <a:ext cx="2014152" cy="1416757"/>
+            <a:chOff x="704339" y="2537405"/>
+            <a:chExt cx="2014152" cy="1416757"/>
+          </a:xfrm>
+        </p:grpSpPr>
+        <p:sp>
+          <p:nvSpPr>
+            <p:cNvPr id="13" name="Arrow: Down 12">
+              <a:extLst>
+                <a:ext uri="{FF2B5EF4-FFF2-40B4-BE49-F238E27FC236}">
+                  <a16:creationId xmlns:a16="http://schemas.microsoft.com/office/drawing/2014/main" id="{76AB9E56-8E3E-4048-A2C0-9B6150F3B115}"/>
+                </a:ext>
+              </a:extLst>
+            </p:cNvPr>
+            <p:cNvSpPr/>
+            <p:nvPr/>
+          </p:nvSpPr>
+          <p:spPr>
+            <a:xfrm>
+              <a:off x="1445739" y="3060625"/>
+              <a:ext cx="234779" cy="893537"/>
+            </a:xfrm>
+            <a:prstGeom prst="downArrow">
+              <a:avLst/>
+            </a:prstGeom>
+          </p:spPr>
+          <p:style>
+            <a:lnRef idx="2">
+              <a:schemeClr val="accent1">
+                <a:shade val="50000"/>
+              </a:schemeClr>
+            </a:lnRef>
+            <a:fillRef idx="1">
+              <a:schemeClr val="accent1"/>
+            </a:fillRef>
+            <a:effectRef idx="0">
+              <a:schemeClr val="accent1"/>
+            </a:effectRef>
+            <a:fontRef idx="minor">
+              <a:schemeClr val="lt1"/>
+            </a:fontRef>
+          </p:style>
+          <p:txBody>
+            <a:bodyPr rtlCol="0" anchor="ctr"/>
+            <a:lstStyle/>
+            <a:p>
+              <a:pPr algn="ctr"/>
+              <a:endParaRPr lang="en-US" dirty="0"/>
+            </a:p>
+          </p:txBody>
+        </p:sp>
+        <p:sp>
+          <p:nvSpPr>
+            <p:cNvPr id="14" name="TextBox 13">
+              <a:extLst>
+                <a:ext uri="{FF2B5EF4-FFF2-40B4-BE49-F238E27FC236}">
+                  <a16:creationId xmlns:a16="http://schemas.microsoft.com/office/drawing/2014/main" id="{4B7D3EDC-A80C-42C0-A13F-57576F888262}"/>
+                </a:ext>
+              </a:extLst>
+            </p:cNvPr>
+            <p:cNvSpPr txBox="1"/>
+            <p:nvPr/>
+          </p:nvSpPr>
+          <p:spPr>
+            <a:xfrm>
+              <a:off x="704339" y="2537405"/>
+              <a:ext cx="2014152" cy="523220"/>
+            </a:xfrm>
+            <a:prstGeom prst="rect">
+              <a:avLst/>
+            </a:prstGeom>
+            <a:solidFill>
+              <a:schemeClr val="accent1"/>
+            </a:solidFill>
+          </p:spPr>
+          <p:txBody>
+            <a:bodyPr wrap="square" rtlCol="0">
+              <a:spAutoFit/>
+            </a:bodyPr>
+            <a:lstStyle/>
+            <a:p>
+              <a:r>
+                <a:rPr lang="en-US" sz="1400" b="1" dirty="0"/>
+                <a:t>Utah has lowest median ABV at 0.040</a:t>
+              </a:r>
+            </a:p>
+          </p:txBody>
+        </p:sp>
+      </p:grpSp>
     </p:spTree>
     <p:extLst>
       <p:ext uri="{BB962C8B-B14F-4D97-AF65-F5344CB8AC3E}">
-        <p14:creationId xmlns:p14="http://schemas.microsoft.com/office/powerpoint/2010/main" val="892398812"/>
+        <p14:creationId xmlns:p14="http://schemas.microsoft.com/office/powerpoint/2010/main" val="2136623593"/>
       </p:ext>
     </p:extLst>
   </p:cSld>
   <p:clrMapOvr>
     <a:masterClrMapping/>
   </p:clrMapOvr>
+  <p:timing>
+    <p:tnLst>
+      <p:par>
+        <p:cTn id="1" dur="indefinite" restart="never" nodeType="tmRoot">
+          <p:childTnLst>
+            <p:seq concurrent="1" nextAc="seek">
+              <p:cTn id="2" dur="indefinite" nodeType="mainSeq">
+                <p:childTnLst>
+                  <p:par>
+                    <p:cTn id="3" fill="hold">
+                      <p:stCondLst>
+                        <p:cond delay="indefinite"/>
+                      </p:stCondLst>
+                      <p:childTnLst>
+                        <p:par>
+                          <p:cTn id="4" fill="hold">
+                            <p:stCondLst>
+                              <p:cond delay="0"/>
+                            </p:stCondLst>
+                            <p:childTnLst>
+                              <p:par>
+                                <p:cTn id="5" presetID="1" presetClass="entr" presetSubtype="0" fill="hold" nodeType="clickEffect">
+                                  <p:stCondLst>
+                                    <p:cond delay="0"/>
+                                  </p:stCondLst>
+                                  <p:childTnLst>
+                                    <p:set>
+                                      <p:cBhvr>
+                                        <p:cTn id="6" dur="1" fill="hold">
+                                          <p:stCondLst>
+                                            <p:cond delay="0"/>
+                                          </p:stCondLst>
+                                        </p:cTn>
+                                        <p:tgtEl>
+                                          <p:spTgt spid="9"/>
+                                        </p:tgtEl>
+                                        <p:attrNameLst>
+                                          <p:attrName>style.visibility</p:attrName>
+                                        </p:attrNameLst>
+                                      </p:cBhvr>
+                                      <p:to>
+                                        <p:strVal val="visible"/>
+                                      </p:to>
+                                    </p:set>
+                                  </p:childTnLst>
+                                </p:cTn>
+                              </p:par>
+                            </p:childTnLst>
+                          </p:cTn>
+                        </p:par>
+                      </p:childTnLst>
+                    </p:cTn>
+                  </p:par>
+                  <p:par>
+                    <p:cTn id="7" fill="hold">
+                      <p:stCondLst>
+                        <p:cond delay="indefinite"/>
+                      </p:stCondLst>
+                      <p:childTnLst>
+                        <p:par>
+                          <p:cTn id="8" fill="hold">
+                            <p:stCondLst>
+                              <p:cond delay="0"/>
+                            </p:stCondLst>
+                            <p:childTnLst>
+                              <p:par>
+                                <p:cTn id="9" presetID="10" presetClass="entr" presetSubtype="0" fill="hold" nodeType="clickEffect">
+                                  <p:stCondLst>
+                                    <p:cond delay="0"/>
+                                  </p:stCondLst>
+                                  <p:childTnLst>
+                                    <p:set>
+                                      <p:cBhvr>
+                                        <p:cTn id="10" dur="1" fill="hold">
+                                          <p:stCondLst>
+                                            <p:cond delay="0"/>
+                                          </p:stCondLst>
+                                        </p:cTn>
+                                        <p:tgtEl>
+                                          <p:spTgt spid="12"/>
+                                        </p:tgtEl>
+                                        <p:attrNameLst>
+                                          <p:attrName>style.visibility</p:attrName>
+                                        </p:attrNameLst>
+                                      </p:cBhvr>
+                                      <p:to>
+                                        <p:strVal val="visible"/>
+                                      </p:to>
+                                    </p:set>
+                                    <p:animEffect transition="in" filter="fade">
+                                      <p:cBhvr>
+                                        <p:cTn id="11" dur="500"/>
+                                        <p:tgtEl>
+                                          <p:spTgt spid="12"/>
+                                        </p:tgtEl>
+                                      </p:cBhvr>
+                                    </p:animEffect>
+                                  </p:childTnLst>
+                                </p:cTn>
+                              </p:par>
+                            </p:childTnLst>
+                          </p:cTn>
+                        </p:par>
+                      </p:childTnLst>
+                    </p:cTn>
+                  </p:par>
+                </p:childTnLst>
+              </p:cTn>
+              <p:prevCondLst>
+                <p:cond evt="onPrev" delay="0">
+                  <p:tgtEl>
+                    <p:sldTgt/>
+                  </p:tgtEl>
+                </p:cond>
+              </p:prevCondLst>
+              <p:nextCondLst>
+                <p:cond evt="onNext" delay="0">
+                  <p:tgtEl>
+                    <p:sldTgt/>
+                  </p:tgtEl>
+                </p:cond>
+              </p:nextCondLst>
+            </p:seq>
+          </p:childTnLst>
+        </p:cTn>
+      </p:par>
+    </p:tnLst>
+  </p:timing>
 </p:sld>
 </file>
 
@@ -3252,22 +3928,22 @@
           <a:p>
             <a:r>
               <a:rPr lang="en-US" dirty="0"/>
-              <a:t>Missing data</a:t>
+              <a:t>Median IBU per state</a:t>
             </a:r>
           </a:p>
         </p:txBody>
       </p:sp>
       <p:pic>
         <p:nvPicPr>
-          <p:cNvPr id="4" name="Content Placeholder 3">
+          <p:cNvPr id="6" name="Picture">
             <a:extLst>
               <a:ext uri="{FF2B5EF4-FFF2-40B4-BE49-F238E27FC236}">
-                <a16:creationId xmlns:a16="http://schemas.microsoft.com/office/drawing/2014/main" id="{C372F044-704E-4060-87F6-AB9477E45229}"/>
+                <a16:creationId xmlns:a16="http://schemas.microsoft.com/office/drawing/2014/main" id="{345B4023-E53E-4057-A1E3-A61A5C39BECB}"/>
               </a:ext>
             </a:extLst>
           </p:cNvPr>
           <p:cNvPicPr>
-            <a:picLocks noGrp="1" noChangeAspect="1"/>
+            <a:picLocks noGrp="1"/>
           </p:cNvPicPr>
           <p:nvPr>
             <p:ph idx="1"/>
@@ -3279,65 +3955,416 @@
             <a:fillRect/>
           </a:stretch>
         </p:blipFill>
-        <p:spPr>
+        <p:spPr bwMode="auto">
           <a:xfrm>
-            <a:off x="485307" y="1779371"/>
-            <a:ext cx="8229600" cy="4980697"/>
-          </a:xfrm>
-          <a:prstGeom prst="rect">
-            <a:avLst/>
-          </a:prstGeom>
-        </p:spPr>
-      </p:pic>
-      <p:sp>
-        <p:nvSpPr>
-          <p:cNvPr id="5" name="TextBox 4">
-            <a:extLst>
-              <a:ext uri="{FF2B5EF4-FFF2-40B4-BE49-F238E27FC236}">
-                <a16:creationId xmlns:a16="http://schemas.microsoft.com/office/drawing/2014/main" id="{9DB554D9-D4D4-46B0-A789-802A49E86CFE}"/>
-              </a:ext>
-            </a:extLst>
-          </p:cNvPr>
-          <p:cNvSpPr txBox="1"/>
-          <p:nvPr/>
-        </p:nvSpPr>
-        <p:spPr>
-          <a:xfrm>
-            <a:off x="3002693" y="1371600"/>
-            <a:ext cx="3039762" cy="369332"/>
+            <a:off x="494264" y="1322172"/>
+            <a:ext cx="8192536" cy="5307228"/>
           </a:xfrm>
           <a:prstGeom prst="rect">
             <a:avLst/>
           </a:prstGeom>
           <a:noFill/>
+          <a:ln w="9525">
+            <a:noFill/>
+            <a:headEnd/>
+            <a:tailEnd/>
+          </a:ln>
         </p:spPr>
-        <p:txBody>
-          <a:bodyPr wrap="square" rtlCol="0">
-            <a:spAutoFit/>
-          </a:bodyPr>
-          <a:lstStyle/>
-          <a:p>
-            <a:r>
-              <a:rPr lang="en-US" dirty="0">
-                <a:solidFill>
-                  <a:srgbClr val="FF0000"/>
-                </a:solidFill>
-              </a:rPr>
-              <a:t>Original data sets combined</a:t>
-            </a:r>
-          </a:p>
-        </p:txBody>
-      </p:sp>
+      </p:pic>
+      <p:grpSp>
+        <p:nvGrpSpPr>
+          <p:cNvPr id="9" name="Group 8">
+            <a:extLst>
+              <a:ext uri="{FF2B5EF4-FFF2-40B4-BE49-F238E27FC236}">
+                <a16:creationId xmlns:a16="http://schemas.microsoft.com/office/drawing/2014/main" id="{4CBC7AEE-8CCA-41A0-BDAB-FD77495B7895}"/>
+              </a:ext>
+            </a:extLst>
+          </p:cNvPr>
+          <p:cNvGrpSpPr/>
+          <p:nvPr/>
+        </p:nvGrpSpPr>
+        <p:grpSpPr>
+          <a:xfrm>
+            <a:off x="3818238" y="1807398"/>
+            <a:ext cx="4565820" cy="523220"/>
+            <a:chOff x="3978873" y="1672222"/>
+            <a:chExt cx="4565820" cy="523220"/>
+          </a:xfrm>
+        </p:grpSpPr>
+        <p:sp>
+          <p:nvSpPr>
+            <p:cNvPr id="10" name="Arrow: Right 9">
+              <a:extLst>
+                <a:ext uri="{FF2B5EF4-FFF2-40B4-BE49-F238E27FC236}">
+                  <a16:creationId xmlns:a16="http://schemas.microsoft.com/office/drawing/2014/main" id="{5B47C8B5-115C-41AB-9D0A-05C959DFBD50}"/>
+                </a:ext>
+              </a:extLst>
+            </p:cNvPr>
+            <p:cNvSpPr/>
+            <p:nvPr/>
+          </p:nvSpPr>
+          <p:spPr>
+            <a:xfrm>
+              <a:off x="7234877" y="1841156"/>
+              <a:ext cx="1309816" cy="185352"/>
+            </a:xfrm>
+            <a:prstGeom prst="rightArrow">
+              <a:avLst/>
+            </a:prstGeom>
+          </p:spPr>
+          <p:style>
+            <a:lnRef idx="2">
+              <a:schemeClr val="accent1">
+                <a:shade val="50000"/>
+              </a:schemeClr>
+            </a:lnRef>
+            <a:fillRef idx="1">
+              <a:schemeClr val="accent1"/>
+            </a:fillRef>
+            <a:effectRef idx="0">
+              <a:schemeClr val="accent1"/>
+            </a:effectRef>
+            <a:fontRef idx="minor">
+              <a:schemeClr val="lt1"/>
+            </a:fontRef>
+          </p:style>
+          <p:txBody>
+            <a:bodyPr rtlCol="0" anchor="ctr"/>
+            <a:lstStyle/>
+            <a:p>
+              <a:pPr algn="ctr"/>
+              <a:endParaRPr lang="en-US"/>
+            </a:p>
+          </p:txBody>
+        </p:sp>
+        <p:sp>
+          <p:nvSpPr>
+            <p:cNvPr id="11" name="TextBox 10">
+              <a:extLst>
+                <a:ext uri="{FF2B5EF4-FFF2-40B4-BE49-F238E27FC236}">
+                  <a16:creationId xmlns:a16="http://schemas.microsoft.com/office/drawing/2014/main" id="{79434624-2700-43DC-A4A8-D0CB165CF314}"/>
+                </a:ext>
+              </a:extLst>
+            </p:cNvPr>
+            <p:cNvSpPr txBox="1"/>
+            <p:nvPr/>
+          </p:nvSpPr>
+          <p:spPr>
+            <a:xfrm>
+              <a:off x="3978873" y="1672222"/>
+              <a:ext cx="3364124" cy="523220"/>
+            </a:xfrm>
+            <a:prstGeom prst="rect">
+              <a:avLst/>
+            </a:prstGeom>
+            <a:solidFill>
+              <a:schemeClr val="accent1"/>
+            </a:solidFill>
+          </p:spPr>
+          <p:txBody>
+            <a:bodyPr wrap="square" rtlCol="0">
+              <a:spAutoFit/>
+            </a:bodyPr>
+            <a:lstStyle/>
+            <a:p>
+              <a:pPr algn="ctr"/>
+              <a:r>
+                <a:rPr lang="en-US" sz="1400" b="1" dirty="0"/>
+                <a:t>W. Virginia has highest median IBU at  58, Delaware is next with 52 </a:t>
+              </a:r>
+            </a:p>
+          </p:txBody>
+        </p:sp>
+      </p:grpSp>
+      <p:grpSp>
+        <p:nvGrpSpPr>
+          <p:cNvPr id="15" name="Group 14">
+            <a:extLst>
+              <a:ext uri="{FF2B5EF4-FFF2-40B4-BE49-F238E27FC236}">
+                <a16:creationId xmlns:a16="http://schemas.microsoft.com/office/drawing/2014/main" id="{64E3DEE7-AADE-4DB3-9D9A-C8775115F9EF}"/>
+              </a:ext>
+            </a:extLst>
+          </p:cNvPr>
+          <p:cNvGrpSpPr/>
+          <p:nvPr/>
+        </p:nvGrpSpPr>
+        <p:grpSpPr>
+          <a:xfrm>
+            <a:off x="540592" y="2257279"/>
+            <a:ext cx="1958559" cy="1171721"/>
+            <a:chOff x="540592" y="2257279"/>
+            <a:chExt cx="1958559" cy="1171721"/>
+          </a:xfrm>
+        </p:grpSpPr>
+        <p:sp>
+          <p:nvSpPr>
+            <p:cNvPr id="13" name="Arrow: Down 12">
+              <a:extLst>
+                <a:ext uri="{FF2B5EF4-FFF2-40B4-BE49-F238E27FC236}">
+                  <a16:creationId xmlns:a16="http://schemas.microsoft.com/office/drawing/2014/main" id="{EABF516B-ACCB-4374-8A59-89523B2DC9A8}"/>
+                </a:ext>
+              </a:extLst>
+            </p:cNvPr>
+            <p:cNvSpPr/>
+            <p:nvPr/>
+          </p:nvSpPr>
+          <p:spPr>
+            <a:xfrm>
+              <a:off x="1272735" y="2780500"/>
+              <a:ext cx="234779" cy="648500"/>
+            </a:xfrm>
+            <a:prstGeom prst="downArrow">
+              <a:avLst/>
+            </a:prstGeom>
+          </p:spPr>
+          <p:style>
+            <a:lnRef idx="2">
+              <a:schemeClr val="accent1">
+                <a:shade val="50000"/>
+              </a:schemeClr>
+            </a:lnRef>
+            <a:fillRef idx="1">
+              <a:schemeClr val="accent1"/>
+            </a:fillRef>
+            <a:effectRef idx="0">
+              <a:schemeClr val="accent1"/>
+            </a:effectRef>
+            <a:fontRef idx="minor">
+              <a:schemeClr val="lt1"/>
+            </a:fontRef>
+          </p:style>
+          <p:txBody>
+            <a:bodyPr rtlCol="0" anchor="ctr"/>
+            <a:lstStyle/>
+            <a:p>
+              <a:pPr algn="ctr"/>
+              <a:endParaRPr lang="en-US" dirty="0"/>
+            </a:p>
+          </p:txBody>
+        </p:sp>
+        <p:sp>
+          <p:nvSpPr>
+            <p:cNvPr id="14" name="TextBox 13">
+              <a:extLst>
+                <a:ext uri="{FF2B5EF4-FFF2-40B4-BE49-F238E27FC236}">
+                  <a16:creationId xmlns:a16="http://schemas.microsoft.com/office/drawing/2014/main" id="{F4D39FF0-7D9A-40D5-8DA7-C35D5E29C081}"/>
+                </a:ext>
+              </a:extLst>
+            </p:cNvPr>
+            <p:cNvSpPr txBox="1"/>
+            <p:nvPr/>
+          </p:nvSpPr>
+          <p:spPr>
+            <a:xfrm>
+              <a:off x="540592" y="2257279"/>
+              <a:ext cx="1958559" cy="523220"/>
+            </a:xfrm>
+            <a:prstGeom prst="rect">
+              <a:avLst/>
+            </a:prstGeom>
+            <a:solidFill>
+              <a:schemeClr val="accent1"/>
+            </a:solidFill>
+          </p:spPr>
+          <p:txBody>
+            <a:bodyPr wrap="square" rtlCol="0">
+              <a:spAutoFit/>
+            </a:bodyPr>
+            <a:lstStyle/>
+            <a:p>
+              <a:pPr algn="ctr"/>
+              <a:r>
+                <a:rPr lang="en-US" sz="1400" b="1" dirty="0"/>
+                <a:t>S. Dakota has lowest median IBU at 16</a:t>
+              </a:r>
+            </a:p>
+          </p:txBody>
+        </p:sp>
+      </p:grpSp>
     </p:spTree>
     <p:extLst>
       <p:ext uri="{BB962C8B-B14F-4D97-AF65-F5344CB8AC3E}">
-        <p14:creationId xmlns:p14="http://schemas.microsoft.com/office/powerpoint/2010/main" val="3614653272"/>
+        <p14:creationId xmlns:p14="http://schemas.microsoft.com/office/powerpoint/2010/main" val="1069654210"/>
       </p:ext>
     </p:extLst>
   </p:cSld>
   <p:clrMapOvr>
     <a:masterClrMapping/>
   </p:clrMapOvr>
+  <p:timing>
+    <p:tnLst>
+      <p:par>
+        <p:cTn id="1" dur="indefinite" restart="never" nodeType="tmRoot">
+          <p:childTnLst>
+            <p:seq concurrent="1" nextAc="seek">
+              <p:cTn id="2" dur="indefinite" nodeType="mainSeq">
+                <p:childTnLst>
+                  <p:par>
+                    <p:cTn id="3" fill="hold">
+                      <p:stCondLst>
+                        <p:cond delay="indefinite"/>
+                      </p:stCondLst>
+                      <p:childTnLst>
+                        <p:par>
+                          <p:cTn id="4" fill="hold">
+                            <p:stCondLst>
+                              <p:cond delay="0"/>
+                            </p:stCondLst>
+                            <p:childTnLst>
+                              <p:par>
+                                <p:cTn id="5" presetID="2" presetClass="entr" presetSubtype="2" fill="hold" nodeType="clickEffect">
+                                  <p:stCondLst>
+                                    <p:cond delay="0"/>
+                                  </p:stCondLst>
+                                  <p:childTnLst>
+                                    <p:set>
+                                      <p:cBhvr>
+                                        <p:cTn id="6" dur="1" fill="hold">
+                                          <p:stCondLst>
+                                            <p:cond delay="0"/>
+                                          </p:stCondLst>
+                                        </p:cTn>
+                                        <p:tgtEl>
+                                          <p:spTgt spid="9"/>
+                                        </p:tgtEl>
+                                        <p:attrNameLst>
+                                          <p:attrName>style.visibility</p:attrName>
+                                        </p:attrNameLst>
+                                      </p:cBhvr>
+                                      <p:to>
+                                        <p:strVal val="visible"/>
+                                      </p:to>
+                                    </p:set>
+                                    <p:anim calcmode="lin" valueType="num">
+                                      <p:cBhvr additive="base">
+                                        <p:cTn id="7" dur="500" fill="hold"/>
+                                        <p:tgtEl>
+                                          <p:spTgt spid="9"/>
+                                        </p:tgtEl>
+                                        <p:attrNameLst>
+                                          <p:attrName>ppt_x</p:attrName>
+                                        </p:attrNameLst>
+                                      </p:cBhvr>
+                                      <p:tavLst>
+                                        <p:tav tm="0">
+                                          <p:val>
+                                            <p:strVal val="1+#ppt_w/2"/>
+                                          </p:val>
+                                        </p:tav>
+                                        <p:tav tm="100000">
+                                          <p:val>
+                                            <p:strVal val="#ppt_x"/>
+                                          </p:val>
+                                        </p:tav>
+                                      </p:tavLst>
+                                    </p:anim>
+                                    <p:anim calcmode="lin" valueType="num">
+                                      <p:cBhvr additive="base">
+                                        <p:cTn id="8" dur="500" fill="hold"/>
+                                        <p:tgtEl>
+                                          <p:spTgt spid="9"/>
+                                        </p:tgtEl>
+                                        <p:attrNameLst>
+                                          <p:attrName>ppt_y</p:attrName>
+                                        </p:attrNameLst>
+                                      </p:cBhvr>
+                                      <p:tavLst>
+                                        <p:tav tm="0">
+                                          <p:val>
+                                            <p:strVal val="#ppt_y"/>
+                                          </p:val>
+                                        </p:tav>
+                                        <p:tav tm="100000">
+                                          <p:val>
+                                            <p:strVal val="#ppt_y"/>
+                                          </p:val>
+                                        </p:tav>
+                                      </p:tavLst>
+                                    </p:anim>
+                                  </p:childTnLst>
+                                </p:cTn>
+                              </p:par>
+                            </p:childTnLst>
+                          </p:cTn>
+                        </p:par>
+                      </p:childTnLst>
+                    </p:cTn>
+                  </p:par>
+                  <p:par>
+                    <p:cTn id="9" fill="hold">
+                      <p:stCondLst>
+                        <p:cond delay="indefinite"/>
+                      </p:stCondLst>
+                      <p:childTnLst>
+                        <p:par>
+                          <p:cTn id="10" fill="hold">
+                            <p:stCondLst>
+                              <p:cond delay="0"/>
+                            </p:stCondLst>
+                            <p:childTnLst>
+                              <p:par>
+                                <p:cTn id="11" presetID="10" presetClass="entr" presetSubtype="0" fill="hold" nodeType="clickEffect">
+                                  <p:stCondLst>
+                                    <p:cond delay="0"/>
+                                  </p:stCondLst>
+                                  <p:childTnLst>
+                                    <p:set>
+                                      <p:cBhvr>
+                                        <p:cTn id="12" dur="1" fill="hold">
+                                          <p:stCondLst>
+                                            <p:cond delay="0"/>
+                                          </p:stCondLst>
+                                        </p:cTn>
+                                        <p:tgtEl>
+                                          <p:spTgt spid="15"/>
+                                        </p:tgtEl>
+                                        <p:attrNameLst>
+                                          <p:attrName>style.visibility</p:attrName>
+                                        </p:attrNameLst>
+                                      </p:cBhvr>
+                                      <p:to>
+                                        <p:strVal val="visible"/>
+                                      </p:to>
+                                    </p:set>
+                                    <p:animEffect transition="in" filter="fade">
+                                      <p:cBhvr>
+                                        <p:cTn id="13" dur="500"/>
+                                        <p:tgtEl>
+                                          <p:spTgt spid="15"/>
+                                        </p:tgtEl>
+                                      </p:cBhvr>
+                                    </p:animEffect>
+                                  </p:childTnLst>
+                                </p:cTn>
+                              </p:par>
+                            </p:childTnLst>
+                          </p:cTn>
+                        </p:par>
+                      </p:childTnLst>
+                    </p:cTn>
+                  </p:par>
+                </p:childTnLst>
+              </p:cTn>
+              <p:prevCondLst>
+                <p:cond evt="onPrev" delay="0">
+                  <p:tgtEl>
+                    <p:sldTgt/>
+                  </p:tgtEl>
+                </p:cond>
+              </p:prevCondLst>
+              <p:nextCondLst>
+                <p:cond evt="onNext" delay="0">
+                  <p:tgtEl>
+                    <p:sldTgt/>
+                  </p:tgtEl>
+                </p:cond>
+              </p:nextCondLst>
+            </p:seq>
+          </p:childTnLst>
+        </p:cTn>
+      </p:par>
+    </p:tnLst>
+  </p:timing>
 </p:sld>
 </file>
 
@@ -3363,7 +4390,7 @@
           <p:cNvPr id="2" name="Title 1">
             <a:extLst>
               <a:ext uri="{FF2B5EF4-FFF2-40B4-BE49-F238E27FC236}">
-                <a16:creationId xmlns:a16="http://schemas.microsoft.com/office/drawing/2014/main" id="{63B69008-E805-48A4-89EF-5839B0E06C8A}"/>
+                <a16:creationId xmlns:a16="http://schemas.microsoft.com/office/drawing/2014/main" id="{7C6F63A3-DCD8-4273-8AF6-ED986D0EA1F8}"/>
               </a:ext>
             </a:extLst>
           </p:cNvPr>
@@ -3381,62 +4408,22 @@
           <a:p>
             <a:r>
               <a:rPr lang="en-US" dirty="0"/>
-              <a:t>Missing data</a:t>
-            </a:r>
-          </a:p>
-        </p:txBody>
-      </p:sp>
-      <p:sp>
-        <p:nvSpPr>
-          <p:cNvPr id="5" name="TextBox 4">
-            <a:extLst>
-              <a:ext uri="{FF2B5EF4-FFF2-40B4-BE49-F238E27FC236}">
-                <a16:creationId xmlns:a16="http://schemas.microsoft.com/office/drawing/2014/main" id="{9DB554D9-D4D4-46B0-A789-802A49E86CFE}"/>
-              </a:ext>
-            </a:extLst>
-          </p:cNvPr>
-          <p:cNvSpPr txBox="1"/>
-          <p:nvPr/>
-        </p:nvSpPr>
-        <p:spPr>
-          <a:xfrm>
-            <a:off x="1828800" y="1409337"/>
-            <a:ext cx="4806779" cy="369332"/>
-          </a:xfrm>
-          <a:prstGeom prst="rect">
-            <a:avLst/>
-          </a:prstGeom>
-          <a:noFill/>
-        </p:spPr>
-        <p:txBody>
-          <a:bodyPr wrap="square" rtlCol="0">
-            <a:spAutoFit/>
-          </a:bodyPr>
-          <a:lstStyle/>
-          <a:p>
-            <a:pPr algn="ctr"/>
-            <a:r>
-              <a:rPr lang="en-US" dirty="0">
-                <a:solidFill>
-                  <a:srgbClr val="FF0000"/>
-                </a:solidFill>
-              </a:rPr>
-              <a:t>Adjusted data set after filling missing values</a:t>
+              <a:t>Max ABV</a:t>
             </a:r>
           </a:p>
         </p:txBody>
       </p:sp>
       <p:pic>
         <p:nvPicPr>
-          <p:cNvPr id="8" name="Content Placeholder 7">
+          <p:cNvPr id="6" name="Picture">
             <a:extLst>
               <a:ext uri="{FF2B5EF4-FFF2-40B4-BE49-F238E27FC236}">
-                <a16:creationId xmlns:a16="http://schemas.microsoft.com/office/drawing/2014/main" id="{92708A09-5BF8-4FF8-B602-99D623E750DD}"/>
+                <a16:creationId xmlns:a16="http://schemas.microsoft.com/office/drawing/2014/main" id="{6ABCE9EC-5B93-4B16-B12B-EF7FBFA6D510}"/>
               </a:ext>
             </a:extLst>
           </p:cNvPr>
           <p:cNvPicPr>
-            <a:picLocks noGrp="1" noChangeAspect="1"/>
+            <a:picLocks noGrp="1"/>
           </p:cNvPicPr>
           <p:nvPr>
             <p:ph idx="1"/>
@@ -3448,26 +4435,396 @@
             <a:fillRect/>
           </a:stretch>
         </p:blipFill>
-        <p:spPr>
+        <p:spPr bwMode="auto">
           <a:xfrm>
-            <a:off x="457200" y="1858904"/>
-            <a:ext cx="8229600" cy="4900613"/>
+            <a:off x="457200" y="1322172"/>
+            <a:ext cx="8229600" cy="5307228"/>
           </a:xfrm>
           <a:prstGeom prst="rect">
             <a:avLst/>
           </a:prstGeom>
+          <a:noFill/>
+          <a:ln w="9525">
+            <a:noFill/>
+            <a:headEnd/>
+            <a:tailEnd/>
+          </a:ln>
         </p:spPr>
       </p:pic>
+      <p:sp>
+        <p:nvSpPr>
+          <p:cNvPr id="7" name="Arrow: Right 6">
+            <a:extLst>
+              <a:ext uri="{FF2B5EF4-FFF2-40B4-BE49-F238E27FC236}">
+                <a16:creationId xmlns:a16="http://schemas.microsoft.com/office/drawing/2014/main" id="{6AB3646C-2AF4-4AD5-9A3D-11256D7858CF}"/>
+              </a:ext>
+            </a:extLst>
+          </p:cNvPr>
+          <p:cNvSpPr/>
+          <p:nvPr/>
+        </p:nvSpPr>
+        <p:spPr>
+          <a:xfrm>
+            <a:off x="6794549" y="2041428"/>
+            <a:ext cx="1608051" cy="185352"/>
+          </a:xfrm>
+          <a:prstGeom prst="rightArrow">
+            <a:avLst/>
+          </a:prstGeom>
+        </p:spPr>
+        <p:style>
+          <a:lnRef idx="2">
+            <a:schemeClr val="accent1">
+              <a:shade val="50000"/>
+            </a:schemeClr>
+          </a:lnRef>
+          <a:fillRef idx="1">
+            <a:schemeClr val="accent1"/>
+          </a:fillRef>
+          <a:effectRef idx="0">
+            <a:schemeClr val="accent1"/>
+          </a:effectRef>
+          <a:fontRef idx="minor">
+            <a:schemeClr val="lt1"/>
+          </a:fontRef>
+        </p:style>
+        <p:txBody>
+          <a:bodyPr rtlCol="0" anchor="ctr"/>
+          <a:lstStyle/>
+          <a:p>
+            <a:pPr algn="ctr"/>
+            <a:endParaRPr lang="en-US"/>
+          </a:p>
+        </p:txBody>
+      </p:sp>
+      <p:sp>
+        <p:nvSpPr>
+          <p:cNvPr id="8" name="TextBox 7">
+            <a:extLst>
+              <a:ext uri="{FF2B5EF4-FFF2-40B4-BE49-F238E27FC236}">
+                <a16:creationId xmlns:a16="http://schemas.microsoft.com/office/drawing/2014/main" id="{B050F2A1-015F-42D1-8A74-C2FA5855B574}"/>
+              </a:ext>
+            </a:extLst>
+          </p:cNvPr>
+          <p:cNvSpPr txBox="1"/>
+          <p:nvPr/>
+        </p:nvSpPr>
+        <p:spPr>
+          <a:xfrm>
+            <a:off x="4931923" y="1872494"/>
+            <a:ext cx="3110025" cy="523220"/>
+          </a:xfrm>
+          <a:prstGeom prst="rect">
+            <a:avLst/>
+          </a:prstGeom>
+          <a:solidFill>
+            <a:schemeClr val="accent1"/>
+          </a:solidFill>
+        </p:spPr>
+        <p:txBody>
+          <a:bodyPr wrap="square" rtlCol="0">
+            <a:spAutoFit/>
+          </a:bodyPr>
+          <a:lstStyle/>
+          <a:p>
+            <a:pPr algn="ctr"/>
+            <a:r>
+              <a:rPr lang="en-US" sz="1400" b="1" dirty="0"/>
+              <a:t>Colorado has highest ABV 0.136 with Kentucky next with 0.135 </a:t>
+            </a:r>
+          </a:p>
+        </p:txBody>
+      </p:sp>
+      <p:sp>
+        <p:nvSpPr>
+          <p:cNvPr id="9" name="Arrow: Down 8">
+            <a:extLst>
+              <a:ext uri="{FF2B5EF4-FFF2-40B4-BE49-F238E27FC236}">
+                <a16:creationId xmlns:a16="http://schemas.microsoft.com/office/drawing/2014/main" id="{B8129FA1-54D6-4D0C-A229-068DE9ABAF49}"/>
+              </a:ext>
+            </a:extLst>
+          </p:cNvPr>
+          <p:cNvSpPr/>
+          <p:nvPr/>
+        </p:nvSpPr>
+        <p:spPr>
+          <a:xfrm>
+            <a:off x="1563128" y="2792076"/>
+            <a:ext cx="234779" cy="368375"/>
+          </a:xfrm>
+          <a:prstGeom prst="downArrow">
+            <a:avLst/>
+          </a:prstGeom>
+        </p:spPr>
+        <p:style>
+          <a:lnRef idx="2">
+            <a:schemeClr val="accent1">
+              <a:shade val="50000"/>
+            </a:schemeClr>
+          </a:lnRef>
+          <a:fillRef idx="1">
+            <a:schemeClr val="accent1"/>
+          </a:fillRef>
+          <a:effectRef idx="0">
+            <a:schemeClr val="accent1"/>
+          </a:effectRef>
+          <a:fontRef idx="minor">
+            <a:schemeClr val="lt1"/>
+          </a:fontRef>
+        </p:style>
+        <p:txBody>
+          <a:bodyPr rtlCol="0" anchor="ctr"/>
+          <a:lstStyle/>
+          <a:p>
+            <a:pPr algn="ctr"/>
+            <a:endParaRPr lang="en-US" dirty="0"/>
+          </a:p>
+        </p:txBody>
+      </p:sp>
+      <p:sp>
+        <p:nvSpPr>
+          <p:cNvPr id="10" name="TextBox 9">
+            <a:extLst>
+              <a:ext uri="{FF2B5EF4-FFF2-40B4-BE49-F238E27FC236}">
+                <a16:creationId xmlns:a16="http://schemas.microsoft.com/office/drawing/2014/main" id="{1F4831E3-6FF1-4B3D-9BC7-29ADBF629994}"/>
+              </a:ext>
+            </a:extLst>
+          </p:cNvPr>
+          <p:cNvSpPr txBox="1"/>
+          <p:nvPr/>
+        </p:nvSpPr>
+        <p:spPr>
+          <a:xfrm>
+            <a:off x="1027911" y="2268856"/>
+            <a:ext cx="1900640" cy="523220"/>
+          </a:xfrm>
+          <a:prstGeom prst="rect">
+            <a:avLst/>
+          </a:prstGeom>
+          <a:solidFill>
+            <a:schemeClr val="accent1"/>
+          </a:solidFill>
+        </p:spPr>
+        <p:txBody>
+          <a:bodyPr wrap="square" rtlCol="0">
+            <a:spAutoFit/>
+          </a:bodyPr>
+          <a:lstStyle/>
+          <a:p>
+            <a:pPr algn="ctr"/>
+            <a:r>
+              <a:rPr lang="en-US" sz="1400" b="1" dirty="0"/>
+              <a:t>Arkansas has lowest ABV at 0.006</a:t>
+            </a:r>
+          </a:p>
+        </p:txBody>
+      </p:sp>
     </p:spTree>
     <p:extLst>
       <p:ext uri="{BB962C8B-B14F-4D97-AF65-F5344CB8AC3E}">
-        <p14:creationId xmlns:p14="http://schemas.microsoft.com/office/powerpoint/2010/main" val="3546822514"/>
+        <p14:creationId xmlns:p14="http://schemas.microsoft.com/office/powerpoint/2010/main" val="3732306186"/>
       </p:ext>
     </p:extLst>
   </p:cSld>
   <p:clrMapOvr>
     <a:masterClrMapping/>
   </p:clrMapOvr>
+  <p:timing>
+    <p:tnLst>
+      <p:par>
+        <p:cTn id="1" dur="indefinite" restart="never" nodeType="tmRoot">
+          <p:childTnLst>
+            <p:seq concurrent="1" nextAc="seek">
+              <p:cTn id="2" dur="indefinite" nodeType="mainSeq">
+                <p:childTnLst>
+                  <p:par>
+                    <p:cTn id="3" fill="hold">
+                      <p:stCondLst>
+                        <p:cond delay="indefinite"/>
+                      </p:stCondLst>
+                      <p:childTnLst>
+                        <p:par>
+                          <p:cTn id="4" fill="hold">
+                            <p:stCondLst>
+                              <p:cond delay="0"/>
+                            </p:stCondLst>
+                            <p:childTnLst>
+                              <p:par>
+                                <p:cTn id="5" presetID="1" presetClass="entr" presetSubtype="0" fill="hold" grpId="0" nodeType="clickEffect">
+                                  <p:stCondLst>
+                                    <p:cond delay="0"/>
+                                  </p:stCondLst>
+                                  <p:childTnLst>
+                                    <p:set>
+                                      <p:cBhvr>
+                                        <p:cTn id="6" dur="1" fill="hold">
+                                          <p:stCondLst>
+                                            <p:cond delay="0"/>
+                                          </p:stCondLst>
+                                        </p:cTn>
+                                        <p:tgtEl>
+                                          <p:spTgt spid="8"/>
+                                        </p:tgtEl>
+                                        <p:attrNameLst>
+                                          <p:attrName>style.visibility</p:attrName>
+                                        </p:attrNameLst>
+                                      </p:cBhvr>
+                                      <p:to>
+                                        <p:strVal val="visible"/>
+                                      </p:to>
+                                    </p:set>
+                                  </p:childTnLst>
+                                </p:cTn>
+                              </p:par>
+                              <p:par>
+                                <p:cTn id="7" presetID="1" presetClass="entr" presetSubtype="0" fill="hold" grpId="0" nodeType="withEffect">
+                                  <p:stCondLst>
+                                    <p:cond delay="0"/>
+                                  </p:stCondLst>
+                                  <p:childTnLst>
+                                    <p:set>
+                                      <p:cBhvr>
+                                        <p:cTn id="8" dur="1" fill="hold">
+                                          <p:stCondLst>
+                                            <p:cond delay="0"/>
+                                          </p:stCondLst>
+                                        </p:cTn>
+                                        <p:tgtEl>
+                                          <p:spTgt spid="7"/>
+                                        </p:tgtEl>
+                                        <p:attrNameLst>
+                                          <p:attrName>style.visibility</p:attrName>
+                                        </p:attrNameLst>
+                                      </p:cBhvr>
+                                      <p:to>
+                                        <p:strVal val="visible"/>
+                                      </p:to>
+                                    </p:set>
+                                  </p:childTnLst>
+                                </p:cTn>
+                              </p:par>
+                            </p:childTnLst>
+                          </p:cTn>
+                        </p:par>
+                      </p:childTnLst>
+                    </p:cTn>
+                  </p:par>
+                  <p:par>
+                    <p:cTn id="9" fill="hold">
+                      <p:stCondLst>
+                        <p:cond delay="indefinite"/>
+                      </p:stCondLst>
+                      <p:childTnLst>
+                        <p:par>
+                          <p:cTn id="10" fill="hold">
+                            <p:stCondLst>
+                              <p:cond delay="0"/>
+                            </p:stCondLst>
+                            <p:childTnLst>
+                              <p:par>
+                                <p:cTn id="11" presetID="10" presetClass="entr" presetSubtype="0" fill="hold" grpId="0" nodeType="clickEffect">
+                                  <p:stCondLst>
+                                    <p:cond delay="0"/>
+                                  </p:stCondLst>
+                                  <p:childTnLst>
+                                    <p:set>
+                                      <p:cBhvr>
+                                        <p:cTn id="12" dur="1" fill="hold">
+                                          <p:stCondLst>
+                                            <p:cond delay="0"/>
+                                          </p:stCondLst>
+                                        </p:cTn>
+                                        <p:tgtEl>
+                                          <p:spTgt spid="10"/>
+                                        </p:tgtEl>
+                                        <p:attrNameLst>
+                                          <p:attrName>style.visibility</p:attrName>
+                                        </p:attrNameLst>
+                                      </p:cBhvr>
+                                      <p:to>
+                                        <p:strVal val="visible"/>
+                                      </p:to>
+                                    </p:set>
+                                    <p:animEffect transition="in" filter="fade">
+                                      <p:cBhvr>
+                                        <p:cTn id="13" dur="500"/>
+                                        <p:tgtEl>
+                                          <p:spTgt spid="10"/>
+                                        </p:tgtEl>
+                                      </p:cBhvr>
+                                    </p:animEffect>
+                                  </p:childTnLst>
+                                </p:cTn>
+                              </p:par>
+                              <p:par>
+                                <p:cTn id="14" presetID="10" presetClass="entr" presetSubtype="0" fill="hold" grpId="0" nodeType="withEffect">
+                                  <p:stCondLst>
+                                    <p:cond delay="0"/>
+                                  </p:stCondLst>
+                                  <p:childTnLst>
+                                    <p:set>
+                                      <p:cBhvr>
+                                        <p:cTn id="15" dur="1" fill="hold">
+                                          <p:stCondLst>
+                                            <p:cond delay="0"/>
+                                          </p:stCondLst>
+                                        </p:cTn>
+                                        <p:tgtEl>
+                                          <p:spTgt spid="9"/>
+                                        </p:tgtEl>
+                                        <p:attrNameLst>
+                                          <p:attrName>style.visibility</p:attrName>
+                                        </p:attrNameLst>
+                                      </p:cBhvr>
+                                      <p:to>
+                                        <p:strVal val="visible"/>
+                                      </p:to>
+                                    </p:set>
+                                    <p:animEffect transition="in" filter="fade">
+                                      <p:cBhvr>
+                                        <p:cTn id="16" dur="500"/>
+                                        <p:tgtEl>
+                                          <p:spTgt spid="9"/>
+                                        </p:tgtEl>
+                                      </p:cBhvr>
+                                    </p:animEffect>
+                                  </p:childTnLst>
+                                </p:cTn>
+                              </p:par>
+                            </p:childTnLst>
+                          </p:cTn>
+                        </p:par>
+                      </p:childTnLst>
+                    </p:cTn>
+                  </p:par>
+                </p:childTnLst>
+              </p:cTn>
+              <p:prevCondLst>
+                <p:cond evt="onPrev" delay="0">
+                  <p:tgtEl>
+                    <p:sldTgt/>
+                  </p:tgtEl>
+                </p:cond>
+              </p:prevCondLst>
+              <p:nextCondLst>
+                <p:cond evt="onNext" delay="0">
+                  <p:tgtEl>
+                    <p:sldTgt/>
+                  </p:tgtEl>
+                </p:cond>
+              </p:nextCondLst>
+            </p:seq>
+          </p:childTnLst>
+        </p:cTn>
+      </p:par>
+    </p:tnLst>
+    <p:bldLst>
+      <p:bldP spid="7" grpId="0" animBg="1"/>
+      <p:bldP spid="8" grpId="0" animBg="1"/>
+      <p:bldP spid="9" grpId="0" animBg="1"/>
+      <p:bldP spid="10" grpId="0" animBg="1"/>
+    </p:bldLst>
+  </p:timing>
 </p:sld>
 </file>
 
@@ -3493,7 +4850,7 @@
           <p:cNvPr id="2" name="Title 1">
             <a:extLst>
               <a:ext uri="{FF2B5EF4-FFF2-40B4-BE49-F238E27FC236}">
-                <a16:creationId xmlns:a16="http://schemas.microsoft.com/office/drawing/2014/main" id="{63B69008-E805-48A4-89EF-5839B0E06C8A}"/>
+                <a16:creationId xmlns:a16="http://schemas.microsoft.com/office/drawing/2014/main" id="{B8105588-7815-42C5-8711-4D5D386E7EEC}"/>
               </a:ext>
             </a:extLst>
           </p:cNvPr>
@@ -3511,17 +4868,17 @@
           <a:p>
             <a:r>
               <a:rPr lang="en-US" dirty="0"/>
-              <a:t>Median ABV per state</a:t>
+              <a:t>Max IBU</a:t>
             </a:r>
           </a:p>
         </p:txBody>
       </p:sp>
       <p:pic>
         <p:nvPicPr>
-          <p:cNvPr id="4" name="Picture">
+          <p:cNvPr id="6" name="Picture">
             <a:extLst>
               <a:ext uri="{FF2B5EF4-FFF2-40B4-BE49-F238E27FC236}">
-                <a16:creationId xmlns:a16="http://schemas.microsoft.com/office/drawing/2014/main" id="{D672D55D-F139-4E33-BD6C-8F348FE5F4F9}"/>
+                <a16:creationId xmlns:a16="http://schemas.microsoft.com/office/drawing/2014/main" id="{06E6888A-1837-4083-BEF7-6F5488F6175D}"/>
               </a:ext>
             </a:extLst>
           </p:cNvPr>
@@ -3540,8 +4897,8 @@
         </p:blipFill>
         <p:spPr bwMode="auto">
           <a:xfrm>
-            <a:off x="457200" y="1309815"/>
-            <a:ext cx="8229600" cy="5319585"/>
+            <a:off x="481910" y="1322172"/>
+            <a:ext cx="8229600" cy="5399904"/>
           </a:xfrm>
           <a:prstGeom prst="rect">
             <a:avLst/>
@@ -3554,16 +4911,418 @@
           </a:ln>
         </p:spPr>
       </p:pic>
+      <p:grpSp>
+        <p:nvGrpSpPr>
+          <p:cNvPr id="9" name="Group 8">
+            <a:extLst>
+              <a:ext uri="{FF2B5EF4-FFF2-40B4-BE49-F238E27FC236}">
+                <a16:creationId xmlns:a16="http://schemas.microsoft.com/office/drawing/2014/main" id="{DAAEA0C8-0EC5-4CD7-B86F-74F4699019EC}"/>
+              </a:ext>
+            </a:extLst>
+          </p:cNvPr>
+          <p:cNvGrpSpPr/>
+          <p:nvPr/>
+        </p:nvGrpSpPr>
+        <p:grpSpPr>
+          <a:xfrm>
+            <a:off x="7651917" y="1109989"/>
+            <a:ext cx="1492083" cy="1171721"/>
+            <a:chOff x="7651917" y="1109989"/>
+            <a:chExt cx="1492083" cy="1171721"/>
+          </a:xfrm>
+        </p:grpSpPr>
+        <p:sp>
+          <p:nvSpPr>
+            <p:cNvPr id="7" name="Arrow: Down 6">
+              <a:extLst>
+                <a:ext uri="{FF2B5EF4-FFF2-40B4-BE49-F238E27FC236}">
+                  <a16:creationId xmlns:a16="http://schemas.microsoft.com/office/drawing/2014/main" id="{06E77054-BE96-4D41-A841-36009BBAA5F3}"/>
+                </a:ext>
+              </a:extLst>
+            </p:cNvPr>
+            <p:cNvSpPr/>
+            <p:nvPr/>
+          </p:nvSpPr>
+          <p:spPr>
+            <a:xfrm>
+              <a:off x="8384060" y="1633210"/>
+              <a:ext cx="234779" cy="648500"/>
+            </a:xfrm>
+            <a:prstGeom prst="downArrow">
+              <a:avLst/>
+            </a:prstGeom>
+          </p:spPr>
+          <p:style>
+            <a:lnRef idx="2">
+              <a:schemeClr val="accent1">
+                <a:shade val="50000"/>
+              </a:schemeClr>
+            </a:lnRef>
+            <a:fillRef idx="1">
+              <a:schemeClr val="accent1"/>
+            </a:fillRef>
+            <a:effectRef idx="0">
+              <a:schemeClr val="accent1"/>
+            </a:effectRef>
+            <a:fontRef idx="minor">
+              <a:schemeClr val="lt1"/>
+            </a:fontRef>
+          </p:style>
+          <p:txBody>
+            <a:bodyPr rtlCol="0" anchor="ctr"/>
+            <a:lstStyle/>
+            <a:p>
+              <a:pPr algn="ctr"/>
+              <a:endParaRPr lang="en-US" dirty="0"/>
+            </a:p>
+          </p:txBody>
+        </p:sp>
+        <p:sp>
+          <p:nvSpPr>
+            <p:cNvPr id="8" name="TextBox 7">
+              <a:extLst>
+                <a:ext uri="{FF2B5EF4-FFF2-40B4-BE49-F238E27FC236}">
+                  <a16:creationId xmlns:a16="http://schemas.microsoft.com/office/drawing/2014/main" id="{A77EAD25-266C-4DA4-A8A3-05BE044F1C9B}"/>
+                </a:ext>
+              </a:extLst>
+            </p:cNvPr>
+            <p:cNvSpPr txBox="1"/>
+            <p:nvPr/>
+          </p:nvSpPr>
+          <p:spPr>
+            <a:xfrm>
+              <a:off x="7651917" y="1109989"/>
+              <a:ext cx="1492083" cy="523220"/>
+            </a:xfrm>
+            <a:prstGeom prst="rect">
+              <a:avLst/>
+            </a:prstGeom>
+            <a:solidFill>
+              <a:schemeClr val="accent1"/>
+            </a:solidFill>
+          </p:spPr>
+          <p:txBody>
+            <a:bodyPr wrap="square" rtlCol="0">
+              <a:spAutoFit/>
+            </a:bodyPr>
+            <a:lstStyle/>
+            <a:p>
+              <a:pPr algn="ctr"/>
+              <a:r>
+                <a:rPr lang="en-US" sz="1400" b="1" dirty="0"/>
+                <a:t>Oregon has max IBU of 138</a:t>
+              </a:r>
+            </a:p>
+          </p:txBody>
+        </p:sp>
+      </p:grpSp>
+      <p:sp>
+        <p:nvSpPr>
+          <p:cNvPr id="10" name="Arrow: Down 9">
+            <a:extLst>
+              <a:ext uri="{FF2B5EF4-FFF2-40B4-BE49-F238E27FC236}">
+                <a16:creationId xmlns:a16="http://schemas.microsoft.com/office/drawing/2014/main" id="{EF247358-9132-4F4B-AD61-8D148428CBF0}"/>
+              </a:ext>
+            </a:extLst>
+          </p:cNvPr>
+          <p:cNvSpPr/>
+          <p:nvPr/>
+        </p:nvSpPr>
+        <p:spPr>
+          <a:xfrm>
+            <a:off x="1474573" y="3032786"/>
+            <a:ext cx="234779" cy="648500"/>
+          </a:xfrm>
+          <a:prstGeom prst="downArrow">
+            <a:avLst/>
+          </a:prstGeom>
+        </p:spPr>
+        <p:style>
+          <a:lnRef idx="2">
+            <a:schemeClr val="accent1">
+              <a:shade val="50000"/>
+            </a:schemeClr>
+          </a:lnRef>
+          <a:fillRef idx="1">
+            <a:schemeClr val="accent1"/>
+          </a:fillRef>
+          <a:effectRef idx="0">
+            <a:schemeClr val="accent1"/>
+          </a:effectRef>
+          <a:fontRef idx="minor">
+            <a:schemeClr val="lt1"/>
+          </a:fontRef>
+        </p:style>
+        <p:txBody>
+          <a:bodyPr rtlCol="0" anchor="ctr"/>
+          <a:lstStyle/>
+          <a:p>
+            <a:pPr algn="ctr"/>
+            <a:endParaRPr lang="en-US" dirty="0"/>
+          </a:p>
+        </p:txBody>
+      </p:sp>
+      <p:sp>
+        <p:nvSpPr>
+          <p:cNvPr id="11" name="TextBox 10">
+            <a:extLst>
+              <a:ext uri="{FF2B5EF4-FFF2-40B4-BE49-F238E27FC236}">
+                <a16:creationId xmlns:a16="http://schemas.microsoft.com/office/drawing/2014/main" id="{89AE7849-FC9C-4569-B9A9-77D525FFE6F9}"/>
+              </a:ext>
+            </a:extLst>
+          </p:cNvPr>
+          <p:cNvSpPr txBox="1"/>
+          <p:nvPr/>
+        </p:nvSpPr>
+        <p:spPr>
+          <a:xfrm>
+            <a:off x="796493" y="2621633"/>
+            <a:ext cx="1492083" cy="523220"/>
+          </a:xfrm>
+          <a:prstGeom prst="rect">
+            <a:avLst/>
+          </a:prstGeom>
+          <a:solidFill>
+            <a:schemeClr val="accent1"/>
+          </a:solidFill>
+        </p:spPr>
+        <p:txBody>
+          <a:bodyPr wrap="square" rtlCol="0">
+            <a:spAutoFit/>
+          </a:bodyPr>
+          <a:lstStyle/>
+          <a:p>
+            <a:pPr algn="ctr"/>
+            <a:r>
+              <a:rPr lang="en-US" sz="1400" b="1" dirty="0"/>
+              <a:t>S. Dakota has min IBU of 38</a:t>
+            </a:r>
+          </a:p>
+        </p:txBody>
+      </p:sp>
     </p:spTree>
     <p:extLst>
       <p:ext uri="{BB962C8B-B14F-4D97-AF65-F5344CB8AC3E}">
-        <p14:creationId xmlns:p14="http://schemas.microsoft.com/office/powerpoint/2010/main" val="2136623593"/>
+        <p14:creationId xmlns:p14="http://schemas.microsoft.com/office/powerpoint/2010/main" val="4115028813"/>
       </p:ext>
     </p:extLst>
   </p:cSld>
   <p:clrMapOvr>
     <a:masterClrMapping/>
   </p:clrMapOvr>
+  <p:timing>
+    <p:tnLst>
+      <p:par>
+        <p:cTn id="1" dur="indefinite" restart="never" nodeType="tmRoot">
+          <p:childTnLst>
+            <p:seq concurrent="1" nextAc="seek">
+              <p:cTn id="2" dur="indefinite" nodeType="mainSeq">
+                <p:childTnLst>
+                  <p:par>
+                    <p:cTn id="3" fill="hold">
+                      <p:stCondLst>
+                        <p:cond delay="indefinite"/>
+                      </p:stCondLst>
+                      <p:childTnLst>
+                        <p:par>
+                          <p:cTn id="4" fill="hold">
+                            <p:stCondLst>
+                              <p:cond delay="0"/>
+                            </p:stCondLst>
+                            <p:childTnLst>
+                              <p:par>
+                                <p:cTn id="5" presetID="2" presetClass="entr" presetSubtype="1" fill="hold" nodeType="clickEffect">
+                                  <p:stCondLst>
+                                    <p:cond delay="0"/>
+                                  </p:stCondLst>
+                                  <p:childTnLst>
+                                    <p:set>
+                                      <p:cBhvr>
+                                        <p:cTn id="6" dur="1" fill="hold">
+                                          <p:stCondLst>
+                                            <p:cond delay="0"/>
+                                          </p:stCondLst>
+                                        </p:cTn>
+                                        <p:tgtEl>
+                                          <p:spTgt spid="9"/>
+                                        </p:tgtEl>
+                                        <p:attrNameLst>
+                                          <p:attrName>style.visibility</p:attrName>
+                                        </p:attrNameLst>
+                                      </p:cBhvr>
+                                      <p:to>
+                                        <p:strVal val="visible"/>
+                                      </p:to>
+                                    </p:set>
+                                    <p:anim calcmode="lin" valueType="num">
+                                      <p:cBhvr additive="base">
+                                        <p:cTn id="7" dur="500" fill="hold"/>
+                                        <p:tgtEl>
+                                          <p:spTgt spid="9"/>
+                                        </p:tgtEl>
+                                        <p:attrNameLst>
+                                          <p:attrName>ppt_x</p:attrName>
+                                        </p:attrNameLst>
+                                      </p:cBhvr>
+                                      <p:tavLst>
+                                        <p:tav tm="0">
+                                          <p:val>
+                                            <p:strVal val="#ppt_x"/>
+                                          </p:val>
+                                        </p:tav>
+                                        <p:tav tm="100000">
+                                          <p:val>
+                                            <p:strVal val="#ppt_x"/>
+                                          </p:val>
+                                        </p:tav>
+                                      </p:tavLst>
+                                    </p:anim>
+                                    <p:anim calcmode="lin" valueType="num">
+                                      <p:cBhvr additive="base">
+                                        <p:cTn id="8" dur="500" fill="hold"/>
+                                        <p:tgtEl>
+                                          <p:spTgt spid="9"/>
+                                        </p:tgtEl>
+                                        <p:attrNameLst>
+                                          <p:attrName>ppt_y</p:attrName>
+                                        </p:attrNameLst>
+                                      </p:cBhvr>
+                                      <p:tavLst>
+                                        <p:tav tm="0">
+                                          <p:val>
+                                            <p:strVal val="0-#ppt_h/2"/>
+                                          </p:val>
+                                        </p:tav>
+                                        <p:tav tm="100000">
+                                          <p:val>
+                                            <p:strVal val="#ppt_y"/>
+                                          </p:val>
+                                        </p:tav>
+                                      </p:tavLst>
+                                    </p:anim>
+                                  </p:childTnLst>
+                                </p:cTn>
+                              </p:par>
+                            </p:childTnLst>
+                          </p:cTn>
+                        </p:par>
+                      </p:childTnLst>
+                    </p:cTn>
+                  </p:par>
+                  <p:par>
+                    <p:cTn id="9" fill="hold">
+                      <p:stCondLst>
+                        <p:cond delay="indefinite"/>
+                      </p:stCondLst>
+                      <p:childTnLst>
+                        <p:par>
+                          <p:cTn id="10" fill="hold">
+                            <p:stCondLst>
+                              <p:cond delay="0"/>
+                            </p:stCondLst>
+                            <p:childTnLst>
+                              <p:par>
+                                <p:cTn id="11" presetID="10" presetClass="entr" presetSubtype="0" fill="hold" grpId="0" nodeType="clickEffect">
+                                  <p:stCondLst>
+                                    <p:cond delay="0"/>
+                                  </p:stCondLst>
+                                  <p:childTnLst>
+                                    <p:set>
+                                      <p:cBhvr>
+                                        <p:cTn id="12" dur="1" fill="hold">
+                                          <p:stCondLst>
+                                            <p:cond delay="0"/>
+                                          </p:stCondLst>
+                                        </p:cTn>
+                                        <p:tgtEl>
+                                          <p:spTgt spid="11"/>
+                                        </p:tgtEl>
+                                        <p:attrNameLst>
+                                          <p:attrName>style.visibility</p:attrName>
+                                        </p:attrNameLst>
+                                      </p:cBhvr>
+                                      <p:to>
+                                        <p:strVal val="visible"/>
+                                      </p:to>
+                                    </p:set>
+                                    <p:animEffect transition="in" filter="fade">
+                                      <p:cBhvr>
+                                        <p:cTn id="13" dur="500"/>
+                                        <p:tgtEl>
+                                          <p:spTgt spid="11"/>
+                                        </p:tgtEl>
+                                      </p:cBhvr>
+                                    </p:animEffect>
+                                  </p:childTnLst>
+                                </p:cTn>
+                              </p:par>
+                              <p:par>
+                                <p:cTn id="14" presetID="10" presetClass="entr" presetSubtype="0" fill="hold" grpId="0" nodeType="withEffect">
+                                  <p:stCondLst>
+                                    <p:cond delay="0"/>
+                                  </p:stCondLst>
+                                  <p:childTnLst>
+                                    <p:set>
+                                      <p:cBhvr>
+                                        <p:cTn id="15" dur="1" fill="hold">
+                                          <p:stCondLst>
+                                            <p:cond delay="0"/>
+                                          </p:stCondLst>
+                                        </p:cTn>
+                                        <p:tgtEl>
+                                          <p:spTgt spid="10"/>
+                                        </p:tgtEl>
+                                        <p:attrNameLst>
+                                          <p:attrName>style.visibility</p:attrName>
+                                        </p:attrNameLst>
+                                      </p:cBhvr>
+                                      <p:to>
+                                        <p:strVal val="visible"/>
+                                      </p:to>
+                                    </p:set>
+                                    <p:animEffect transition="in" filter="fade">
+                                      <p:cBhvr>
+                                        <p:cTn id="16" dur="500"/>
+                                        <p:tgtEl>
+                                          <p:spTgt spid="10"/>
+                                        </p:tgtEl>
+                                      </p:cBhvr>
+                                    </p:animEffect>
+                                  </p:childTnLst>
+                                </p:cTn>
+                              </p:par>
+                            </p:childTnLst>
+                          </p:cTn>
+                        </p:par>
+                      </p:childTnLst>
+                    </p:cTn>
+                  </p:par>
+                </p:childTnLst>
+              </p:cTn>
+              <p:prevCondLst>
+                <p:cond evt="onPrev" delay="0">
+                  <p:tgtEl>
+                    <p:sldTgt/>
+                  </p:tgtEl>
+                </p:cond>
+              </p:prevCondLst>
+              <p:nextCondLst>
+                <p:cond evt="onNext" delay="0">
+                  <p:tgtEl>
+                    <p:sldTgt/>
+                  </p:tgtEl>
+                </p:cond>
+              </p:nextCondLst>
+            </p:seq>
+          </p:childTnLst>
+        </p:cTn>
+      </p:par>
+    </p:tnLst>
+    <p:bldLst>
+      <p:bldP spid="10" grpId="0" animBg="1"/>
+      <p:bldP spid="11" grpId="0" animBg="1"/>
+    </p:bldLst>
+  </p:timing>
 </p:sld>
 </file>
 
@@ -3589,7 +5348,7 @@
           <p:cNvPr id="2" name="Title 1">
             <a:extLst>
               <a:ext uri="{FF2B5EF4-FFF2-40B4-BE49-F238E27FC236}">
-                <a16:creationId xmlns:a16="http://schemas.microsoft.com/office/drawing/2014/main" id="{63B69008-E805-48A4-89EF-5839B0E06C8A}"/>
+                <a16:creationId xmlns:a16="http://schemas.microsoft.com/office/drawing/2014/main" id="{7C6F63A3-DCD8-4273-8AF6-ED986D0EA1F8}"/>
               </a:ext>
             </a:extLst>
           </p:cNvPr>
@@ -3607,26 +5366,22 @@
           <a:p>
             <a:r>
               <a:rPr lang="en-US" dirty="0"/>
-              <a:t>Median IBU per state</a:t>
+              <a:t>ABV stats and distribution</a:t>
             </a:r>
           </a:p>
         </p:txBody>
       </p:sp>
       <p:pic>
         <p:nvPicPr>
-          <p:cNvPr id="4" name="Picture">
+          <p:cNvPr id="7" name="Picture">
             <a:extLst>
               <a:ext uri="{FF2B5EF4-FFF2-40B4-BE49-F238E27FC236}">
-                <a16:creationId xmlns:a16="http://schemas.microsoft.com/office/drawing/2014/main" id="{5F451B5E-B59C-4BFC-980C-15812AA70AD0}"/>
+                <a16:creationId xmlns:a16="http://schemas.microsoft.com/office/drawing/2014/main" id="{EA9EFFE6-BE8B-42E0-9876-2191344B9194}"/>
               </a:ext>
             </a:extLst>
           </p:cNvPr>
-          <p:cNvPicPr>
-            <a:picLocks noGrp="1"/>
-          </p:cNvPicPr>
-          <p:nvPr>
-            <p:ph idx="1"/>
-          </p:nvPr>
+          <p:cNvPicPr/>
+          <p:nvPr/>
         </p:nvPicPr>
         <p:blipFill>
           <a:blip r:embed="rId2"/>
@@ -3636,8 +5391,8 @@
         </p:blipFill>
         <p:spPr bwMode="auto">
           <a:xfrm>
-            <a:off x="457200" y="1371600"/>
-            <a:ext cx="8229600" cy="5362832"/>
+            <a:off x="457200" y="1322172"/>
+            <a:ext cx="8229600" cy="5412260"/>
           </a:xfrm>
           <a:prstGeom prst="rect">
             <a:avLst/>
@@ -3653,7 +5408,7 @@
     </p:spTree>
     <p:extLst>
       <p:ext uri="{BB962C8B-B14F-4D97-AF65-F5344CB8AC3E}">
-        <p14:creationId xmlns:p14="http://schemas.microsoft.com/office/powerpoint/2010/main" val="1069654210"/>
+        <p14:creationId xmlns:p14="http://schemas.microsoft.com/office/powerpoint/2010/main" val="2162281051"/>
       </p:ext>
     </p:extLst>
   </p:cSld>
@@ -3703,17 +5458,17 @@
           <a:p>
             <a:r>
               <a:rPr lang="en-US" dirty="0"/>
-              <a:t>Max ABV</a:t>
+              <a:t>ABV to IBU</a:t>
             </a:r>
           </a:p>
         </p:txBody>
       </p:sp>
       <p:pic>
         <p:nvPicPr>
-          <p:cNvPr id="4" name="Picture">
+          <p:cNvPr id="6" name="Picture">
             <a:extLst>
               <a:ext uri="{FF2B5EF4-FFF2-40B4-BE49-F238E27FC236}">
-                <a16:creationId xmlns:a16="http://schemas.microsoft.com/office/drawing/2014/main" id="{76CA549D-2B35-44D8-A91F-09B807F14869}"/>
+                <a16:creationId xmlns:a16="http://schemas.microsoft.com/office/drawing/2014/main" id="{AF24A05F-84E1-49F9-9549-C595BCA3BB65}"/>
               </a:ext>
             </a:extLst>
           </p:cNvPr>
@@ -3732,8 +5487,8 @@
         </p:blipFill>
         <p:spPr bwMode="auto">
           <a:xfrm>
-            <a:off x="457200" y="1272746"/>
-            <a:ext cx="8229600" cy="5449330"/>
+            <a:off x="457200" y="1322172"/>
+            <a:ext cx="8229600" cy="5307228"/>
           </a:xfrm>
           <a:prstGeom prst="rect">
             <a:avLst/>
@@ -3746,16 +5501,203 @@
           </a:ln>
         </p:spPr>
       </p:pic>
+      <p:grpSp>
+        <p:nvGrpSpPr>
+          <p:cNvPr id="9" name="Group 8">
+            <a:extLst>
+              <a:ext uri="{FF2B5EF4-FFF2-40B4-BE49-F238E27FC236}">
+                <a16:creationId xmlns:a16="http://schemas.microsoft.com/office/drawing/2014/main" id="{C321DC8C-FA3C-4880-BF89-F9ABFB612A33}"/>
+              </a:ext>
+            </a:extLst>
+          </p:cNvPr>
+          <p:cNvGrpSpPr/>
+          <p:nvPr/>
+        </p:nvGrpSpPr>
+        <p:grpSpPr>
+          <a:xfrm>
+            <a:off x="4572000" y="3484515"/>
+            <a:ext cx="3472249" cy="1450779"/>
+            <a:chOff x="4572000" y="3600426"/>
+            <a:chExt cx="3472249" cy="1450779"/>
+          </a:xfrm>
+        </p:grpSpPr>
+        <p:sp>
+          <p:nvSpPr>
+            <p:cNvPr id="5" name="TextBox 4">
+              <a:extLst>
+                <a:ext uri="{FF2B5EF4-FFF2-40B4-BE49-F238E27FC236}">
+                  <a16:creationId xmlns:a16="http://schemas.microsoft.com/office/drawing/2014/main" id="{3D756111-8521-4D3A-B43E-711478BD7A62}"/>
+                </a:ext>
+              </a:extLst>
+            </p:cNvPr>
+            <p:cNvSpPr txBox="1"/>
+            <p:nvPr/>
+          </p:nvSpPr>
+          <p:spPr>
+            <a:xfrm>
+              <a:off x="4572000" y="4743428"/>
+              <a:ext cx="3472249" cy="307777"/>
+            </a:xfrm>
+            <a:prstGeom prst="rect">
+              <a:avLst/>
+            </a:prstGeom>
+            <a:solidFill>
+              <a:schemeClr val="accent1"/>
+            </a:solidFill>
+          </p:spPr>
+          <p:txBody>
+            <a:bodyPr wrap="square" rtlCol="0">
+              <a:spAutoFit/>
+            </a:bodyPr>
+            <a:lstStyle/>
+            <a:p>
+              <a:r>
+                <a:rPr lang="en-US" sz="1400" b="1" dirty="0"/>
+                <a:t>Original data has correlation of 67%</a:t>
+              </a:r>
+            </a:p>
+          </p:txBody>
+        </p:sp>
+        <p:sp>
+          <p:nvSpPr>
+            <p:cNvPr id="7" name="Arrow: Right 6">
+              <a:extLst>
+                <a:ext uri="{FF2B5EF4-FFF2-40B4-BE49-F238E27FC236}">
+                  <a16:creationId xmlns:a16="http://schemas.microsoft.com/office/drawing/2014/main" id="{2B08B674-7265-4E2A-8CD7-9A5BD55AB7A2}"/>
+                </a:ext>
+              </a:extLst>
+            </p:cNvPr>
+            <p:cNvSpPr/>
+            <p:nvPr/>
+          </p:nvSpPr>
+          <p:spPr>
+            <a:xfrm rot="16200000">
+              <a:off x="5736625" y="4062455"/>
+              <a:ext cx="1143001" cy="218943"/>
+            </a:xfrm>
+            <a:prstGeom prst="rightArrow">
+              <a:avLst/>
+            </a:prstGeom>
+          </p:spPr>
+          <p:style>
+            <a:lnRef idx="2">
+              <a:schemeClr val="accent1">
+                <a:shade val="50000"/>
+              </a:schemeClr>
+            </a:lnRef>
+            <a:fillRef idx="1">
+              <a:schemeClr val="accent1"/>
+            </a:fillRef>
+            <a:effectRef idx="0">
+              <a:schemeClr val="accent1"/>
+            </a:effectRef>
+            <a:fontRef idx="minor">
+              <a:schemeClr val="lt1"/>
+            </a:fontRef>
+          </p:style>
+          <p:txBody>
+            <a:bodyPr rtlCol="0" anchor="ctr"/>
+            <a:lstStyle/>
+            <a:p>
+              <a:pPr algn="ctr"/>
+              <a:endParaRPr lang="en-US"/>
+            </a:p>
+          </p:txBody>
+        </p:sp>
+      </p:grpSp>
     </p:spTree>
     <p:extLst>
       <p:ext uri="{BB962C8B-B14F-4D97-AF65-F5344CB8AC3E}">
-        <p14:creationId xmlns:p14="http://schemas.microsoft.com/office/powerpoint/2010/main" val="4115028813"/>
+        <p14:creationId xmlns:p14="http://schemas.microsoft.com/office/powerpoint/2010/main" val="1978607351"/>
       </p:ext>
     </p:extLst>
   </p:cSld>
   <p:clrMapOvr>
     <a:masterClrMapping/>
   </p:clrMapOvr>
+  <p:timing>
+    <p:tnLst>
+      <p:par>
+        <p:cTn id="1" dur="indefinite" restart="never" nodeType="tmRoot">
+          <p:childTnLst>
+            <p:seq concurrent="1" nextAc="seek">
+              <p:cTn id="2" dur="indefinite" nodeType="mainSeq">
+                <p:childTnLst>
+                  <p:par>
+                    <p:cTn id="3" fill="hold">
+                      <p:stCondLst>
+                        <p:cond delay="indefinite"/>
+                      </p:stCondLst>
+                      <p:childTnLst>
+                        <p:par>
+                          <p:cTn id="4" fill="hold">
+                            <p:stCondLst>
+                              <p:cond delay="0"/>
+                            </p:stCondLst>
+                            <p:childTnLst>
+                              <p:par>
+                                <p:cTn id="5" presetID="10" presetClass="entr" presetSubtype="0" fill="hold" nodeType="clickEffect">
+                                  <p:stCondLst>
+                                    <p:cond delay="0"/>
+                                  </p:stCondLst>
+                                  <p:childTnLst>
+                                    <p:set>
+                                      <p:cBhvr>
+                                        <p:cTn id="6" dur="1" fill="hold">
+                                          <p:stCondLst>
+                                            <p:cond delay="0"/>
+                                          </p:stCondLst>
+                                        </p:cTn>
+                                        <p:tgtEl>
+                                          <p:spTgt spid="9"/>
+                                        </p:tgtEl>
+                                        <p:attrNameLst>
+                                          <p:attrName>style.visibility</p:attrName>
+                                        </p:attrNameLst>
+                                      </p:cBhvr>
+                                      <p:to>
+                                        <p:strVal val="visible"/>
+                                      </p:to>
+                                    </p:set>
+                                    <p:animEffect transition="in" filter="fade">
+                                      <p:cBhvr>
+                                        <p:cTn id="7" dur="500"/>
+                                        <p:tgtEl>
+                                          <p:spTgt spid="9"/>
+                                        </p:tgtEl>
+                                      </p:cBhvr>
+                                    </p:animEffect>
+                                  </p:childTnLst>
+                                </p:cTn>
+                              </p:par>
+                            </p:childTnLst>
+                          </p:cTn>
+                        </p:par>
+                      </p:childTnLst>
+                    </p:cTn>
+                  </p:par>
+                </p:childTnLst>
+              </p:cTn>
+              <p:prevCondLst>
+                <p:cond evt="onPrev" delay="0">
+                  <p:tgtEl>
+                    <p:sldTgt/>
+                  </p:tgtEl>
+                </p:cond>
+              </p:prevCondLst>
+              <p:nextCondLst>
+                <p:cond evt="onNext" delay="0">
+                  <p:tgtEl>
+                    <p:sldTgt/>
+                  </p:tgtEl>
+                </p:cond>
+              </p:nextCondLst>
+            </p:seq>
+          </p:childTnLst>
+        </p:cTn>
+      </p:par>
+    </p:tnLst>
+  </p:timing>
 </p:sld>
 </file>
 

--- a/Unit 9 Case Study_Nelson_Hedge.pptx
+++ b/Unit 9 Case Study_Nelson_Hedge.pptx
@@ -2357,7 +2357,7 @@
 </file>
 
 <file path=ppt/slides/slide10.xml><?xml version="1.0" encoding="utf-8"?>
-<p:sld xmlns:a="http://schemas.openxmlformats.org/drawingml/2006/main" xmlns:r="http://schemas.openxmlformats.org/officeDocument/2006/relationships" xmlns:p="http://schemas.openxmlformats.org/presentationml/2006/main" show="0">
+<p:sld xmlns:a="http://schemas.openxmlformats.org/drawingml/2006/main" xmlns:r="http://schemas.openxmlformats.org/officeDocument/2006/relationships" xmlns:p="http://schemas.openxmlformats.org/presentationml/2006/main">
   <p:cSld>
     <p:spTree>
       <p:nvGrpSpPr>
@@ -2491,8 +2491,12 @@
             <a:p>
               <a:pPr algn="ctr"/>
               <a:r>
+                <a:rPr lang="en-US" sz="1400" b="1" dirty="0" err="1"/>
+                <a:t>kNN</a:t>
+              </a:r>
+              <a:r>
                 <a:rPr lang="en-US" sz="1400" b="1" dirty="0"/>
-                <a:t>Filled data has correlation of 54% which is due to large cluster of filled data below 50 ABV</a:t>
+                <a:t> filled data has correlation of 54% which is due to large clustering of filled data below 50 IBU</a:t>
               </a:r>
             </a:p>
           </p:txBody>
@@ -2544,6 +2548,80 @@
           </p:txBody>
         </p:sp>
       </p:grpSp>
+      <p:sp>
+        <p:nvSpPr>
+          <p:cNvPr id="8" name="TextBox 7">
+            <a:extLst>
+              <a:ext uri="{FF2B5EF4-FFF2-40B4-BE49-F238E27FC236}">
+                <a16:creationId xmlns:a16="http://schemas.microsoft.com/office/drawing/2014/main" id="{2055C107-A0A4-452D-BA6D-EA974F2F87B4}"/>
+              </a:ext>
+            </a:extLst>
+          </p:cNvPr>
+          <p:cNvSpPr txBox="1"/>
+          <p:nvPr/>
+        </p:nvSpPr>
+        <p:spPr>
+          <a:xfrm>
+            <a:off x="370704" y="3682311"/>
+            <a:ext cx="827902" cy="461665"/>
+          </a:xfrm>
+          <a:prstGeom prst="rect">
+            <a:avLst/>
+          </a:prstGeom>
+          <a:solidFill>
+            <a:schemeClr val="bg1"/>
+          </a:solidFill>
+        </p:spPr>
+        <p:txBody>
+          <a:bodyPr wrap="square" rtlCol="0">
+            <a:spAutoFit/>
+          </a:bodyPr>
+          <a:lstStyle/>
+          <a:p>
+            <a:r>
+              <a:rPr lang="en-US" sz="2400" dirty="0"/>
+              <a:t>ABV</a:t>
+            </a:r>
+          </a:p>
+        </p:txBody>
+      </p:sp>
+      <p:sp>
+        <p:nvSpPr>
+          <p:cNvPr id="11" name="TextBox 10">
+            <a:extLst>
+              <a:ext uri="{FF2B5EF4-FFF2-40B4-BE49-F238E27FC236}">
+                <a16:creationId xmlns:a16="http://schemas.microsoft.com/office/drawing/2014/main" id="{40124F50-40D8-4E30-A958-E05141AF4791}"/>
+              </a:ext>
+            </a:extLst>
+          </p:cNvPr>
+          <p:cNvSpPr txBox="1"/>
+          <p:nvPr/>
+        </p:nvSpPr>
+        <p:spPr>
+          <a:xfrm>
+            <a:off x="4572000" y="6167735"/>
+            <a:ext cx="827902" cy="461665"/>
+          </a:xfrm>
+          <a:prstGeom prst="rect">
+            <a:avLst/>
+          </a:prstGeom>
+          <a:solidFill>
+            <a:schemeClr val="bg1"/>
+          </a:solidFill>
+        </p:spPr>
+        <p:txBody>
+          <a:bodyPr wrap="square" rtlCol="0">
+            <a:spAutoFit/>
+          </a:bodyPr>
+          <a:lstStyle/>
+          <a:p>
+            <a:r>
+              <a:rPr lang="en-US" sz="2400" dirty="0"/>
+              <a:t>IBU</a:t>
+            </a:r>
+          </a:p>
+        </p:txBody>
+      </p:sp>
     </p:spTree>
     <p:extLst>
       <p:ext uri="{BB962C8B-B14F-4D97-AF65-F5344CB8AC3E}">
@@ -2758,13 +2836,8 @@
             </a:pPr>
             <a:r>
               <a:rPr lang="en-US" dirty="0"/>
-              <a:t>More complete data set for </a:t>
-            </a:r>
-            <a:r>
-              <a:rPr lang="en-US"/>
-              <a:t>better analysis.</a:t>
-            </a:r>
-            <a:endParaRPr lang="en-US" dirty="0"/>
+              <a:t>More complete data set for better analysis.</a:t>
+            </a:r>
           </a:p>
         </p:txBody>
       </p:sp>
@@ -2778,6 +2851,158 @@
   <p:clrMapOvr>
     <a:masterClrMapping/>
   </p:clrMapOvr>
+  <p:timing>
+    <p:tnLst>
+      <p:par>
+        <p:cTn id="1" dur="indefinite" restart="never" nodeType="tmRoot">
+          <p:childTnLst>
+            <p:seq concurrent="1" nextAc="seek">
+              <p:cTn id="2" dur="indefinite" nodeType="mainSeq">
+                <p:childTnLst>
+                  <p:par>
+                    <p:cTn id="3" fill="hold">
+                      <p:stCondLst>
+                        <p:cond delay="indefinite"/>
+                      </p:stCondLst>
+                      <p:childTnLst>
+                        <p:par>
+                          <p:cTn id="4" fill="hold">
+                            <p:stCondLst>
+                              <p:cond delay="0"/>
+                            </p:stCondLst>
+                            <p:childTnLst>
+                              <p:par>
+                                <p:cTn id="5" presetID="10" presetClass="entr" presetSubtype="0" fill="hold" nodeType="clickEffect">
+                                  <p:stCondLst>
+                                    <p:cond delay="0"/>
+                                  </p:stCondLst>
+                                  <p:childTnLst>
+                                    <p:set>
+                                      <p:cBhvr>
+                                        <p:cTn id="6" dur="1" fill="hold">
+                                          <p:stCondLst>
+                                            <p:cond delay="0"/>
+                                          </p:stCondLst>
+                                        </p:cTn>
+                                        <p:tgtEl>
+                                          <p:spTgt spid="3">
+                                            <p:txEl>
+                                              <p:pRg st="0" end="0"/>
+                                            </p:txEl>
+                                          </p:spTgt>
+                                        </p:tgtEl>
+                                        <p:attrNameLst>
+                                          <p:attrName>style.visibility</p:attrName>
+                                        </p:attrNameLst>
+                                      </p:cBhvr>
+                                      <p:to>
+                                        <p:strVal val="visible"/>
+                                      </p:to>
+                                    </p:set>
+                                    <p:animEffect transition="in" filter="fade">
+                                      <p:cBhvr>
+                                        <p:cTn id="7" dur="500"/>
+                                        <p:tgtEl>
+                                          <p:spTgt spid="3">
+                                            <p:txEl>
+                                              <p:pRg st="0" end="0"/>
+                                            </p:txEl>
+                                          </p:spTgt>
+                                        </p:tgtEl>
+                                      </p:cBhvr>
+                                    </p:animEffect>
+                                  </p:childTnLst>
+                                </p:cTn>
+                              </p:par>
+                            </p:childTnLst>
+                          </p:cTn>
+                        </p:par>
+                      </p:childTnLst>
+                    </p:cTn>
+                  </p:par>
+                  <p:par>
+                    <p:cTn id="8" fill="hold">
+                      <p:stCondLst>
+                        <p:cond delay="indefinite"/>
+                      </p:stCondLst>
+                      <p:childTnLst>
+                        <p:par>
+                          <p:cTn id="9" fill="hold">
+                            <p:stCondLst>
+                              <p:cond delay="0"/>
+                            </p:stCondLst>
+                            <p:childTnLst>
+                              <p:par>
+                                <p:cTn id="10" presetID="10" presetClass="entr" presetSubtype="0" fill="hold" nodeType="clickEffect">
+                                  <p:stCondLst>
+                                    <p:cond delay="0"/>
+                                  </p:stCondLst>
+                                  <p:childTnLst>
+                                    <p:set>
+                                      <p:cBhvr>
+                                        <p:cTn id="11" dur="1" fill="hold">
+                                          <p:stCondLst>
+                                            <p:cond delay="0"/>
+                                          </p:stCondLst>
+                                        </p:cTn>
+                                        <p:tgtEl>
+                                          <p:spTgt spid="3">
+                                            <p:txEl>
+                                              <p:pRg st="1" end="1"/>
+                                            </p:txEl>
+                                          </p:spTgt>
+                                        </p:tgtEl>
+                                        <p:attrNameLst>
+                                          <p:attrName>style.visibility</p:attrName>
+                                        </p:attrNameLst>
+                                      </p:cBhvr>
+                                      <p:to>
+                                        <p:strVal val="visible"/>
+                                      </p:to>
+                                    </p:set>
+                                    <p:animEffect transition="in" filter="fade">
+                                      <p:cBhvr>
+                                        <p:cTn id="12" dur="500"/>
+                                        <p:tgtEl>
+                                          <p:spTgt spid="3">
+                                            <p:txEl>
+                                              <p:pRg st="1" end="1"/>
+                                            </p:txEl>
+                                          </p:spTgt>
+                                        </p:tgtEl>
+                                      </p:cBhvr>
+                                    </p:animEffect>
+                                  </p:childTnLst>
+                                </p:cTn>
+                              </p:par>
+                            </p:childTnLst>
+                          </p:cTn>
+                        </p:par>
+                      </p:childTnLst>
+                    </p:cTn>
+                  </p:par>
+                </p:childTnLst>
+              </p:cTn>
+              <p:prevCondLst>
+                <p:cond evt="onPrev" delay="0">
+                  <p:tgtEl>
+                    <p:sldTgt/>
+                  </p:tgtEl>
+                </p:cond>
+              </p:prevCondLst>
+              <p:nextCondLst>
+                <p:cond evt="onNext" delay="0">
+                  <p:tgtEl>
+                    <p:sldTgt/>
+                  </p:tgtEl>
+                </p:cond>
+              </p:nextCondLst>
+            </p:seq>
+          </p:childTnLst>
+        </p:cTn>
+      </p:par>
+    </p:tnLst>
+  </p:timing>
 </p:sld>
 </file>
 
@@ -3410,7 +3635,7 @@
           <a:p>
             <a:r>
               <a:rPr lang="en-US" dirty="0"/>
-              <a:t>Missing data</a:t>
+              <a:t>Solution for missing data</a:t>
             </a:r>
           </a:p>
         </p:txBody>
@@ -3431,10 +3656,90 @@
             <p:ph idx="1"/>
           </p:nvPr>
         </p:nvSpPr>
-        <p:spPr/>
+        <p:spPr>
+          <a:xfrm>
+            <a:off x="457200" y="1315989"/>
+            <a:ext cx="8229600" cy="5313411"/>
+          </a:xfrm>
+        </p:spPr>
         <p:txBody>
           <a:bodyPr/>
           <a:lstStyle/>
+          <a:p>
+            <a:r>
+              <a:rPr lang="en-US" dirty="0"/>
+              <a:t>1405 of 2410 IBU values missing</a:t>
+            </a:r>
+          </a:p>
+          <a:p>
+            <a:r>
+              <a:rPr lang="en-US" dirty="0"/>
+              <a:t>62 of 2410 ABV values missing</a:t>
+            </a:r>
+          </a:p>
+          <a:p>
+            <a:r>
+              <a:rPr lang="en-US" dirty="0"/>
+              <a:t>Use </a:t>
+            </a:r>
+            <a:r>
+              <a:rPr lang="en-US" dirty="0" err="1"/>
+              <a:t>kNN</a:t>
+            </a:r>
+            <a:r>
+              <a:rPr lang="en-US" dirty="0"/>
+              <a:t> to find ABV and IBU values for missing sample data</a:t>
+            </a:r>
+          </a:p>
+          <a:p>
+            <a:r>
+              <a:rPr lang="en-US" dirty="0"/>
+              <a:t>Using </a:t>
+            </a:r>
+            <a:r>
+              <a:rPr lang="en-US" dirty="0" err="1"/>
+              <a:t>kNN</a:t>
+            </a:r>
+            <a:r>
+              <a:rPr lang="en-US" dirty="0"/>
+              <a:t> did not change the median ABV and IBU data values</a:t>
+            </a:r>
+          </a:p>
+          <a:p>
+            <a:pPr marL="0" indent="0">
+              <a:buNone/>
+            </a:pPr>
+            <a:endParaRPr lang="en-US" dirty="0"/>
+          </a:p>
+          <a:p>
+            <a:pPr marL="0" indent="0" algn="ctr">
+              <a:buNone/>
+            </a:pPr>
+            <a:r>
+              <a:rPr lang="en-US" dirty="0">
+                <a:solidFill>
+                  <a:srgbClr val="FF0000"/>
+                </a:solidFill>
+              </a:rPr>
+              <a:t>*</a:t>
+            </a:r>
+            <a:r>
+              <a:rPr lang="en-US" b="1" dirty="0">
+                <a:solidFill>
+                  <a:srgbClr val="FF0000"/>
+                </a:solidFill>
+              </a:rPr>
+              <a:t>We feel that this was best solution outside of complete data set</a:t>
+            </a:r>
+            <a:r>
+              <a:rPr lang="en-US" dirty="0">
+                <a:solidFill>
+                  <a:srgbClr val="FF0000"/>
+                </a:solidFill>
+              </a:rPr>
+              <a:t>*</a:t>
+            </a:r>
+          </a:p>
           <a:p>
             <a:pPr marL="0" indent="0">
               <a:buNone/>
@@ -3453,6 +3758,341 @@
   <p:clrMapOvr>
     <a:masterClrMapping/>
   </p:clrMapOvr>
+  <p:timing>
+    <p:tnLst>
+      <p:par>
+        <p:cTn id="1" dur="indefinite" restart="never" nodeType="tmRoot">
+          <p:childTnLst>
+            <p:seq concurrent="1" nextAc="seek">
+              <p:cTn id="2" dur="indefinite" nodeType="mainSeq">
+                <p:childTnLst>
+                  <p:par>
+                    <p:cTn id="3" fill="hold">
+                      <p:stCondLst>
+                        <p:cond delay="indefinite"/>
+                      </p:stCondLst>
+                      <p:childTnLst>
+                        <p:par>
+                          <p:cTn id="4" fill="hold">
+                            <p:stCondLst>
+                              <p:cond delay="0"/>
+                            </p:stCondLst>
+                            <p:childTnLst>
+                              <p:par>
+                                <p:cTn id="5" presetID="10" presetClass="entr" presetSubtype="0" fill="hold" nodeType="clickEffect">
+                                  <p:stCondLst>
+                                    <p:cond delay="0"/>
+                                  </p:stCondLst>
+                                  <p:childTnLst>
+                                    <p:set>
+                                      <p:cBhvr>
+                                        <p:cTn id="6" dur="1" fill="hold">
+                                          <p:stCondLst>
+                                            <p:cond delay="0"/>
+                                          </p:stCondLst>
+                                        </p:cTn>
+                                        <p:tgtEl>
+                                          <p:spTgt spid="6">
+                                            <p:txEl>
+                                              <p:pRg st="0" end="0"/>
+                                            </p:txEl>
+                                          </p:spTgt>
+                                        </p:tgtEl>
+                                        <p:attrNameLst>
+                                          <p:attrName>style.visibility</p:attrName>
+                                        </p:attrNameLst>
+                                      </p:cBhvr>
+                                      <p:to>
+                                        <p:strVal val="visible"/>
+                                      </p:to>
+                                    </p:set>
+                                    <p:animEffect transition="in" filter="fade">
+                                      <p:cBhvr>
+                                        <p:cTn id="7" dur="500"/>
+                                        <p:tgtEl>
+                                          <p:spTgt spid="6">
+                                            <p:txEl>
+                                              <p:pRg st="0" end="0"/>
+                                            </p:txEl>
+                                          </p:spTgt>
+                                        </p:tgtEl>
+                                      </p:cBhvr>
+                                    </p:animEffect>
+                                  </p:childTnLst>
+                                </p:cTn>
+                              </p:par>
+                            </p:childTnLst>
+                          </p:cTn>
+                        </p:par>
+                      </p:childTnLst>
+                    </p:cTn>
+                  </p:par>
+                  <p:par>
+                    <p:cTn id="8" fill="hold">
+                      <p:stCondLst>
+                        <p:cond delay="indefinite"/>
+                      </p:stCondLst>
+                      <p:childTnLst>
+                        <p:par>
+                          <p:cTn id="9" fill="hold">
+                            <p:stCondLst>
+                              <p:cond delay="0"/>
+                            </p:stCondLst>
+                            <p:childTnLst>
+                              <p:par>
+                                <p:cTn id="10" presetID="10" presetClass="entr" presetSubtype="0" fill="hold" nodeType="clickEffect">
+                                  <p:stCondLst>
+                                    <p:cond delay="0"/>
+                                  </p:stCondLst>
+                                  <p:childTnLst>
+                                    <p:set>
+                                      <p:cBhvr>
+                                        <p:cTn id="11" dur="1" fill="hold">
+                                          <p:stCondLst>
+                                            <p:cond delay="0"/>
+                                          </p:stCondLst>
+                                        </p:cTn>
+                                        <p:tgtEl>
+                                          <p:spTgt spid="6">
+                                            <p:txEl>
+                                              <p:pRg st="1" end="1"/>
+                                            </p:txEl>
+                                          </p:spTgt>
+                                        </p:tgtEl>
+                                        <p:attrNameLst>
+                                          <p:attrName>style.visibility</p:attrName>
+                                        </p:attrNameLst>
+                                      </p:cBhvr>
+                                      <p:to>
+                                        <p:strVal val="visible"/>
+                                      </p:to>
+                                    </p:set>
+                                    <p:animEffect transition="in" filter="fade">
+                                      <p:cBhvr>
+                                        <p:cTn id="12" dur="500"/>
+                                        <p:tgtEl>
+                                          <p:spTgt spid="6">
+                                            <p:txEl>
+                                              <p:pRg st="1" end="1"/>
+                                            </p:txEl>
+                                          </p:spTgt>
+                                        </p:tgtEl>
+                                      </p:cBhvr>
+                                    </p:animEffect>
+                                  </p:childTnLst>
+                                </p:cTn>
+                              </p:par>
+                            </p:childTnLst>
+                          </p:cTn>
+                        </p:par>
+                      </p:childTnLst>
+                    </p:cTn>
+                  </p:par>
+                  <p:par>
+                    <p:cTn id="13" fill="hold">
+                      <p:stCondLst>
+                        <p:cond delay="indefinite"/>
+                      </p:stCondLst>
+                      <p:childTnLst>
+                        <p:par>
+                          <p:cTn id="14" fill="hold">
+                            <p:stCondLst>
+                              <p:cond delay="0"/>
+                            </p:stCondLst>
+                            <p:childTnLst>
+                              <p:par>
+                                <p:cTn id="15" presetID="10" presetClass="entr" presetSubtype="0" fill="hold" nodeType="clickEffect">
+                                  <p:stCondLst>
+                                    <p:cond delay="0"/>
+                                  </p:stCondLst>
+                                  <p:childTnLst>
+                                    <p:set>
+                                      <p:cBhvr>
+                                        <p:cTn id="16" dur="1" fill="hold">
+                                          <p:stCondLst>
+                                            <p:cond delay="0"/>
+                                          </p:stCondLst>
+                                        </p:cTn>
+                                        <p:tgtEl>
+                                          <p:spTgt spid="6">
+                                            <p:txEl>
+                                              <p:pRg st="2" end="2"/>
+                                            </p:txEl>
+                                          </p:spTgt>
+                                        </p:tgtEl>
+                                        <p:attrNameLst>
+                                          <p:attrName>style.visibility</p:attrName>
+                                        </p:attrNameLst>
+                                      </p:cBhvr>
+                                      <p:to>
+                                        <p:strVal val="visible"/>
+                                      </p:to>
+                                    </p:set>
+                                    <p:animEffect transition="in" filter="fade">
+                                      <p:cBhvr>
+                                        <p:cTn id="17" dur="500"/>
+                                        <p:tgtEl>
+                                          <p:spTgt spid="6">
+                                            <p:txEl>
+                                              <p:pRg st="2" end="2"/>
+                                            </p:txEl>
+                                          </p:spTgt>
+                                        </p:tgtEl>
+                                      </p:cBhvr>
+                                    </p:animEffect>
+                                  </p:childTnLst>
+                                </p:cTn>
+                              </p:par>
+                            </p:childTnLst>
+                          </p:cTn>
+                        </p:par>
+                      </p:childTnLst>
+                    </p:cTn>
+                  </p:par>
+                  <p:par>
+                    <p:cTn id="18" fill="hold">
+                      <p:stCondLst>
+                        <p:cond delay="indefinite"/>
+                      </p:stCondLst>
+                      <p:childTnLst>
+                        <p:par>
+                          <p:cTn id="19" fill="hold">
+                            <p:stCondLst>
+                              <p:cond delay="0"/>
+                            </p:stCondLst>
+                            <p:childTnLst>
+                              <p:par>
+                                <p:cTn id="20" presetID="10" presetClass="entr" presetSubtype="0" fill="hold" nodeType="clickEffect">
+                                  <p:stCondLst>
+                                    <p:cond delay="0"/>
+                                  </p:stCondLst>
+                                  <p:childTnLst>
+                                    <p:set>
+                                      <p:cBhvr>
+                                        <p:cTn id="21" dur="1" fill="hold">
+                                          <p:stCondLst>
+                                            <p:cond delay="0"/>
+                                          </p:stCondLst>
+                                        </p:cTn>
+                                        <p:tgtEl>
+                                          <p:spTgt spid="6">
+                                            <p:txEl>
+                                              <p:pRg st="3" end="3"/>
+                                            </p:txEl>
+                                          </p:spTgt>
+                                        </p:tgtEl>
+                                        <p:attrNameLst>
+                                          <p:attrName>style.visibility</p:attrName>
+                                        </p:attrNameLst>
+                                      </p:cBhvr>
+                                      <p:to>
+                                        <p:strVal val="visible"/>
+                                      </p:to>
+                                    </p:set>
+                                    <p:animEffect transition="in" filter="fade">
+                                      <p:cBhvr>
+                                        <p:cTn id="22" dur="500"/>
+                                        <p:tgtEl>
+                                          <p:spTgt spid="6">
+                                            <p:txEl>
+                                              <p:pRg st="3" end="3"/>
+                                            </p:txEl>
+                                          </p:spTgt>
+                                        </p:tgtEl>
+                                      </p:cBhvr>
+                                    </p:animEffect>
+                                  </p:childTnLst>
+                                </p:cTn>
+                              </p:par>
+                            </p:childTnLst>
+                          </p:cTn>
+                        </p:par>
+                      </p:childTnLst>
+                    </p:cTn>
+                  </p:par>
+                  <p:par>
+                    <p:cTn id="23" fill="hold">
+                      <p:stCondLst>
+                        <p:cond delay="indefinite"/>
+                      </p:stCondLst>
+                      <p:childTnLst>
+                        <p:par>
+                          <p:cTn id="24" fill="hold">
+                            <p:stCondLst>
+                              <p:cond delay="0"/>
+                            </p:stCondLst>
+                            <p:childTnLst>
+                              <p:par>
+                                <p:cTn id="25" presetID="10" presetClass="entr" presetSubtype="0" fill="hold" nodeType="clickEffect">
+                                  <p:stCondLst>
+                                    <p:cond delay="0"/>
+                                  </p:stCondLst>
+                                  <p:childTnLst>
+                                    <p:set>
+                                      <p:cBhvr>
+                                        <p:cTn id="26" dur="1" fill="hold">
+                                          <p:stCondLst>
+                                            <p:cond delay="0"/>
+                                          </p:stCondLst>
+                                        </p:cTn>
+                                        <p:tgtEl>
+                                          <p:spTgt spid="6">
+                                            <p:txEl>
+                                              <p:pRg st="5" end="5"/>
+                                            </p:txEl>
+                                          </p:spTgt>
+                                        </p:tgtEl>
+                                        <p:attrNameLst>
+                                          <p:attrName>style.visibility</p:attrName>
+                                        </p:attrNameLst>
+                                      </p:cBhvr>
+                                      <p:to>
+                                        <p:strVal val="visible"/>
+                                      </p:to>
+                                    </p:set>
+                                    <p:animEffect transition="in" filter="fade">
+                                      <p:cBhvr>
+                                        <p:cTn id="27" dur="500"/>
+                                        <p:tgtEl>
+                                          <p:spTgt spid="6">
+                                            <p:txEl>
+                                              <p:pRg st="5" end="5"/>
+                                            </p:txEl>
+                                          </p:spTgt>
+                                        </p:tgtEl>
+                                      </p:cBhvr>
+                                    </p:animEffect>
+                                  </p:childTnLst>
+                                </p:cTn>
+                              </p:par>
+                            </p:childTnLst>
+                          </p:cTn>
+                        </p:par>
+                      </p:childTnLst>
+                    </p:cTn>
+                  </p:par>
+                </p:childTnLst>
+              </p:cTn>
+              <p:prevCondLst>
+                <p:cond evt="onPrev" delay="0">
+                  <p:tgtEl>
+                    <p:sldTgt/>
+                  </p:tgtEl>
+                </p:cond>
+              </p:prevCondLst>
+              <p:nextCondLst>
+                <p:cond evt="onNext" delay="0">
+                  <p:tgtEl>
+                    <p:sldTgt/>
+                  </p:tgtEl>
+                </p:cond>
+              </p:nextCondLst>
+            </p:seq>
+          </p:childTnLst>
+        </p:cTn>
+      </p:par>
+    </p:tnLst>
+  </p:timing>
 </p:sld>
 </file>
 
@@ -5405,6 +6045,321 @@
           </a:ln>
         </p:spPr>
       </p:pic>
+      <p:grpSp>
+        <p:nvGrpSpPr>
+          <p:cNvPr id="12" name="Group 11">
+            <a:extLst>
+              <a:ext uri="{FF2B5EF4-FFF2-40B4-BE49-F238E27FC236}">
+                <a16:creationId xmlns:a16="http://schemas.microsoft.com/office/drawing/2014/main" id="{E46FA23A-372D-4292-881D-7E8B160A1FD9}"/>
+              </a:ext>
+            </a:extLst>
+          </p:cNvPr>
+          <p:cNvGrpSpPr/>
+          <p:nvPr/>
+        </p:nvGrpSpPr>
+        <p:grpSpPr>
+          <a:xfrm>
+            <a:off x="1036424" y="4803250"/>
+            <a:ext cx="1492083" cy="1059653"/>
+            <a:chOff x="1036424" y="4803250"/>
+            <a:chExt cx="1492083" cy="1059653"/>
+          </a:xfrm>
+        </p:grpSpPr>
+        <p:sp>
+          <p:nvSpPr>
+            <p:cNvPr id="4" name="Arrow: Down 3">
+              <a:extLst>
+                <a:ext uri="{FF2B5EF4-FFF2-40B4-BE49-F238E27FC236}">
+                  <a16:creationId xmlns:a16="http://schemas.microsoft.com/office/drawing/2014/main" id="{26E4C5E4-280F-4644-8E0A-D7DAD7412419}"/>
+                </a:ext>
+              </a:extLst>
+            </p:cNvPr>
+            <p:cNvSpPr/>
+            <p:nvPr/>
+          </p:nvSpPr>
+          <p:spPr>
+            <a:xfrm>
+              <a:off x="1714504" y="5214403"/>
+              <a:ext cx="234779" cy="648500"/>
+            </a:xfrm>
+            <a:prstGeom prst="downArrow">
+              <a:avLst/>
+            </a:prstGeom>
+          </p:spPr>
+          <p:style>
+            <a:lnRef idx="2">
+              <a:schemeClr val="accent1">
+                <a:shade val="50000"/>
+              </a:schemeClr>
+            </a:lnRef>
+            <a:fillRef idx="1">
+              <a:schemeClr val="accent1"/>
+            </a:fillRef>
+            <a:effectRef idx="0">
+              <a:schemeClr val="accent1"/>
+            </a:effectRef>
+            <a:fontRef idx="minor">
+              <a:schemeClr val="lt1"/>
+            </a:fontRef>
+          </p:style>
+          <p:txBody>
+            <a:bodyPr rtlCol="0" anchor="ctr"/>
+            <a:lstStyle/>
+            <a:p>
+              <a:pPr algn="ctr"/>
+              <a:endParaRPr lang="en-US" dirty="0"/>
+            </a:p>
+          </p:txBody>
+        </p:sp>
+        <p:sp>
+          <p:nvSpPr>
+            <p:cNvPr id="5" name="TextBox 4">
+              <a:extLst>
+                <a:ext uri="{FF2B5EF4-FFF2-40B4-BE49-F238E27FC236}">
+                  <a16:creationId xmlns:a16="http://schemas.microsoft.com/office/drawing/2014/main" id="{DC60B581-625F-49D3-B9F9-FA85157EA000}"/>
+                </a:ext>
+              </a:extLst>
+            </p:cNvPr>
+            <p:cNvSpPr txBox="1"/>
+            <p:nvPr/>
+          </p:nvSpPr>
+          <p:spPr>
+            <a:xfrm>
+              <a:off x="1036424" y="4803250"/>
+              <a:ext cx="1492083" cy="523220"/>
+            </a:xfrm>
+            <a:prstGeom prst="rect">
+              <a:avLst/>
+            </a:prstGeom>
+            <a:solidFill>
+              <a:schemeClr val="accent1"/>
+            </a:solidFill>
+          </p:spPr>
+          <p:txBody>
+            <a:bodyPr wrap="square" rtlCol="0">
+              <a:spAutoFit/>
+            </a:bodyPr>
+            <a:lstStyle/>
+            <a:p>
+              <a:pPr algn="ctr"/>
+              <a:r>
+                <a:rPr lang="en-US" sz="1400" b="1" dirty="0"/>
+                <a:t>Min ABV is 0.1%</a:t>
+              </a:r>
+            </a:p>
+          </p:txBody>
+        </p:sp>
+      </p:grpSp>
+      <p:grpSp>
+        <p:nvGrpSpPr>
+          <p:cNvPr id="11" name="Group 10">
+            <a:extLst>
+              <a:ext uri="{FF2B5EF4-FFF2-40B4-BE49-F238E27FC236}">
+                <a16:creationId xmlns:a16="http://schemas.microsoft.com/office/drawing/2014/main" id="{3D6296CB-10C5-4711-AD60-8F3F4F8D1C1D}"/>
+              </a:ext>
+            </a:extLst>
+          </p:cNvPr>
+          <p:cNvGrpSpPr/>
+          <p:nvPr/>
+        </p:nvGrpSpPr>
+        <p:grpSpPr>
+          <a:xfrm>
+            <a:off x="7194717" y="4803250"/>
+            <a:ext cx="1492083" cy="1059653"/>
+            <a:chOff x="7194717" y="4803250"/>
+            <a:chExt cx="1492083" cy="1059653"/>
+          </a:xfrm>
+        </p:grpSpPr>
+        <p:sp>
+          <p:nvSpPr>
+            <p:cNvPr id="6" name="Arrow: Down 5">
+              <a:extLst>
+                <a:ext uri="{FF2B5EF4-FFF2-40B4-BE49-F238E27FC236}">
+                  <a16:creationId xmlns:a16="http://schemas.microsoft.com/office/drawing/2014/main" id="{C438DADD-4529-4706-9FA9-0EBAAFC569DF}"/>
+                </a:ext>
+              </a:extLst>
+            </p:cNvPr>
+            <p:cNvSpPr/>
+            <p:nvPr/>
+          </p:nvSpPr>
+          <p:spPr>
+            <a:xfrm>
+              <a:off x="7872797" y="5214403"/>
+              <a:ext cx="234779" cy="648500"/>
+            </a:xfrm>
+            <a:prstGeom prst="downArrow">
+              <a:avLst/>
+            </a:prstGeom>
+          </p:spPr>
+          <p:style>
+            <a:lnRef idx="2">
+              <a:schemeClr val="accent1">
+                <a:shade val="50000"/>
+              </a:schemeClr>
+            </a:lnRef>
+            <a:fillRef idx="1">
+              <a:schemeClr val="accent1"/>
+            </a:fillRef>
+            <a:effectRef idx="0">
+              <a:schemeClr val="accent1"/>
+            </a:effectRef>
+            <a:fontRef idx="minor">
+              <a:schemeClr val="lt1"/>
+            </a:fontRef>
+          </p:style>
+          <p:txBody>
+            <a:bodyPr rtlCol="0" anchor="ctr"/>
+            <a:lstStyle/>
+            <a:p>
+              <a:pPr algn="ctr"/>
+              <a:endParaRPr lang="en-US" dirty="0"/>
+            </a:p>
+          </p:txBody>
+        </p:sp>
+        <p:sp>
+          <p:nvSpPr>
+            <p:cNvPr id="8" name="TextBox 7">
+              <a:extLst>
+                <a:ext uri="{FF2B5EF4-FFF2-40B4-BE49-F238E27FC236}">
+                  <a16:creationId xmlns:a16="http://schemas.microsoft.com/office/drawing/2014/main" id="{31D8ADCA-DA29-42F1-A84F-9E0B43721ECC}"/>
+                </a:ext>
+              </a:extLst>
+            </p:cNvPr>
+            <p:cNvSpPr txBox="1"/>
+            <p:nvPr/>
+          </p:nvSpPr>
+          <p:spPr>
+            <a:xfrm>
+              <a:off x="7194717" y="4803250"/>
+              <a:ext cx="1492083" cy="523220"/>
+            </a:xfrm>
+            <a:prstGeom prst="rect">
+              <a:avLst/>
+            </a:prstGeom>
+            <a:solidFill>
+              <a:schemeClr val="accent1"/>
+            </a:solidFill>
+          </p:spPr>
+          <p:txBody>
+            <a:bodyPr wrap="square" rtlCol="0">
+              <a:spAutoFit/>
+            </a:bodyPr>
+            <a:lstStyle/>
+            <a:p>
+              <a:pPr algn="ctr"/>
+              <a:r>
+                <a:rPr lang="en-US" sz="1400" b="1" dirty="0"/>
+                <a:t>Max ABV is 12.8%</a:t>
+              </a:r>
+            </a:p>
+          </p:txBody>
+        </p:sp>
+      </p:grpSp>
+      <p:grpSp>
+        <p:nvGrpSpPr>
+          <p:cNvPr id="3" name="Group 2">
+            <a:extLst>
+              <a:ext uri="{FF2B5EF4-FFF2-40B4-BE49-F238E27FC236}">
+                <a16:creationId xmlns:a16="http://schemas.microsoft.com/office/drawing/2014/main" id="{9698B516-A8D6-4CFC-B7E9-E3C37CA51756}"/>
+              </a:ext>
+            </a:extLst>
+          </p:cNvPr>
+          <p:cNvGrpSpPr/>
+          <p:nvPr/>
+        </p:nvGrpSpPr>
+        <p:grpSpPr>
+          <a:xfrm>
+            <a:off x="2193615" y="1885816"/>
+            <a:ext cx="1828087" cy="523220"/>
+            <a:chOff x="2193615" y="1885816"/>
+            <a:chExt cx="1828087" cy="523220"/>
+          </a:xfrm>
+        </p:grpSpPr>
+        <p:sp>
+          <p:nvSpPr>
+            <p:cNvPr id="9" name="Arrow: Right 8">
+              <a:extLst>
+                <a:ext uri="{FF2B5EF4-FFF2-40B4-BE49-F238E27FC236}">
+                  <a16:creationId xmlns:a16="http://schemas.microsoft.com/office/drawing/2014/main" id="{9A54A7FB-8120-462B-9DB4-F980D0D8A424}"/>
+                </a:ext>
+              </a:extLst>
+            </p:cNvPr>
+            <p:cNvSpPr/>
+            <p:nvPr/>
+          </p:nvSpPr>
+          <p:spPr>
+            <a:xfrm>
+              <a:off x="3685699" y="2054750"/>
+              <a:ext cx="336003" cy="185352"/>
+            </a:xfrm>
+            <a:prstGeom prst="rightArrow">
+              <a:avLst/>
+            </a:prstGeom>
+          </p:spPr>
+          <p:style>
+            <a:lnRef idx="2">
+              <a:schemeClr val="accent1">
+                <a:shade val="50000"/>
+              </a:schemeClr>
+            </a:lnRef>
+            <a:fillRef idx="1">
+              <a:schemeClr val="accent1"/>
+            </a:fillRef>
+            <a:effectRef idx="0">
+              <a:schemeClr val="accent1"/>
+            </a:effectRef>
+            <a:fontRef idx="minor">
+              <a:schemeClr val="lt1"/>
+            </a:fontRef>
+          </p:style>
+          <p:txBody>
+            <a:bodyPr rtlCol="0" anchor="ctr"/>
+            <a:lstStyle/>
+            <a:p>
+              <a:pPr algn="ctr"/>
+              <a:endParaRPr lang="en-US"/>
+            </a:p>
+          </p:txBody>
+        </p:sp>
+        <p:sp>
+          <p:nvSpPr>
+            <p:cNvPr id="10" name="TextBox 9">
+              <a:extLst>
+                <a:ext uri="{FF2B5EF4-FFF2-40B4-BE49-F238E27FC236}">
+                  <a16:creationId xmlns:a16="http://schemas.microsoft.com/office/drawing/2014/main" id="{378529AA-B890-489F-BC49-247DA62897C6}"/>
+                </a:ext>
+              </a:extLst>
+            </p:cNvPr>
+            <p:cNvSpPr txBox="1"/>
+            <p:nvPr/>
+          </p:nvSpPr>
+          <p:spPr>
+            <a:xfrm>
+              <a:off x="2193615" y="1885816"/>
+              <a:ext cx="1492083" cy="523220"/>
+            </a:xfrm>
+            <a:prstGeom prst="rect">
+              <a:avLst/>
+            </a:prstGeom>
+            <a:solidFill>
+              <a:schemeClr val="accent1"/>
+            </a:solidFill>
+          </p:spPr>
+          <p:txBody>
+            <a:bodyPr wrap="square" rtlCol="0">
+              <a:spAutoFit/>
+            </a:bodyPr>
+            <a:lstStyle/>
+            <a:p>
+              <a:pPr algn="ctr"/>
+              <a:r>
+                <a:rPr lang="en-US" sz="1400" b="1" dirty="0"/>
+                <a:t>Average ABV is 5.9%</a:t>
+              </a:r>
+            </a:p>
+          </p:txBody>
+        </p:sp>
+      </p:grpSp>
     </p:spTree>
     <p:extLst>
       <p:ext uri="{BB962C8B-B14F-4D97-AF65-F5344CB8AC3E}">
@@ -5415,6 +6370,225 @@
   <p:clrMapOvr>
     <a:masterClrMapping/>
   </p:clrMapOvr>
+  <p:timing>
+    <p:tnLst>
+      <p:par>
+        <p:cTn id="1" dur="indefinite" restart="never" nodeType="tmRoot">
+          <p:childTnLst>
+            <p:seq concurrent="1" nextAc="seek">
+              <p:cTn id="2" dur="indefinite" nodeType="mainSeq">
+                <p:childTnLst>
+                  <p:par>
+                    <p:cTn id="3" fill="hold">
+                      <p:stCondLst>
+                        <p:cond delay="indefinite"/>
+                      </p:stCondLst>
+                      <p:childTnLst>
+                        <p:par>
+                          <p:cTn id="4" fill="hold">
+                            <p:stCondLst>
+                              <p:cond delay="0"/>
+                            </p:stCondLst>
+                            <p:childTnLst>
+                              <p:par>
+                                <p:cTn id="5" presetID="2" presetClass="entr" presetSubtype="8" fill="hold" nodeType="clickEffect">
+                                  <p:stCondLst>
+                                    <p:cond delay="0"/>
+                                  </p:stCondLst>
+                                  <p:childTnLst>
+                                    <p:set>
+                                      <p:cBhvr>
+                                        <p:cTn id="6" dur="1" fill="hold">
+                                          <p:stCondLst>
+                                            <p:cond delay="0"/>
+                                          </p:stCondLst>
+                                        </p:cTn>
+                                        <p:tgtEl>
+                                          <p:spTgt spid="3"/>
+                                        </p:tgtEl>
+                                        <p:attrNameLst>
+                                          <p:attrName>style.visibility</p:attrName>
+                                        </p:attrNameLst>
+                                      </p:cBhvr>
+                                      <p:to>
+                                        <p:strVal val="visible"/>
+                                      </p:to>
+                                    </p:set>
+                                    <p:anim calcmode="lin" valueType="num">
+                                      <p:cBhvr additive="base">
+                                        <p:cTn id="7" dur="500" fill="hold"/>
+                                        <p:tgtEl>
+                                          <p:spTgt spid="3"/>
+                                        </p:tgtEl>
+                                        <p:attrNameLst>
+                                          <p:attrName>ppt_x</p:attrName>
+                                        </p:attrNameLst>
+                                      </p:cBhvr>
+                                      <p:tavLst>
+                                        <p:tav tm="0">
+                                          <p:val>
+                                            <p:strVal val="0-#ppt_w/2"/>
+                                          </p:val>
+                                        </p:tav>
+                                        <p:tav tm="100000">
+                                          <p:val>
+                                            <p:strVal val="#ppt_x"/>
+                                          </p:val>
+                                        </p:tav>
+                                      </p:tavLst>
+                                    </p:anim>
+                                    <p:anim calcmode="lin" valueType="num">
+                                      <p:cBhvr additive="base">
+                                        <p:cTn id="8" dur="500" fill="hold"/>
+                                        <p:tgtEl>
+                                          <p:spTgt spid="3"/>
+                                        </p:tgtEl>
+                                        <p:attrNameLst>
+                                          <p:attrName>ppt_y</p:attrName>
+                                        </p:attrNameLst>
+                                      </p:cBhvr>
+                                      <p:tavLst>
+                                        <p:tav tm="0">
+                                          <p:val>
+                                            <p:strVal val="#ppt_y"/>
+                                          </p:val>
+                                        </p:tav>
+                                        <p:tav tm="100000">
+                                          <p:val>
+                                            <p:strVal val="#ppt_y"/>
+                                          </p:val>
+                                        </p:tav>
+                                      </p:tavLst>
+                                    </p:anim>
+                                  </p:childTnLst>
+                                </p:cTn>
+                              </p:par>
+                            </p:childTnLst>
+                          </p:cTn>
+                        </p:par>
+                      </p:childTnLst>
+                    </p:cTn>
+                  </p:par>
+                  <p:par>
+                    <p:cTn id="9" fill="hold">
+                      <p:stCondLst>
+                        <p:cond delay="indefinite"/>
+                      </p:stCondLst>
+                      <p:childTnLst>
+                        <p:par>
+                          <p:cTn id="10" fill="hold">
+                            <p:stCondLst>
+                              <p:cond delay="0"/>
+                            </p:stCondLst>
+                            <p:childTnLst>
+                              <p:par>
+                                <p:cTn id="11" presetID="10" presetClass="entr" presetSubtype="0" fill="hold" nodeType="clickEffect">
+                                  <p:stCondLst>
+                                    <p:cond delay="0"/>
+                                  </p:stCondLst>
+                                  <p:childTnLst>
+                                    <p:set>
+                                      <p:cBhvr>
+                                        <p:cTn id="12" dur="1" fill="hold">
+                                          <p:stCondLst>
+                                            <p:cond delay="0"/>
+                                          </p:stCondLst>
+                                        </p:cTn>
+                                        <p:tgtEl>
+                                          <p:spTgt spid="12"/>
+                                        </p:tgtEl>
+                                        <p:attrNameLst>
+                                          <p:attrName>style.visibility</p:attrName>
+                                        </p:attrNameLst>
+                                      </p:cBhvr>
+                                      <p:to>
+                                        <p:strVal val="visible"/>
+                                      </p:to>
+                                    </p:set>
+                                    <p:animEffect transition="in" filter="fade">
+                                      <p:cBhvr>
+                                        <p:cTn id="13" dur="500"/>
+                                        <p:tgtEl>
+                                          <p:spTgt spid="12"/>
+                                        </p:tgtEl>
+                                      </p:cBhvr>
+                                    </p:animEffect>
+                                  </p:childTnLst>
+                                </p:cTn>
+                              </p:par>
+                            </p:childTnLst>
+                          </p:cTn>
+                        </p:par>
+                      </p:childTnLst>
+                    </p:cTn>
+                  </p:par>
+                  <p:par>
+                    <p:cTn id="14" fill="hold">
+                      <p:stCondLst>
+                        <p:cond delay="indefinite"/>
+                      </p:stCondLst>
+                      <p:childTnLst>
+                        <p:par>
+                          <p:cTn id="15" fill="hold">
+                            <p:stCondLst>
+                              <p:cond delay="0"/>
+                            </p:stCondLst>
+                            <p:childTnLst>
+                              <p:par>
+                                <p:cTn id="16" presetID="1" presetClass="entr" presetSubtype="0" fill="hold" nodeType="clickEffect">
+                                  <p:stCondLst>
+                                    <p:cond delay="0"/>
+                                  </p:stCondLst>
+                                  <p:childTnLst>
+                                    <p:set>
+                                      <p:cBhvr>
+                                        <p:cTn id="17" dur="1" fill="hold">
+                                          <p:stCondLst>
+                                            <p:cond delay="0"/>
+                                          </p:stCondLst>
+                                        </p:cTn>
+                                        <p:tgtEl>
+                                          <p:spTgt spid="11"/>
+                                        </p:tgtEl>
+                                        <p:attrNameLst>
+                                          <p:attrName>style.visibility</p:attrName>
+                                        </p:attrNameLst>
+                                      </p:cBhvr>
+                                      <p:to>
+                                        <p:strVal val="visible"/>
+                                      </p:to>
+                                    </p:set>
+                                  </p:childTnLst>
+                                </p:cTn>
+                              </p:par>
+                            </p:childTnLst>
+                          </p:cTn>
+                        </p:par>
+                      </p:childTnLst>
+                    </p:cTn>
+                  </p:par>
+                </p:childTnLst>
+              </p:cTn>
+              <p:prevCondLst>
+                <p:cond evt="onPrev" delay="0">
+                  <p:tgtEl>
+                    <p:sldTgt/>
+                  </p:tgtEl>
+                </p:cond>
+              </p:prevCondLst>
+              <p:nextCondLst>
+                <p:cond evt="onNext" delay="0">
+                  <p:tgtEl>
+                    <p:sldTgt/>
+                  </p:tgtEl>
+                </p:cond>
+              </p:nextCondLst>
+            </p:seq>
+          </p:childTnLst>
+        </p:cTn>
+      </p:par>
+    </p:tnLst>
+  </p:timing>
 </p:sld>
 </file>
 
@@ -5605,6 +6779,80 @@
           </p:txBody>
         </p:sp>
       </p:grpSp>
+      <p:sp>
+        <p:nvSpPr>
+          <p:cNvPr id="3" name="TextBox 2">
+            <a:extLst>
+              <a:ext uri="{FF2B5EF4-FFF2-40B4-BE49-F238E27FC236}">
+                <a16:creationId xmlns:a16="http://schemas.microsoft.com/office/drawing/2014/main" id="{5E415383-DCCF-41EF-9825-C0CEC6C28B4B}"/>
+              </a:ext>
+            </a:extLst>
+          </p:cNvPr>
+          <p:cNvSpPr txBox="1"/>
+          <p:nvPr/>
+        </p:nvSpPr>
+        <p:spPr>
+          <a:xfrm>
+            <a:off x="370704" y="3682311"/>
+            <a:ext cx="827902" cy="461665"/>
+          </a:xfrm>
+          <a:prstGeom prst="rect">
+            <a:avLst/>
+          </a:prstGeom>
+          <a:solidFill>
+            <a:schemeClr val="bg1"/>
+          </a:solidFill>
+        </p:spPr>
+        <p:txBody>
+          <a:bodyPr wrap="square" rtlCol="0">
+            <a:spAutoFit/>
+          </a:bodyPr>
+          <a:lstStyle/>
+          <a:p>
+            <a:r>
+              <a:rPr lang="en-US" sz="2400" dirty="0"/>
+              <a:t>ABV</a:t>
+            </a:r>
+          </a:p>
+        </p:txBody>
+      </p:sp>
+      <p:sp>
+        <p:nvSpPr>
+          <p:cNvPr id="8" name="TextBox 7">
+            <a:extLst>
+              <a:ext uri="{FF2B5EF4-FFF2-40B4-BE49-F238E27FC236}">
+                <a16:creationId xmlns:a16="http://schemas.microsoft.com/office/drawing/2014/main" id="{C033F64C-AD18-4E4A-BD97-A76873154B8E}"/>
+              </a:ext>
+            </a:extLst>
+          </p:cNvPr>
+          <p:cNvSpPr txBox="1"/>
+          <p:nvPr/>
+        </p:nvSpPr>
+        <p:spPr>
+          <a:xfrm>
+            <a:off x="4572000" y="6196565"/>
+            <a:ext cx="827902" cy="461665"/>
+          </a:xfrm>
+          <a:prstGeom prst="rect">
+            <a:avLst/>
+          </a:prstGeom>
+          <a:solidFill>
+            <a:schemeClr val="bg1"/>
+          </a:solidFill>
+        </p:spPr>
+        <p:txBody>
+          <a:bodyPr wrap="square" rtlCol="0">
+            <a:spAutoFit/>
+          </a:bodyPr>
+          <a:lstStyle/>
+          <a:p>
+            <a:r>
+              <a:rPr lang="en-US" sz="2400" dirty="0"/>
+              <a:t>IBU</a:t>
+            </a:r>
+          </a:p>
+        </p:txBody>
+      </p:sp>
     </p:spTree>
     <p:extLst>
       <p:ext uri="{BB962C8B-B14F-4D97-AF65-F5344CB8AC3E}">

--- a/Unit 9 Case Study_Nelson_Hedge.pptx
+++ b/Unit 9 Case Study_Nelson_Hedge.pptx
@@ -15,8 +15,10 @@
     <p:sldId id="744" r:id="rId9"/>
     <p:sldId id="745" r:id="rId10"/>
     <p:sldId id="753" r:id="rId11"/>
-    <p:sldId id="754" r:id="rId12"/>
-    <p:sldId id="526" r:id="rId13"/>
+    <p:sldId id="756" r:id="rId12"/>
+    <p:sldId id="757" r:id="rId13"/>
+    <p:sldId id="754" r:id="rId14"/>
+    <p:sldId id="526" r:id="rId15"/>
   </p:sldIdLst>
   <p:sldSz cx="9144000" cy="6858000" type="screen4x3"/>
   <p:notesSz cx="6858000" cy="9144000"/>
@@ -2773,6 +2775,571 @@
           <a:chExt cx="0" cy="0"/>
         </a:xfrm>
       </p:grpSpPr>
+      <p:pic>
+        <p:nvPicPr>
+          <p:cNvPr id="4" name="Picture">
+            <a:extLst>
+              <a:ext uri="{FF2B5EF4-FFF2-40B4-BE49-F238E27FC236}">
+                <a16:creationId xmlns:a16="http://schemas.microsoft.com/office/drawing/2014/main" id="{3BE3B116-629B-4F4E-876C-B8AED6E5011E}"/>
+              </a:ext>
+            </a:extLst>
+          </p:cNvPr>
+          <p:cNvPicPr>
+            <a:picLocks noGrp="1"/>
+          </p:cNvPicPr>
+          <p:nvPr>
+            <p:ph idx="1"/>
+          </p:nvPr>
+        </p:nvPicPr>
+        <p:blipFill>
+          <a:blip r:embed="rId2"/>
+          <a:stretch>
+            <a:fillRect/>
+          </a:stretch>
+        </p:blipFill>
+        <p:spPr bwMode="auto">
+          <a:xfrm>
+            <a:off x="457199" y="1315654"/>
+            <a:ext cx="8235864" cy="5310614"/>
+          </a:xfrm>
+          <a:prstGeom prst="rect">
+            <a:avLst/>
+          </a:prstGeom>
+          <a:noFill/>
+          <a:ln w="9525">
+            <a:noFill/>
+            <a:headEnd/>
+            <a:tailEnd/>
+          </a:ln>
+        </p:spPr>
+      </p:pic>
+      <p:sp>
+        <p:nvSpPr>
+          <p:cNvPr id="5" name="Title 1">
+            <a:extLst>
+              <a:ext uri="{FF2B5EF4-FFF2-40B4-BE49-F238E27FC236}">
+                <a16:creationId xmlns:a16="http://schemas.microsoft.com/office/drawing/2014/main" id="{13E1521C-88E8-4458-8731-160D8A2BA9F6}"/>
+              </a:ext>
+            </a:extLst>
+          </p:cNvPr>
+          <p:cNvSpPr>
+            <a:spLocks noGrp="1"/>
+          </p:cNvSpPr>
+          <p:nvPr>
+            <p:ph type="title"/>
+          </p:nvPr>
+        </p:nvSpPr>
+        <p:spPr>
+          <a:xfrm>
+            <a:off x="457200" y="228600"/>
+            <a:ext cx="8229600" cy="1143000"/>
+          </a:xfrm>
+        </p:spPr>
+        <p:txBody>
+          <a:bodyPr/>
+          <a:lstStyle/>
+          <a:p>
+            <a:r>
+              <a:rPr lang="en-US" dirty="0"/>
+              <a:t>Compare IPAs to other Ales</a:t>
+            </a:r>
+          </a:p>
+        </p:txBody>
+      </p:sp>
+      <p:sp>
+        <p:nvSpPr>
+          <p:cNvPr id="7" name="TextBox 6">
+            <a:extLst>
+              <a:ext uri="{FF2B5EF4-FFF2-40B4-BE49-F238E27FC236}">
+                <a16:creationId xmlns:a16="http://schemas.microsoft.com/office/drawing/2014/main" id="{0D476AC6-9A50-484A-BDEA-893056F24611}"/>
+              </a:ext>
+            </a:extLst>
+          </p:cNvPr>
+          <p:cNvSpPr txBox="1"/>
+          <p:nvPr/>
+        </p:nvSpPr>
+        <p:spPr>
+          <a:xfrm>
+            <a:off x="3832964" y="3629602"/>
+            <a:ext cx="563671" cy="369332"/>
+          </a:xfrm>
+          <a:prstGeom prst="rect">
+            <a:avLst/>
+          </a:prstGeom>
+          <a:noFill/>
+        </p:spPr>
+        <p:txBody>
+          <a:bodyPr wrap="square" rtlCol="0">
+            <a:spAutoFit/>
+          </a:bodyPr>
+          <a:lstStyle/>
+          <a:p>
+            <a:r>
+              <a:rPr lang="en-US" b="1" dirty="0"/>
+              <a:t>IPA</a:t>
+            </a:r>
+          </a:p>
+        </p:txBody>
+      </p:sp>
+      <p:sp>
+        <p:nvSpPr>
+          <p:cNvPr id="8" name="TextBox 7">
+            <a:extLst>
+              <a:ext uri="{FF2B5EF4-FFF2-40B4-BE49-F238E27FC236}">
+                <a16:creationId xmlns:a16="http://schemas.microsoft.com/office/drawing/2014/main" id="{4021E3EE-F58D-45A5-9D7C-D8205154A9D3}"/>
+              </a:ext>
+            </a:extLst>
+          </p:cNvPr>
+          <p:cNvSpPr txBox="1"/>
+          <p:nvPr/>
+        </p:nvSpPr>
+        <p:spPr>
+          <a:xfrm>
+            <a:off x="2106460" y="4408303"/>
+            <a:ext cx="799578" cy="646331"/>
+          </a:xfrm>
+          <a:prstGeom prst="rect">
+            <a:avLst/>
+          </a:prstGeom>
+          <a:noFill/>
+        </p:spPr>
+        <p:txBody>
+          <a:bodyPr wrap="square" rtlCol="0">
+            <a:spAutoFit/>
+          </a:bodyPr>
+          <a:lstStyle/>
+          <a:p>
+            <a:pPr algn="ctr"/>
+            <a:r>
+              <a:rPr lang="en-US" b="1" dirty="0"/>
+              <a:t>PALE ALE</a:t>
+            </a:r>
+          </a:p>
+        </p:txBody>
+      </p:sp>
+    </p:spTree>
+    <p:extLst>
+      <p:ext uri="{BB962C8B-B14F-4D97-AF65-F5344CB8AC3E}">
+        <p14:creationId xmlns:p14="http://schemas.microsoft.com/office/powerpoint/2010/main" val="99113521"/>
+      </p:ext>
+    </p:extLst>
+  </p:cSld>
+  <p:clrMapOvr>
+    <a:masterClrMapping/>
+  </p:clrMapOvr>
+</p:sld>
+</file>
+
+<file path=ppt/slides/slide12.xml><?xml version="1.0" encoding="utf-8"?>
+<p:sld xmlns:a="http://schemas.openxmlformats.org/drawingml/2006/main" xmlns:r="http://schemas.openxmlformats.org/officeDocument/2006/relationships" xmlns:p="http://schemas.openxmlformats.org/presentationml/2006/main">
+  <p:cSld>
+    <p:spTree>
+      <p:nvGrpSpPr>
+        <p:cNvPr id="1" name=""/>
+        <p:cNvGrpSpPr/>
+        <p:nvPr/>
+      </p:nvGrpSpPr>
+      <p:grpSpPr>
+        <a:xfrm>
+          <a:off x="0" y="0"/>
+          <a:ext cx="0" cy="0"/>
+          <a:chOff x="0" y="0"/>
+          <a:chExt cx="0" cy="0"/>
+        </a:xfrm>
+      </p:grpSpPr>
+      <p:sp>
+        <p:nvSpPr>
+          <p:cNvPr id="4" name="Title 1">
+            <a:extLst>
+              <a:ext uri="{FF2B5EF4-FFF2-40B4-BE49-F238E27FC236}">
+                <a16:creationId xmlns:a16="http://schemas.microsoft.com/office/drawing/2014/main" id="{3EFB6545-C113-411C-B3F3-8FE9FAE5A1E6}"/>
+              </a:ext>
+            </a:extLst>
+          </p:cNvPr>
+          <p:cNvSpPr>
+            <a:spLocks noGrp="1"/>
+          </p:cNvSpPr>
+          <p:nvPr>
+            <p:ph type="title"/>
+          </p:nvPr>
+        </p:nvSpPr>
+        <p:spPr>
+          <a:xfrm>
+            <a:off x="457200" y="228600"/>
+            <a:ext cx="8229600" cy="1143000"/>
+          </a:xfrm>
+        </p:spPr>
+        <p:txBody>
+          <a:bodyPr/>
+          <a:lstStyle/>
+          <a:p>
+            <a:r>
+              <a:rPr lang="en-US" dirty="0" err="1"/>
+              <a:t>kNN</a:t>
+            </a:r>
+            <a:r>
+              <a:rPr lang="en-US" dirty="0"/>
+              <a:t> on IPAs to other Ales</a:t>
+            </a:r>
+          </a:p>
+        </p:txBody>
+      </p:sp>
+      <p:sp>
+        <p:nvSpPr>
+          <p:cNvPr id="7" name="Content Placeholder 6">
+            <a:extLst>
+              <a:ext uri="{FF2B5EF4-FFF2-40B4-BE49-F238E27FC236}">
+                <a16:creationId xmlns:a16="http://schemas.microsoft.com/office/drawing/2014/main" id="{1318DBAB-9150-4508-BFE1-03C69B389378}"/>
+              </a:ext>
+            </a:extLst>
+          </p:cNvPr>
+          <p:cNvSpPr>
+            <a:spLocks noGrp="1"/>
+          </p:cNvSpPr>
+          <p:nvPr>
+            <p:ph idx="1"/>
+          </p:nvPr>
+        </p:nvSpPr>
+        <p:spPr>
+          <a:xfrm>
+            <a:off x="150312" y="1312102"/>
+            <a:ext cx="8830850" cy="4525963"/>
+          </a:xfrm>
+        </p:spPr>
+        <p:txBody>
+          <a:bodyPr/>
+          <a:lstStyle/>
+          <a:p>
+            <a:r>
+              <a:rPr lang="en-US" dirty="0"/>
+              <a:t>Since there was a distinction between IPAs and other Ales, we are able to use </a:t>
+            </a:r>
+            <a:r>
+              <a:rPr lang="en-US" dirty="0" err="1"/>
+              <a:t>kNN</a:t>
+            </a:r>
+            <a:endParaRPr lang="en-US" dirty="0"/>
+          </a:p>
+          <a:p>
+            <a:r>
+              <a:rPr lang="en-US" dirty="0"/>
+              <a:t>We trained the </a:t>
+            </a:r>
+            <a:r>
+              <a:rPr lang="en-US" dirty="0" err="1"/>
+              <a:t>kNN</a:t>
+            </a:r>
+            <a:r>
+              <a:rPr lang="en-US" dirty="0"/>
+              <a:t> Classifier on IPAs and other Ales, based on ABV and IBU</a:t>
+            </a:r>
+          </a:p>
+          <a:p>
+            <a:pPr marL="0" indent="0">
+              <a:buNone/>
+            </a:pPr>
+            <a:endParaRPr lang="en-US" dirty="0"/>
+          </a:p>
+          <a:p>
+            <a:pPr marL="0" indent="0" algn="ctr">
+              <a:buNone/>
+            </a:pPr>
+            <a:r>
+              <a:rPr lang="en-US" b="1" dirty="0">
+                <a:solidFill>
+                  <a:srgbClr val="FF0000"/>
+                </a:solidFill>
+              </a:rPr>
+              <a:t>*We can predict with 92% accuracy whether a beer is an IPA or other Ale*</a:t>
+            </a:r>
+          </a:p>
+        </p:txBody>
+      </p:sp>
+    </p:spTree>
+    <p:extLst>
+      <p:ext uri="{BB962C8B-B14F-4D97-AF65-F5344CB8AC3E}">
+        <p14:creationId xmlns:p14="http://schemas.microsoft.com/office/powerpoint/2010/main" val="2601237660"/>
+      </p:ext>
+    </p:extLst>
+  </p:cSld>
+  <p:clrMapOvr>
+    <a:masterClrMapping/>
+  </p:clrMapOvr>
+  <p:timing>
+    <p:tnLst>
+      <p:par>
+        <p:cTn id="1" dur="indefinite" restart="never" nodeType="tmRoot">
+          <p:childTnLst>
+            <p:seq concurrent="1" nextAc="seek">
+              <p:cTn id="2" dur="indefinite" nodeType="mainSeq">
+                <p:childTnLst>
+                  <p:par>
+                    <p:cTn id="3" fill="hold">
+                      <p:stCondLst>
+                        <p:cond delay="indefinite"/>
+                      </p:stCondLst>
+                      <p:childTnLst>
+                        <p:par>
+                          <p:cTn id="4" fill="hold">
+                            <p:stCondLst>
+                              <p:cond delay="0"/>
+                            </p:stCondLst>
+                            <p:childTnLst>
+                              <p:par>
+                                <p:cTn id="5" presetID="1" presetClass="entr" presetSubtype="0" fill="hold" nodeType="clickEffect">
+                                  <p:stCondLst>
+                                    <p:cond delay="0"/>
+                                  </p:stCondLst>
+                                  <p:childTnLst>
+                                    <p:set>
+                                      <p:cBhvr>
+                                        <p:cTn id="6" dur="1" fill="hold">
+                                          <p:stCondLst>
+                                            <p:cond delay="0"/>
+                                          </p:stCondLst>
+                                        </p:cTn>
+                                        <p:tgtEl>
+                                          <p:spTgt spid="7">
+                                            <p:txEl>
+                                              <p:pRg st="0" end="0"/>
+                                            </p:txEl>
+                                          </p:spTgt>
+                                        </p:tgtEl>
+                                        <p:attrNameLst>
+                                          <p:attrName>style.visibility</p:attrName>
+                                        </p:attrNameLst>
+                                      </p:cBhvr>
+                                      <p:to>
+                                        <p:strVal val="visible"/>
+                                      </p:to>
+                                    </p:set>
+                                  </p:childTnLst>
+                                </p:cTn>
+                              </p:par>
+                            </p:childTnLst>
+                          </p:cTn>
+                        </p:par>
+                      </p:childTnLst>
+                    </p:cTn>
+                  </p:par>
+                  <p:par>
+                    <p:cTn id="7" fill="hold">
+                      <p:stCondLst>
+                        <p:cond delay="indefinite"/>
+                      </p:stCondLst>
+                      <p:childTnLst>
+                        <p:par>
+                          <p:cTn id="8" fill="hold">
+                            <p:stCondLst>
+                              <p:cond delay="0"/>
+                            </p:stCondLst>
+                            <p:childTnLst>
+                              <p:par>
+                                <p:cTn id="9" presetID="10" presetClass="entr" presetSubtype="0" fill="hold" nodeType="clickEffect">
+                                  <p:stCondLst>
+                                    <p:cond delay="0"/>
+                                  </p:stCondLst>
+                                  <p:childTnLst>
+                                    <p:set>
+                                      <p:cBhvr>
+                                        <p:cTn id="10" dur="1" fill="hold">
+                                          <p:stCondLst>
+                                            <p:cond delay="0"/>
+                                          </p:stCondLst>
+                                        </p:cTn>
+                                        <p:tgtEl>
+                                          <p:spTgt spid="7">
+                                            <p:txEl>
+                                              <p:pRg st="1" end="1"/>
+                                            </p:txEl>
+                                          </p:spTgt>
+                                        </p:tgtEl>
+                                        <p:attrNameLst>
+                                          <p:attrName>style.visibility</p:attrName>
+                                        </p:attrNameLst>
+                                      </p:cBhvr>
+                                      <p:to>
+                                        <p:strVal val="visible"/>
+                                      </p:to>
+                                    </p:set>
+                                    <p:animEffect transition="in" filter="fade">
+                                      <p:cBhvr>
+                                        <p:cTn id="11" dur="500"/>
+                                        <p:tgtEl>
+                                          <p:spTgt spid="7">
+                                            <p:txEl>
+                                              <p:pRg st="1" end="1"/>
+                                            </p:txEl>
+                                          </p:spTgt>
+                                        </p:tgtEl>
+                                      </p:cBhvr>
+                                    </p:animEffect>
+                                  </p:childTnLst>
+                                </p:cTn>
+                              </p:par>
+                            </p:childTnLst>
+                          </p:cTn>
+                        </p:par>
+                      </p:childTnLst>
+                    </p:cTn>
+                  </p:par>
+                  <p:par>
+                    <p:cTn id="12" fill="hold">
+                      <p:stCondLst>
+                        <p:cond delay="indefinite"/>
+                      </p:stCondLst>
+                      <p:childTnLst>
+                        <p:par>
+                          <p:cTn id="13" fill="hold">
+                            <p:stCondLst>
+                              <p:cond delay="0"/>
+                            </p:stCondLst>
+                            <p:childTnLst>
+                              <p:par>
+                                <p:cTn id="14" presetID="53" presetClass="entr" presetSubtype="16" fill="hold" nodeType="clickEffect">
+                                  <p:stCondLst>
+                                    <p:cond delay="0"/>
+                                  </p:stCondLst>
+                                  <p:childTnLst>
+                                    <p:set>
+                                      <p:cBhvr>
+                                        <p:cTn id="15" dur="1" fill="hold">
+                                          <p:stCondLst>
+                                            <p:cond delay="0"/>
+                                          </p:stCondLst>
+                                        </p:cTn>
+                                        <p:tgtEl>
+                                          <p:spTgt spid="7">
+                                            <p:txEl>
+                                              <p:pRg st="3" end="3"/>
+                                            </p:txEl>
+                                          </p:spTgt>
+                                        </p:tgtEl>
+                                        <p:attrNameLst>
+                                          <p:attrName>style.visibility</p:attrName>
+                                        </p:attrNameLst>
+                                      </p:cBhvr>
+                                      <p:to>
+                                        <p:strVal val="visible"/>
+                                      </p:to>
+                                    </p:set>
+                                    <p:anim calcmode="lin" valueType="num">
+                                      <p:cBhvr>
+                                        <p:cTn id="16" dur="500" fill="hold"/>
+                                        <p:tgtEl>
+                                          <p:spTgt spid="7">
+                                            <p:txEl>
+                                              <p:pRg st="3" end="3"/>
+                                            </p:txEl>
+                                          </p:spTgt>
+                                        </p:tgtEl>
+                                        <p:attrNameLst>
+                                          <p:attrName>ppt_w</p:attrName>
+                                        </p:attrNameLst>
+                                      </p:cBhvr>
+                                      <p:tavLst>
+                                        <p:tav tm="0">
+                                          <p:val>
+                                            <p:fltVal val="0"/>
+                                          </p:val>
+                                        </p:tav>
+                                        <p:tav tm="100000">
+                                          <p:val>
+                                            <p:strVal val="#ppt_w"/>
+                                          </p:val>
+                                        </p:tav>
+                                      </p:tavLst>
+                                    </p:anim>
+                                    <p:anim calcmode="lin" valueType="num">
+                                      <p:cBhvr>
+                                        <p:cTn id="17" dur="500" fill="hold"/>
+                                        <p:tgtEl>
+                                          <p:spTgt spid="7">
+                                            <p:txEl>
+                                              <p:pRg st="3" end="3"/>
+                                            </p:txEl>
+                                          </p:spTgt>
+                                        </p:tgtEl>
+                                        <p:attrNameLst>
+                                          <p:attrName>ppt_h</p:attrName>
+                                        </p:attrNameLst>
+                                      </p:cBhvr>
+                                      <p:tavLst>
+                                        <p:tav tm="0">
+                                          <p:val>
+                                            <p:fltVal val="0"/>
+                                          </p:val>
+                                        </p:tav>
+                                        <p:tav tm="100000">
+                                          <p:val>
+                                            <p:strVal val="#ppt_h"/>
+                                          </p:val>
+                                        </p:tav>
+                                      </p:tavLst>
+                                    </p:anim>
+                                    <p:animEffect transition="in" filter="fade">
+                                      <p:cBhvr>
+                                        <p:cTn id="18" dur="500"/>
+                                        <p:tgtEl>
+                                          <p:spTgt spid="7">
+                                            <p:txEl>
+                                              <p:pRg st="3" end="3"/>
+                                            </p:txEl>
+                                          </p:spTgt>
+                                        </p:tgtEl>
+                                      </p:cBhvr>
+                                    </p:animEffect>
+                                  </p:childTnLst>
+                                </p:cTn>
+                              </p:par>
+                            </p:childTnLst>
+                          </p:cTn>
+                        </p:par>
+                      </p:childTnLst>
+                    </p:cTn>
+                  </p:par>
+                </p:childTnLst>
+              </p:cTn>
+              <p:prevCondLst>
+                <p:cond evt="onPrev" delay="0">
+                  <p:tgtEl>
+                    <p:sldTgt/>
+                  </p:tgtEl>
+                </p:cond>
+              </p:prevCondLst>
+              <p:nextCondLst>
+                <p:cond evt="onNext" delay="0">
+                  <p:tgtEl>
+                    <p:sldTgt/>
+                  </p:tgtEl>
+                </p:cond>
+              </p:nextCondLst>
+            </p:seq>
+          </p:childTnLst>
+        </p:cTn>
+      </p:par>
+    </p:tnLst>
+  </p:timing>
+</p:sld>
+</file>
+
+<file path=ppt/slides/slide13.xml><?xml version="1.0" encoding="utf-8"?>
+<p:sld xmlns:a="http://schemas.openxmlformats.org/drawingml/2006/main" xmlns:r="http://schemas.openxmlformats.org/officeDocument/2006/relationships" xmlns:p="http://schemas.openxmlformats.org/presentationml/2006/main">
+  <p:cSld>
+    <p:spTree>
+      <p:nvGrpSpPr>
+        <p:cNvPr id="1" name=""/>
+        <p:cNvGrpSpPr/>
+        <p:nvPr/>
+      </p:nvGrpSpPr>
+      <p:grpSpPr>
+        <a:xfrm>
+          <a:off x="0" y="0"/>
+          <a:ext cx="0" cy="0"/>
+          <a:chOff x="0" y="0"/>
+          <a:chExt cx="0" cy="0"/>
+        </a:xfrm>
+      </p:grpSpPr>
       <p:sp>
         <p:nvSpPr>
           <p:cNvPr id="2" name="Title 1">
@@ -2796,7 +3363,7 @@
           <a:p>
             <a:r>
               <a:rPr lang="en-US" dirty="0"/>
-              <a:t>Future?</a:t>
+              <a:t>Additional Analysis</a:t>
             </a:r>
           </a:p>
         </p:txBody>
@@ -2817,27 +3384,64 @@
             <p:ph idx="1"/>
           </p:nvPr>
         </p:nvSpPr>
-        <p:spPr/>
+        <p:spPr>
+          <a:xfrm>
+            <a:off x="250521" y="1312102"/>
+            <a:ext cx="8743167" cy="5451953"/>
+          </a:xfrm>
+        </p:spPr>
         <p:txBody>
           <a:bodyPr/>
           <a:lstStyle/>
           <a:p>
-            <a:pPr marL="514350" indent="-514350">
-              <a:buAutoNum type="arabicPeriod"/>
+            <a:pPr marL="0" indent="0">
+              <a:buNone/>
             </a:pPr>
             <a:r>
               <a:rPr lang="en-US" dirty="0"/>
-              <a:t>Sales data to correlate type of beers with sales by state.</a:t>
-            </a:r>
-          </a:p>
-          <a:p>
-            <a:pPr marL="514350" indent="-514350">
-              <a:buAutoNum type="arabicPeriod"/>
+              <a:t>If we assume that:</a:t>
+            </a:r>
+          </a:p>
+          <a:p>
+            <a:r>
+              <a:rPr lang="en-US" dirty="0"/>
+              <a:t>current breweries are selling most of their beer locally</a:t>
+            </a:r>
+          </a:p>
+          <a:p>
+            <a:r>
+              <a:rPr lang="en-US" dirty="0"/>
+              <a:t>that they are making beers which sell well in their areas</a:t>
+            </a:r>
+          </a:p>
+          <a:p>
+            <a:r>
+              <a:rPr lang="en-US" dirty="0" err="1"/>
+              <a:t>kNN</a:t>
+            </a:r>
+            <a:r>
+              <a:rPr lang="en-US" dirty="0"/>
+              <a:t> Classifier will predict with 30% accuracy which state a type of beer is from based on ABV, IBU and Style.</a:t>
+            </a:r>
+          </a:p>
+          <a:p>
+            <a:pPr marL="0" indent="0">
+              <a:buNone/>
             </a:pPr>
             <a:r>
-              <a:rPr lang="en-US" dirty="0"/>
-              <a:t>More complete data set for better analysis.</a:t>
-            </a:r>
+              <a:rPr lang="en-US" b="1" dirty="0">
+                <a:solidFill>
+                  <a:srgbClr val="FF0000"/>
+                </a:solidFill>
+              </a:rPr>
+              <a:t>*This allows us to market “our” beer to states that are more likely to buy them!* </a:t>
+            </a:r>
+          </a:p>
+          <a:p>
+            <a:pPr marL="0" indent="0">
+              <a:buNone/>
+            </a:pPr>
+            <a:endParaRPr lang="en-US" dirty="0"/>
           </a:p>
         </p:txBody>
       </p:sp>
@@ -2887,7 +3491,7 @@
                                         <p:tgtEl>
                                           <p:spTgt spid="3">
                                             <p:txEl>
-                                              <p:pRg st="0" end="0"/>
+                                              <p:pRg st="1" end="1"/>
                                             </p:txEl>
                                           </p:spTgt>
                                         </p:tgtEl>
@@ -2905,7 +3509,7 @@
                                         <p:tgtEl>
                                           <p:spTgt spid="3">
                                             <p:txEl>
-                                              <p:pRg st="0" end="0"/>
+                                              <p:pRg st="1" end="1"/>
                                             </p:txEl>
                                           </p:spTgt>
                                         </p:tgtEl>
@@ -2948,7 +3552,7 @@
                                         <p:tgtEl>
                                           <p:spTgt spid="3">
                                             <p:txEl>
-                                              <p:pRg st="1" end="1"/>
+                                              <p:pRg st="2" end="2"/>
                                             </p:txEl>
                                           </p:spTgt>
                                         </p:tgtEl>
@@ -2966,7 +3570,183 @@
                                         <p:tgtEl>
                                           <p:spTgt spid="3">
                                             <p:txEl>
-                                              <p:pRg st="1" end="1"/>
+                                              <p:pRg st="2" end="2"/>
+                                            </p:txEl>
+                                          </p:spTgt>
+                                        </p:tgtEl>
+                                      </p:cBhvr>
+                                    </p:animEffect>
+                                  </p:childTnLst>
+                                </p:cTn>
+                              </p:par>
+                            </p:childTnLst>
+                          </p:cTn>
+                        </p:par>
+                      </p:childTnLst>
+                    </p:cTn>
+                  </p:par>
+                  <p:par>
+                    <p:cTn id="13" fill="hold">
+                      <p:stCondLst>
+                        <p:cond delay="indefinite"/>
+                      </p:stCondLst>
+                      <p:childTnLst>
+                        <p:par>
+                          <p:cTn id="14" fill="hold">
+                            <p:stCondLst>
+                              <p:cond delay="0"/>
+                            </p:stCondLst>
+                            <p:childTnLst>
+                              <p:par>
+                                <p:cTn id="15" presetID="10" presetClass="entr" presetSubtype="0" fill="hold" nodeType="clickEffect">
+                                  <p:stCondLst>
+                                    <p:cond delay="0"/>
+                                  </p:stCondLst>
+                                  <p:childTnLst>
+                                    <p:set>
+                                      <p:cBhvr>
+                                        <p:cTn id="16" dur="1" fill="hold">
+                                          <p:stCondLst>
+                                            <p:cond delay="0"/>
+                                          </p:stCondLst>
+                                        </p:cTn>
+                                        <p:tgtEl>
+                                          <p:spTgt spid="3">
+                                            <p:txEl>
+                                              <p:pRg st="3" end="3"/>
+                                            </p:txEl>
+                                          </p:spTgt>
+                                        </p:tgtEl>
+                                        <p:attrNameLst>
+                                          <p:attrName>style.visibility</p:attrName>
+                                        </p:attrNameLst>
+                                      </p:cBhvr>
+                                      <p:to>
+                                        <p:strVal val="visible"/>
+                                      </p:to>
+                                    </p:set>
+                                    <p:animEffect transition="in" filter="fade">
+                                      <p:cBhvr>
+                                        <p:cTn id="17" dur="500"/>
+                                        <p:tgtEl>
+                                          <p:spTgt spid="3">
+                                            <p:txEl>
+                                              <p:pRg st="3" end="3"/>
+                                            </p:txEl>
+                                          </p:spTgt>
+                                        </p:tgtEl>
+                                      </p:cBhvr>
+                                    </p:animEffect>
+                                  </p:childTnLst>
+                                </p:cTn>
+                              </p:par>
+                            </p:childTnLst>
+                          </p:cTn>
+                        </p:par>
+                      </p:childTnLst>
+                    </p:cTn>
+                  </p:par>
+                  <p:par>
+                    <p:cTn id="18" fill="hold">
+                      <p:stCondLst>
+                        <p:cond delay="indefinite"/>
+                      </p:stCondLst>
+                      <p:childTnLst>
+                        <p:par>
+                          <p:cTn id="19" fill="hold">
+                            <p:stCondLst>
+                              <p:cond delay="0"/>
+                            </p:stCondLst>
+                            <p:childTnLst>
+                              <p:par>
+                                <p:cTn id="20" presetID="53" presetClass="entr" presetSubtype="16" fill="hold" nodeType="clickEffect">
+                                  <p:stCondLst>
+                                    <p:cond delay="0"/>
+                                  </p:stCondLst>
+                                  <p:childTnLst>
+                                    <p:set>
+                                      <p:cBhvr>
+                                        <p:cTn id="21" dur="1" fill="hold">
+                                          <p:stCondLst>
+                                            <p:cond delay="0"/>
+                                          </p:stCondLst>
+                                        </p:cTn>
+                                        <p:tgtEl>
+                                          <p:spTgt spid="3">
+                                            <p:txEl>
+                                              <p:pRg st="4" end="4"/>
+                                            </p:txEl>
+                                          </p:spTgt>
+                                        </p:tgtEl>
+                                        <p:attrNameLst>
+                                          <p:attrName>style.visibility</p:attrName>
+                                        </p:attrNameLst>
+                                      </p:cBhvr>
+                                      <p:to>
+                                        <p:strVal val="visible"/>
+                                      </p:to>
+                                    </p:set>
+                                    <p:anim calcmode="lin" valueType="num">
+                                      <p:cBhvr>
+                                        <p:cTn id="22" dur="500" fill="hold"/>
+                                        <p:tgtEl>
+                                          <p:spTgt spid="3">
+                                            <p:txEl>
+                                              <p:pRg st="4" end="4"/>
+                                            </p:txEl>
+                                          </p:spTgt>
+                                        </p:tgtEl>
+                                        <p:attrNameLst>
+                                          <p:attrName>ppt_w</p:attrName>
+                                        </p:attrNameLst>
+                                      </p:cBhvr>
+                                      <p:tavLst>
+                                        <p:tav tm="0">
+                                          <p:val>
+                                            <p:fltVal val="0"/>
+                                          </p:val>
+                                        </p:tav>
+                                        <p:tav tm="100000">
+                                          <p:val>
+                                            <p:strVal val="#ppt_w"/>
+                                          </p:val>
+                                        </p:tav>
+                                      </p:tavLst>
+                                    </p:anim>
+                                    <p:anim calcmode="lin" valueType="num">
+                                      <p:cBhvr>
+                                        <p:cTn id="23" dur="500" fill="hold"/>
+                                        <p:tgtEl>
+                                          <p:spTgt spid="3">
+                                            <p:txEl>
+                                              <p:pRg st="4" end="4"/>
+                                            </p:txEl>
+                                          </p:spTgt>
+                                        </p:tgtEl>
+                                        <p:attrNameLst>
+                                          <p:attrName>ppt_h</p:attrName>
+                                        </p:attrNameLst>
+                                      </p:cBhvr>
+                                      <p:tavLst>
+                                        <p:tav tm="0">
+                                          <p:val>
+                                            <p:fltVal val="0"/>
+                                          </p:val>
+                                        </p:tav>
+                                        <p:tav tm="100000">
+                                          <p:val>
+                                            <p:strVal val="#ppt_h"/>
+                                          </p:val>
+                                        </p:tav>
+                                      </p:tavLst>
+                                    </p:anim>
+                                    <p:animEffect transition="in" filter="fade">
+                                      <p:cBhvr>
+                                        <p:cTn id="24" dur="500"/>
+                                        <p:tgtEl>
+                                          <p:spTgt spid="3">
+                                            <p:txEl>
+                                              <p:pRg st="4" end="4"/>
                                             </p:txEl>
                                           </p:spTgt>
                                         </p:tgtEl>
@@ -3006,7 +3786,7 @@
 </p:sld>
 </file>
 
-<file path=ppt/slides/slide12.xml><?xml version="1.0" encoding="utf-8"?>
+<file path=ppt/slides/slide14.xml><?xml version="1.0" encoding="utf-8"?>
 <p:sld xmlns:a="http://schemas.openxmlformats.org/drawingml/2006/main" xmlns:r="http://schemas.openxmlformats.org/officeDocument/2006/relationships" xmlns:p="http://schemas.openxmlformats.org/presentationml/2006/main">
   <p:cSld>
     <p:spTree>
